--- a/DBMS Final Project.pptx
+++ b/DBMS Final Project.pptx
@@ -1,34 +1,34 @@
 
 <file path=ppt/presentation.xml><?xml version="1.0" encoding="utf-8"?>
-<p:presentation xmlns:a="http://schemas.openxmlformats.org/drawingml/2006/main" xmlns:r="http://schemas.openxmlformats.org/officeDocument/2006/relationships" xmlns:mc="http://schemas.openxmlformats.org/markup-compatibility/2006" xmlns:mv="urn:schemas-microsoft-com:mac:vml" xmlns:p="http://schemas.openxmlformats.org/presentationml/2006/main" xmlns:c="http://schemas.openxmlformats.org/drawingml/2006/chart" xmlns:dgm="http://schemas.openxmlformats.org/drawingml/2006/diagram" xmlns:o="urn:schemas-microsoft-com:office:office" xmlns:v="urn:schemas-microsoft-com:vml" xmlns:pvml="urn:schemas-microsoft-com:office:powerpoint" xmlns:com="http://schemas.openxmlformats.org/drawingml/2006/compatibility" xmlns:p14="http://schemas.microsoft.com/office/powerpoint/2010/main" xmlns:p15="http://schemas.microsoft.com/office/powerpoint/2012/main" xmlns:ahyp="http://schemas.microsoft.com/office/drawing/2018/hyperlinkcolor" autoCompressPictures="0" embedTrueTypeFonts="1" strictFirstAndLastChars="0" saveSubsetFonts="1">
+<p:presentation xmlns:a="http://schemas.openxmlformats.org/drawingml/2006/main" xmlns:r="http://schemas.openxmlformats.org/officeDocument/2006/relationships" xmlns:p="http://schemas.openxmlformats.org/presentationml/2006/main" strictFirstAndLastChars="0" embedTrueTypeFonts="1" saveSubsetFonts="1" autoCompressPictures="0">
   <p:sldMasterIdLst>
-    <p:sldMasterId id="2147483659" r:id="rId4"/>
+    <p:sldMasterId id="2147483659" r:id="rId1"/>
   </p:sldMasterIdLst>
   <p:notesMasterIdLst>
-    <p:notesMasterId r:id="rId5"/>
+    <p:notesMasterId r:id="rId9"/>
   </p:notesMasterIdLst>
   <p:sldIdLst>
-    <p:sldId id="256" r:id="rId6"/>
-    <p:sldId id="257" r:id="rId7"/>
-    <p:sldId id="258" r:id="rId8"/>
-    <p:sldId id="259" r:id="rId9"/>
-    <p:sldId id="260" r:id="rId10"/>
-    <p:sldId id="261" r:id="rId11"/>
-    <p:sldId id="262" r:id="rId12"/>
+    <p:sldId id="256" r:id="rId2"/>
+    <p:sldId id="257" r:id="rId3"/>
+    <p:sldId id="258" r:id="rId4"/>
+    <p:sldId id="259" r:id="rId5"/>
+    <p:sldId id="260" r:id="rId6"/>
+    <p:sldId id="261" r:id="rId7"/>
+    <p:sldId id="262" r:id="rId8"/>
   </p:sldIdLst>
-  <p:sldSz cy="5143500" cx="9144000"/>
+  <p:sldSz cx="9144000" cy="5143500" type="screen16x9"/>
   <p:notesSz cx="6858000" cy="9144000"/>
   <p:embeddedFontLst>
     <p:embeddedFont>
-      <p:font typeface="Proxima Nova"/>
-      <p:regular r:id="rId13"/>
-      <p:bold r:id="rId14"/>
-      <p:italic r:id="rId15"/>
-      <p:boldItalic r:id="rId16"/>
+      <p:font typeface="Proxima Nova" panose="020B0604020202020204" charset="0"/>
+      <p:regular r:id="rId10"/>
+      <p:bold r:id="rId11"/>
+      <p:italic r:id="rId12"/>
+      <p:boldItalic r:id="rId13"/>
     </p:embeddedFont>
   </p:embeddedFontLst>
   <p:defaultTextStyle>
-    <a:defPPr lvl="0" marR="0" rtl="0" algn="l">
+    <a:defPPr marR="0" lvl="0" algn="l" rtl="0">
       <a:lnSpc>
         <a:spcPct val="100000"/>
       </a:lnSpc>
@@ -39,7 +39,7 @@
         <a:spcPts val="0"/>
       </a:spcAft>
     </a:defPPr>
-    <a:lvl1pPr lvl="0" marR="0" rtl="0" algn="l">
+    <a:lvl1pPr marR="0" lvl="0" algn="l" rtl="0">
       <a:lnSpc>
         <a:spcPct val="100000"/>
       </a:lnSpc>
@@ -53,7 +53,7 @@
         <a:srgbClr val="000000"/>
       </a:buClr>
       <a:buFont typeface="Arial"/>
-      <a:defRPr b="0" i="0" sz="1400" u="none" cap="none" strike="noStrike">
+      <a:defRPr sz="1400" b="0" i="0" u="none" strike="noStrike" cap="none">
         <a:solidFill>
           <a:srgbClr val="000000"/>
         </a:solidFill>
@@ -63,7 +63,7 @@
         <a:sym typeface="Arial"/>
       </a:defRPr>
     </a:lvl1pPr>
-    <a:lvl2pPr lvl="1" marR="0" rtl="0" algn="l">
+    <a:lvl2pPr marR="0" lvl="1" algn="l" rtl="0">
       <a:lnSpc>
         <a:spcPct val="100000"/>
       </a:lnSpc>
@@ -77,7 +77,7 @@
         <a:srgbClr val="000000"/>
       </a:buClr>
       <a:buFont typeface="Arial"/>
-      <a:defRPr b="0" i="0" sz="1400" u="none" cap="none" strike="noStrike">
+      <a:defRPr sz="1400" b="0" i="0" u="none" strike="noStrike" cap="none">
         <a:solidFill>
           <a:srgbClr val="000000"/>
         </a:solidFill>
@@ -87,7 +87,7 @@
         <a:sym typeface="Arial"/>
       </a:defRPr>
     </a:lvl2pPr>
-    <a:lvl3pPr lvl="2" marR="0" rtl="0" algn="l">
+    <a:lvl3pPr marR="0" lvl="2" algn="l" rtl="0">
       <a:lnSpc>
         <a:spcPct val="100000"/>
       </a:lnSpc>
@@ -101,7 +101,7 @@
         <a:srgbClr val="000000"/>
       </a:buClr>
       <a:buFont typeface="Arial"/>
-      <a:defRPr b="0" i="0" sz="1400" u="none" cap="none" strike="noStrike">
+      <a:defRPr sz="1400" b="0" i="0" u="none" strike="noStrike" cap="none">
         <a:solidFill>
           <a:srgbClr val="000000"/>
         </a:solidFill>
@@ -111,7 +111,7 @@
         <a:sym typeface="Arial"/>
       </a:defRPr>
     </a:lvl3pPr>
-    <a:lvl4pPr lvl="3" marR="0" rtl="0" algn="l">
+    <a:lvl4pPr marR="0" lvl="3" algn="l" rtl="0">
       <a:lnSpc>
         <a:spcPct val="100000"/>
       </a:lnSpc>
@@ -125,7 +125,7 @@
         <a:srgbClr val="000000"/>
       </a:buClr>
       <a:buFont typeface="Arial"/>
-      <a:defRPr b="0" i="0" sz="1400" u="none" cap="none" strike="noStrike">
+      <a:defRPr sz="1400" b="0" i="0" u="none" strike="noStrike" cap="none">
         <a:solidFill>
           <a:srgbClr val="000000"/>
         </a:solidFill>
@@ -135,7 +135,7 @@
         <a:sym typeface="Arial"/>
       </a:defRPr>
     </a:lvl4pPr>
-    <a:lvl5pPr lvl="4" marR="0" rtl="0" algn="l">
+    <a:lvl5pPr marR="0" lvl="4" algn="l" rtl="0">
       <a:lnSpc>
         <a:spcPct val="100000"/>
       </a:lnSpc>
@@ -149,7 +149,7 @@
         <a:srgbClr val="000000"/>
       </a:buClr>
       <a:buFont typeface="Arial"/>
-      <a:defRPr b="0" i="0" sz="1400" u="none" cap="none" strike="noStrike">
+      <a:defRPr sz="1400" b="0" i="0" u="none" strike="noStrike" cap="none">
         <a:solidFill>
           <a:srgbClr val="000000"/>
         </a:solidFill>
@@ -159,7 +159,7 @@
         <a:sym typeface="Arial"/>
       </a:defRPr>
     </a:lvl5pPr>
-    <a:lvl6pPr lvl="5" marR="0" rtl="0" algn="l">
+    <a:lvl6pPr marR="0" lvl="5" algn="l" rtl="0">
       <a:lnSpc>
         <a:spcPct val="100000"/>
       </a:lnSpc>
@@ -173,7 +173,7 @@
         <a:srgbClr val="000000"/>
       </a:buClr>
       <a:buFont typeface="Arial"/>
-      <a:defRPr b="0" i="0" sz="1400" u="none" cap="none" strike="noStrike">
+      <a:defRPr sz="1400" b="0" i="0" u="none" strike="noStrike" cap="none">
         <a:solidFill>
           <a:srgbClr val="000000"/>
         </a:solidFill>
@@ -183,7 +183,7 @@
         <a:sym typeface="Arial"/>
       </a:defRPr>
     </a:lvl6pPr>
-    <a:lvl7pPr lvl="6" marR="0" rtl="0" algn="l">
+    <a:lvl7pPr marR="0" lvl="6" algn="l" rtl="0">
       <a:lnSpc>
         <a:spcPct val="100000"/>
       </a:lnSpc>
@@ -197,7 +197,7 @@
         <a:srgbClr val="000000"/>
       </a:buClr>
       <a:buFont typeface="Arial"/>
-      <a:defRPr b="0" i="0" sz="1400" u="none" cap="none" strike="noStrike">
+      <a:defRPr sz="1400" b="0" i="0" u="none" strike="noStrike" cap="none">
         <a:solidFill>
           <a:srgbClr val="000000"/>
         </a:solidFill>
@@ -207,7 +207,7 @@
         <a:sym typeface="Arial"/>
       </a:defRPr>
     </a:lvl7pPr>
-    <a:lvl8pPr lvl="7" marR="0" rtl="0" algn="l">
+    <a:lvl8pPr marR="0" lvl="7" algn="l" rtl="0">
       <a:lnSpc>
         <a:spcPct val="100000"/>
       </a:lnSpc>
@@ -221,7 +221,7 @@
         <a:srgbClr val="000000"/>
       </a:buClr>
       <a:buFont typeface="Arial"/>
-      <a:defRPr b="0" i="0" sz="1400" u="none" cap="none" strike="noStrike">
+      <a:defRPr sz="1400" b="0" i="0" u="none" strike="noStrike" cap="none">
         <a:solidFill>
           <a:srgbClr val="000000"/>
         </a:solidFill>
@@ -231,7 +231,7 @@
         <a:sym typeface="Arial"/>
       </a:defRPr>
     </a:lvl8pPr>
-    <a:lvl9pPr lvl="8" marR="0" rtl="0" algn="l">
+    <a:lvl9pPr marR="0" lvl="8" algn="l" rtl="0">
       <a:lnSpc>
         <a:spcPct val="100000"/>
       </a:lnSpc>
@@ -245,7 +245,7 @@
         <a:srgbClr val="000000"/>
       </a:buClr>
       <a:buFont typeface="Arial"/>
-      <a:defRPr b="0" i="0" sz="1400" u="none" cap="none" strike="noStrike">
+      <a:defRPr sz="1400" b="0" i="0" u="none" strike="noStrike" cap="none">
         <a:solidFill>
           <a:srgbClr val="000000"/>
         </a:solidFill>
@@ -258,7 +258,7 @@
   </p:defaultTextStyle>
   <p:extLst>
     <p:ext uri="{EFAFB233-063F-42B5-8137-9DF3F51BA10A}">
-      <p15:sldGuideLst>
+      <p15:sldGuideLst xmlns:p15="http://schemas.microsoft.com/office/powerpoint/2012/main">
         <p15:guide id="1" orient="horz" pos="1620">
           <p15:clr>
             <a:srgbClr val="A4A3A4"/>
@@ -276,11 +276,16 @@
 </file>
 
 <file path=ppt/notesMasters/notesMaster1.xml><?xml version="1.0" encoding="utf-8"?>
-<p:notesMaster xmlns:a="http://schemas.openxmlformats.org/drawingml/2006/main" xmlns:r="http://schemas.openxmlformats.org/officeDocument/2006/relationships" xmlns:mc="http://schemas.openxmlformats.org/markup-compatibility/2006" xmlns:mv="urn:schemas-microsoft-com:mac:vml" xmlns:p="http://schemas.openxmlformats.org/presentationml/2006/main" xmlns:c="http://schemas.openxmlformats.org/drawingml/2006/chart" xmlns:dgm="http://schemas.openxmlformats.org/drawingml/2006/diagram" xmlns:o="urn:schemas-microsoft-com:office:office" xmlns:v="urn:schemas-microsoft-com:vml" xmlns:pvml="urn:schemas-microsoft-com:office:powerpoint" xmlns:com="http://schemas.openxmlformats.org/drawingml/2006/compatibility" xmlns:p14="http://schemas.microsoft.com/office/powerpoint/2010/main" xmlns:p15="http://schemas.microsoft.com/office/powerpoint/2012/main" xmlns:ahyp="http://schemas.microsoft.com/office/drawing/2018/hyperlinkcolor">
+<p:notesMaster xmlns:a="http://schemas.openxmlformats.org/drawingml/2006/main" xmlns:r="http://schemas.openxmlformats.org/officeDocument/2006/relationships" xmlns:p="http://schemas.openxmlformats.org/presentationml/2006/main">
   <p:cSld>
+    <p:bg>
+      <p:bgRef idx="1001">
+        <a:schemeClr val="bg1"/>
+      </p:bgRef>
+    </p:bg>
     <p:spTree>
       <p:nvGrpSpPr>
-        <p:cNvPr id="2" name="Shape 2"/>
+        <p:cNvPr id="1" name="Shape 2"/>
         <p:cNvGrpSpPr/>
         <p:nvPr/>
       </p:nvGrpSpPr>
@@ -295,9 +300,11 @@
       <p:sp>
         <p:nvSpPr>
           <p:cNvPr id="3" name="Google Shape;3;n"/>
-          <p:cNvSpPr/>
+          <p:cNvSpPr>
+            <a:spLocks noGrp="1" noRot="1" noChangeAspect="1"/>
+          </p:cNvSpPr>
           <p:nvPr>
-            <p:ph idx="2" type="sldImg"/>
+            <p:ph type="sldImg" idx="2"/>
           </p:nvPr>
         </p:nvSpPr>
         <p:spPr>
@@ -306,9 +313,13 @@
             <a:ext cx="6096075" cy="3429000"/>
           </a:xfrm>
           <a:custGeom>
-            <a:rect b="b" l="l" r="r" t="t"/>
+            <a:avLst/>
+            <a:gdLst/>
+            <a:ahLst/>
+            <a:cxnLst/>
+            <a:rect l="l" t="t" r="r" b="b"/>
             <a:pathLst>
-              <a:path extrusionOk="0" h="120000" w="120000">
+              <a:path w="120000" h="120000" extrusionOk="0">
                 <a:moveTo>
                   <a:pt x="0" y="0"/>
                 </a:moveTo>
@@ -326,23 +337,25 @@
             </a:pathLst>
           </a:custGeom>
           <a:noFill/>
-          <a:ln cap="flat" cmpd="sng" w="9525">
+          <a:ln w="9525" cap="flat" cmpd="sng">
             <a:solidFill>
               <a:srgbClr val="000000"/>
             </a:solidFill>
             <a:prstDash val="solid"/>
             <a:round/>
-            <a:headEnd len="sm" w="sm" type="none"/>
-            <a:tailEnd len="sm" w="sm" type="none"/>
+            <a:headEnd type="none" w="sm" len="sm"/>
+            <a:tailEnd type="none" w="sm" len="sm"/>
           </a:ln>
         </p:spPr>
       </p:sp>
       <p:sp>
         <p:nvSpPr>
           <p:cNvPr id="4" name="Google Shape;4;n"/>
-          <p:cNvSpPr txBox="1"/>
+          <p:cNvSpPr txBox="1">
+            <a:spLocks noGrp="1"/>
+          </p:cNvSpPr>
           <p:nvPr>
-            <p:ph idx="1" type="body"/>
+            <p:ph type="body" idx="1"/>
           </p:nvPr>
         </p:nvSpPr>
         <p:spPr>
@@ -359,11 +372,11 @@
           </a:ln>
         </p:spPr>
         <p:txBody>
-          <a:bodyPr anchorCtr="0" anchor="t" bIns="91425" lIns="91425" spcFirstLastPara="1" rIns="91425" wrap="square" tIns="91425">
+          <a:bodyPr spcFirstLastPara="1" wrap="square" lIns="91425" tIns="91425" rIns="91425" bIns="91425" anchor="t" anchorCtr="0">
             <a:noAutofit/>
           </a:bodyPr>
           <a:lstStyle>
-            <a:lvl1pPr indent="-298450" lvl="0" marL="457200">
+            <a:lvl1pPr marL="457200" lvl="0" indent="-298450">
               <a:spcBef>
                 <a:spcPts val="0"/>
               </a:spcBef>
@@ -374,7 +387,7 @@
               <a:buChar char="●"/>
               <a:defRPr sz="1100"/>
             </a:lvl1pPr>
-            <a:lvl2pPr indent="-298450" lvl="1" marL="914400">
+            <a:lvl2pPr marL="914400" lvl="1" indent="-298450">
               <a:spcBef>
                 <a:spcPts val="0"/>
               </a:spcBef>
@@ -385,7 +398,7 @@
               <a:buChar char="○"/>
               <a:defRPr sz="1100"/>
             </a:lvl2pPr>
-            <a:lvl3pPr indent="-298450" lvl="2" marL="1371600">
+            <a:lvl3pPr marL="1371600" lvl="2" indent="-298450">
               <a:spcBef>
                 <a:spcPts val="0"/>
               </a:spcBef>
@@ -396,7 +409,7 @@
               <a:buChar char="■"/>
               <a:defRPr sz="1100"/>
             </a:lvl3pPr>
-            <a:lvl4pPr indent="-298450" lvl="3" marL="1828800">
+            <a:lvl4pPr marL="1828800" lvl="3" indent="-298450">
               <a:spcBef>
                 <a:spcPts val="0"/>
               </a:spcBef>
@@ -407,7 +420,7 @@
               <a:buChar char="●"/>
               <a:defRPr sz="1100"/>
             </a:lvl4pPr>
-            <a:lvl5pPr indent="-298450" lvl="4" marL="2286000">
+            <a:lvl5pPr marL="2286000" lvl="4" indent="-298450">
               <a:spcBef>
                 <a:spcPts val="0"/>
               </a:spcBef>
@@ -418,7 +431,7 @@
               <a:buChar char="○"/>
               <a:defRPr sz="1100"/>
             </a:lvl5pPr>
-            <a:lvl6pPr indent="-298450" lvl="5" marL="2743200">
+            <a:lvl6pPr marL="2743200" lvl="5" indent="-298450">
               <a:spcBef>
                 <a:spcPts val="0"/>
               </a:spcBef>
@@ -429,7 +442,7 @@
               <a:buChar char="■"/>
               <a:defRPr sz="1100"/>
             </a:lvl6pPr>
-            <a:lvl7pPr indent="-298450" lvl="6" marL="3200400">
+            <a:lvl7pPr marL="3200400" lvl="6" indent="-298450">
               <a:spcBef>
                 <a:spcPts val="0"/>
               </a:spcBef>
@@ -440,7 +453,7 @@
               <a:buChar char="●"/>
               <a:defRPr sz="1100"/>
             </a:lvl7pPr>
-            <a:lvl8pPr indent="-298450" lvl="7" marL="3657600">
+            <a:lvl8pPr marL="3657600" lvl="7" indent="-298450">
               <a:spcBef>
                 <a:spcPts val="0"/>
               </a:spcBef>
@@ -451,7 +464,7 @@
               <a:buChar char="○"/>
               <a:defRPr sz="1100"/>
             </a:lvl8pPr>
-            <a:lvl9pPr indent="-298450" lvl="8" marL="4114800">
+            <a:lvl9pPr marL="4114800" lvl="8" indent="-298450">
               <a:spcBef>
                 <a:spcPts val="0"/>
               </a:spcBef>
@@ -463,14 +476,21 @@
               <a:defRPr sz="1100"/>
             </a:lvl9pPr>
           </a:lstStyle>
-          <a:p/>
+          <a:p>
+            <a:endParaRPr/>
+          </a:p>
         </p:txBody>
       </p:sp>
     </p:spTree>
+    <p:extLst>
+      <p:ext uri="{BB962C8B-B14F-4D97-AF65-F5344CB8AC3E}">
+        <p14:creationId xmlns:p14="http://schemas.microsoft.com/office/powerpoint/2010/main" val="1044099423"/>
+      </p:ext>
+    </p:extLst>
   </p:cSld>
-  <p:clrMap accent1="accent1" accent2="accent2" accent3="accent3" accent4="accent4" accent5="accent5" accent6="accent6" bg1="lt1" bg2="dk2" tx1="dk1" tx2="lt2" folHlink="folHlink" hlink="hlink"/>
+  <p:clrMap bg1="lt1" tx1="dk1" bg2="dk2" tx2="lt2" accent1="accent1" accent2="accent2" accent3="accent3" accent4="accent4" accent5="accent5" accent6="accent6" hlink="hlink" folHlink="folHlink"/>
   <p:notesStyle>
-    <a:defPPr lvl="0" marR="0" rtl="0" algn="l">
+    <a:defPPr marR="0" lvl="0" algn="l" rtl="0">
       <a:lnSpc>
         <a:spcPct val="100000"/>
       </a:lnSpc>
@@ -481,7 +501,7 @@
         <a:spcPts val="0"/>
       </a:spcAft>
     </a:defPPr>
-    <a:lvl1pPr lvl="0" marR="0" rtl="0" algn="l">
+    <a:lvl1pPr marR="0" lvl="0" algn="l" rtl="0">
       <a:lnSpc>
         <a:spcPct val="100000"/>
       </a:lnSpc>
@@ -495,7 +515,7 @@
         <a:srgbClr val="000000"/>
       </a:buClr>
       <a:buFont typeface="Arial"/>
-      <a:defRPr b="0" i="0" sz="1400" u="none" cap="none" strike="noStrike">
+      <a:defRPr sz="1400" b="0" i="0" u="none" strike="noStrike" cap="none">
         <a:solidFill>
           <a:srgbClr val="000000"/>
         </a:solidFill>
@@ -505,7 +525,7 @@
         <a:sym typeface="Arial"/>
       </a:defRPr>
     </a:lvl1pPr>
-    <a:lvl2pPr lvl="1" marR="0" rtl="0" algn="l">
+    <a:lvl2pPr marR="0" lvl="1" algn="l" rtl="0">
       <a:lnSpc>
         <a:spcPct val="100000"/>
       </a:lnSpc>
@@ -519,7 +539,7 @@
         <a:srgbClr val="000000"/>
       </a:buClr>
       <a:buFont typeface="Arial"/>
-      <a:defRPr b="0" i="0" sz="1400" u="none" cap="none" strike="noStrike">
+      <a:defRPr sz="1400" b="0" i="0" u="none" strike="noStrike" cap="none">
         <a:solidFill>
           <a:srgbClr val="000000"/>
         </a:solidFill>
@@ -529,7 +549,7 @@
         <a:sym typeface="Arial"/>
       </a:defRPr>
     </a:lvl2pPr>
-    <a:lvl3pPr lvl="2" marR="0" rtl="0" algn="l">
+    <a:lvl3pPr marR="0" lvl="2" algn="l" rtl="0">
       <a:lnSpc>
         <a:spcPct val="100000"/>
       </a:lnSpc>
@@ -543,7 +563,7 @@
         <a:srgbClr val="000000"/>
       </a:buClr>
       <a:buFont typeface="Arial"/>
-      <a:defRPr b="0" i="0" sz="1400" u="none" cap="none" strike="noStrike">
+      <a:defRPr sz="1400" b="0" i="0" u="none" strike="noStrike" cap="none">
         <a:solidFill>
           <a:srgbClr val="000000"/>
         </a:solidFill>
@@ -553,7 +573,7 @@
         <a:sym typeface="Arial"/>
       </a:defRPr>
     </a:lvl3pPr>
-    <a:lvl4pPr lvl="3" marR="0" rtl="0" algn="l">
+    <a:lvl4pPr marR="0" lvl="3" algn="l" rtl="0">
       <a:lnSpc>
         <a:spcPct val="100000"/>
       </a:lnSpc>
@@ -567,7 +587,7 @@
         <a:srgbClr val="000000"/>
       </a:buClr>
       <a:buFont typeface="Arial"/>
-      <a:defRPr b="0" i="0" sz="1400" u="none" cap="none" strike="noStrike">
+      <a:defRPr sz="1400" b="0" i="0" u="none" strike="noStrike" cap="none">
         <a:solidFill>
           <a:srgbClr val="000000"/>
         </a:solidFill>
@@ -577,7 +597,7 @@
         <a:sym typeface="Arial"/>
       </a:defRPr>
     </a:lvl4pPr>
-    <a:lvl5pPr lvl="4" marR="0" rtl="0" algn="l">
+    <a:lvl5pPr marR="0" lvl="4" algn="l" rtl="0">
       <a:lnSpc>
         <a:spcPct val="100000"/>
       </a:lnSpc>
@@ -591,7 +611,7 @@
         <a:srgbClr val="000000"/>
       </a:buClr>
       <a:buFont typeface="Arial"/>
-      <a:defRPr b="0" i="0" sz="1400" u="none" cap="none" strike="noStrike">
+      <a:defRPr sz="1400" b="0" i="0" u="none" strike="noStrike" cap="none">
         <a:solidFill>
           <a:srgbClr val="000000"/>
         </a:solidFill>
@@ -601,7 +621,7 @@
         <a:sym typeface="Arial"/>
       </a:defRPr>
     </a:lvl5pPr>
-    <a:lvl6pPr lvl="5" marR="0" rtl="0" algn="l">
+    <a:lvl6pPr marR="0" lvl="5" algn="l" rtl="0">
       <a:lnSpc>
         <a:spcPct val="100000"/>
       </a:lnSpc>
@@ -615,7 +635,7 @@
         <a:srgbClr val="000000"/>
       </a:buClr>
       <a:buFont typeface="Arial"/>
-      <a:defRPr b="0" i="0" sz="1400" u="none" cap="none" strike="noStrike">
+      <a:defRPr sz="1400" b="0" i="0" u="none" strike="noStrike" cap="none">
         <a:solidFill>
           <a:srgbClr val="000000"/>
         </a:solidFill>
@@ -625,7 +645,7 @@
         <a:sym typeface="Arial"/>
       </a:defRPr>
     </a:lvl6pPr>
-    <a:lvl7pPr lvl="6" marR="0" rtl="0" algn="l">
+    <a:lvl7pPr marR="0" lvl="6" algn="l" rtl="0">
       <a:lnSpc>
         <a:spcPct val="100000"/>
       </a:lnSpc>
@@ -639,7 +659,7 @@
         <a:srgbClr val="000000"/>
       </a:buClr>
       <a:buFont typeface="Arial"/>
-      <a:defRPr b="0" i="0" sz="1400" u="none" cap="none" strike="noStrike">
+      <a:defRPr sz="1400" b="0" i="0" u="none" strike="noStrike" cap="none">
         <a:solidFill>
           <a:srgbClr val="000000"/>
         </a:solidFill>
@@ -649,7 +669,7 @@
         <a:sym typeface="Arial"/>
       </a:defRPr>
     </a:lvl7pPr>
-    <a:lvl8pPr lvl="7" marR="0" rtl="0" algn="l">
+    <a:lvl8pPr marR="0" lvl="7" algn="l" rtl="0">
       <a:lnSpc>
         <a:spcPct val="100000"/>
       </a:lnSpc>
@@ -663,7 +683,7 @@
         <a:srgbClr val="000000"/>
       </a:buClr>
       <a:buFont typeface="Arial"/>
-      <a:defRPr b="0" i="0" sz="1400" u="none" cap="none" strike="noStrike">
+      <a:defRPr sz="1400" b="0" i="0" u="none" strike="noStrike" cap="none">
         <a:solidFill>
           <a:srgbClr val="000000"/>
         </a:solidFill>
@@ -673,7 +693,7 @@
         <a:sym typeface="Arial"/>
       </a:defRPr>
     </a:lvl8pPr>
-    <a:lvl9pPr lvl="8" marR="0" rtl="0" algn="l">
+    <a:lvl9pPr marR="0" lvl="8" algn="l" rtl="0">
       <a:lnSpc>
         <a:spcPct val="100000"/>
       </a:lnSpc>
@@ -687,7 +707,7 @@
         <a:srgbClr val="000000"/>
       </a:buClr>
       <a:buFont typeface="Arial"/>
-      <a:defRPr b="0" i="0" sz="1400" u="none" cap="none" strike="noStrike">
+      <a:defRPr sz="1400" b="0" i="0" u="none" strike="noStrike" cap="none">
         <a:solidFill>
           <a:srgbClr val="000000"/>
         </a:solidFill>
@@ -702,11 +722,11 @@
 </file>
 
 <file path=ppt/notesSlides/notesSlide1.xml><?xml version="1.0" encoding="utf-8"?>
-<p:notes xmlns:a="http://schemas.openxmlformats.org/drawingml/2006/main" xmlns:r="http://schemas.openxmlformats.org/officeDocument/2006/relationships" xmlns:mc="http://schemas.openxmlformats.org/markup-compatibility/2006" xmlns:mv="urn:schemas-microsoft-com:mac:vml" xmlns:p="http://schemas.openxmlformats.org/presentationml/2006/main" xmlns:c="http://schemas.openxmlformats.org/drawingml/2006/chart" xmlns:dgm="http://schemas.openxmlformats.org/drawingml/2006/diagram" xmlns:o="urn:schemas-microsoft-com:office:office" xmlns:v="urn:schemas-microsoft-com:vml" xmlns:pvml="urn:schemas-microsoft-com:office:powerpoint" xmlns:com="http://schemas.openxmlformats.org/drawingml/2006/compatibility" xmlns:p14="http://schemas.microsoft.com/office/powerpoint/2010/main" xmlns:p15="http://schemas.microsoft.com/office/powerpoint/2012/main" xmlns:ahyp="http://schemas.microsoft.com/office/drawing/2018/hyperlinkcolor" showMasterPhAnim="0" showMasterSp="0">
+<p:notes xmlns:a="http://schemas.openxmlformats.org/drawingml/2006/main" xmlns:r="http://schemas.openxmlformats.org/officeDocument/2006/relationships" xmlns:p="http://schemas.openxmlformats.org/presentationml/2006/main" showMasterSp="0" showMasterPhAnim="0">
   <p:cSld>
     <p:spTree>
       <p:nvGrpSpPr>
-        <p:cNvPr id="55" name="Shape 55"/>
+        <p:cNvPr id="1" name="Shape 55"/>
         <p:cNvGrpSpPr/>
         <p:nvPr/>
       </p:nvGrpSpPr>
@@ -721,20 +741,26 @@
       <p:sp>
         <p:nvSpPr>
           <p:cNvPr id="56" name="Google Shape;56;p:notes"/>
-          <p:cNvSpPr/>
+          <p:cNvSpPr>
+            <a:spLocks noGrp="1" noRot="1" noChangeAspect="1"/>
+          </p:cNvSpPr>
           <p:nvPr>
-            <p:ph idx="2" type="sldImg"/>
+            <p:ph type="sldImg" idx="2"/>
           </p:nvPr>
         </p:nvSpPr>
         <p:spPr>
           <a:xfrm>
-            <a:off x="381300" y="685800"/>
-            <a:ext cx="6096075" cy="3429000"/>
+            <a:off x="381000" y="685800"/>
+            <a:ext cx="6096000" cy="3429000"/>
           </a:xfrm>
           <a:custGeom>
-            <a:rect b="b" l="l" r="r" t="t"/>
+            <a:avLst/>
+            <a:gdLst/>
+            <a:ahLst/>
+            <a:cxnLst/>
+            <a:rect l="l" t="t" r="r" b="b"/>
             <a:pathLst>
-              <a:path extrusionOk="0" h="120000" w="120000">
+              <a:path w="120000" h="120000" extrusionOk="0">
                 <a:moveTo>
                   <a:pt x="0" y="0"/>
                 </a:moveTo>
@@ -756,9 +782,11 @@
       <p:sp>
         <p:nvSpPr>
           <p:cNvPr id="57" name="Google Shape;57;p:notes"/>
-          <p:cNvSpPr txBox="1"/>
+          <p:cNvSpPr txBox="1">
+            <a:spLocks noGrp="1"/>
+          </p:cNvSpPr>
           <p:nvPr>
-            <p:ph idx="1" type="body"/>
+            <p:ph type="body" idx="1"/>
           </p:nvPr>
         </p:nvSpPr>
         <p:spPr>
@@ -771,12 +799,12 @@
           </a:prstGeom>
         </p:spPr>
         <p:txBody>
-          <a:bodyPr anchorCtr="0" anchor="t" bIns="91425" lIns="91425" spcFirstLastPara="1" rIns="91425" wrap="square" tIns="91425">
+          <a:bodyPr spcFirstLastPara="1" wrap="square" lIns="91425" tIns="91425" rIns="91425" bIns="91425" anchor="t" anchorCtr="0">
             <a:noAutofit/>
           </a:bodyPr>
           <a:lstStyle/>
           <a:p>
-            <a:pPr indent="0" lvl="0" marL="0" rtl="0" algn="l">
+            <a:pPr marL="0" lvl="0" indent="0" algn="l" rtl="0">
               <a:spcBef>
                 <a:spcPts val="0"/>
               </a:spcBef>
@@ -785,14 +813,16 @@
               </a:spcAft>
               <a:buNone/>
             </a:pPr>
-            <a:r>
-              <a:t/>
-            </a:r>
             <a:endParaRPr/>
           </a:p>
         </p:txBody>
       </p:sp>
     </p:spTree>
+    <p:extLst>
+      <p:ext uri="{BB962C8B-B14F-4D97-AF65-F5344CB8AC3E}">
+        <p14:creationId xmlns:p14="http://schemas.microsoft.com/office/powerpoint/2010/main" val="2509393330"/>
+      </p:ext>
+    </p:extLst>
   </p:cSld>
   <p:clrMapOvr>
     <a:masterClrMapping/>
@@ -801,11 +831,11 @@
 </file>
 
 <file path=ppt/notesSlides/notesSlide2.xml><?xml version="1.0" encoding="utf-8"?>
-<p:notes xmlns:a="http://schemas.openxmlformats.org/drawingml/2006/main" xmlns:r="http://schemas.openxmlformats.org/officeDocument/2006/relationships" xmlns:mc="http://schemas.openxmlformats.org/markup-compatibility/2006" xmlns:mv="urn:schemas-microsoft-com:mac:vml" xmlns:p="http://schemas.openxmlformats.org/presentationml/2006/main" xmlns:c="http://schemas.openxmlformats.org/drawingml/2006/chart" xmlns:dgm="http://schemas.openxmlformats.org/drawingml/2006/diagram" xmlns:o="urn:schemas-microsoft-com:office:office" xmlns:v="urn:schemas-microsoft-com:vml" xmlns:pvml="urn:schemas-microsoft-com:office:powerpoint" xmlns:com="http://schemas.openxmlformats.org/drawingml/2006/compatibility" xmlns:p14="http://schemas.microsoft.com/office/powerpoint/2010/main" xmlns:p15="http://schemas.microsoft.com/office/powerpoint/2012/main" xmlns:ahyp="http://schemas.microsoft.com/office/drawing/2018/hyperlinkcolor" showMasterPhAnim="0" showMasterSp="0">
+<p:notes xmlns:a="http://schemas.openxmlformats.org/drawingml/2006/main" xmlns:r="http://schemas.openxmlformats.org/officeDocument/2006/relationships" xmlns:p="http://schemas.openxmlformats.org/presentationml/2006/main" showMasterSp="0" showMasterPhAnim="0">
   <p:cSld>
     <p:spTree>
       <p:nvGrpSpPr>
-        <p:cNvPr id="61" name="Shape 61"/>
+        <p:cNvPr id="1" name="Shape 61"/>
         <p:cNvGrpSpPr/>
         <p:nvPr/>
       </p:nvGrpSpPr>
@@ -820,20 +850,26 @@
       <p:sp>
         <p:nvSpPr>
           <p:cNvPr id="62" name="Google Shape;62;g788624df02_0_50:notes"/>
-          <p:cNvSpPr/>
+          <p:cNvSpPr>
+            <a:spLocks noGrp="1" noRot="1" noChangeAspect="1"/>
+          </p:cNvSpPr>
           <p:nvPr>
-            <p:ph idx="2" type="sldImg"/>
+            <p:ph type="sldImg" idx="2"/>
           </p:nvPr>
         </p:nvSpPr>
         <p:spPr>
           <a:xfrm>
-            <a:off x="381300" y="685800"/>
+            <a:off x="381000" y="685800"/>
             <a:ext cx="6096000" cy="3429000"/>
           </a:xfrm>
           <a:custGeom>
-            <a:rect b="b" l="l" r="r" t="t"/>
+            <a:avLst/>
+            <a:gdLst/>
+            <a:ahLst/>
+            <a:cxnLst/>
+            <a:rect l="l" t="t" r="r" b="b"/>
             <a:pathLst>
-              <a:path extrusionOk="0" h="120000" w="120000">
+              <a:path w="120000" h="120000" extrusionOk="0">
                 <a:moveTo>
                   <a:pt x="0" y="0"/>
                 </a:moveTo>
@@ -855,9 +891,11 @@
       <p:sp>
         <p:nvSpPr>
           <p:cNvPr id="63" name="Google Shape;63;g788624df02_0_50:notes"/>
-          <p:cNvSpPr txBox="1"/>
+          <p:cNvSpPr txBox="1">
+            <a:spLocks noGrp="1"/>
+          </p:cNvSpPr>
           <p:nvPr>
-            <p:ph idx="1" type="body"/>
+            <p:ph type="body" idx="1"/>
           </p:nvPr>
         </p:nvSpPr>
         <p:spPr>
@@ -870,12 +908,12 @@
           </a:prstGeom>
         </p:spPr>
         <p:txBody>
-          <a:bodyPr anchorCtr="0" anchor="t" bIns="91425" lIns="91425" spcFirstLastPara="1" rIns="91425" wrap="square" tIns="91425">
+          <a:bodyPr spcFirstLastPara="1" wrap="square" lIns="91425" tIns="91425" rIns="91425" bIns="91425" anchor="t" anchorCtr="0">
             <a:noAutofit/>
           </a:bodyPr>
           <a:lstStyle/>
           <a:p>
-            <a:pPr indent="0" lvl="0" marL="0" rtl="0" algn="l">
+            <a:pPr marL="0" lvl="0" indent="0" algn="l" rtl="0">
               <a:spcBef>
                 <a:spcPts val="0"/>
               </a:spcBef>
@@ -884,14 +922,16 @@
               </a:spcAft>
               <a:buNone/>
             </a:pPr>
-            <a:r>
-              <a:t/>
-            </a:r>
             <a:endParaRPr/>
           </a:p>
         </p:txBody>
       </p:sp>
     </p:spTree>
+    <p:extLst>
+      <p:ext uri="{BB962C8B-B14F-4D97-AF65-F5344CB8AC3E}">
+        <p14:creationId xmlns:p14="http://schemas.microsoft.com/office/powerpoint/2010/main" val="1060758032"/>
+      </p:ext>
+    </p:extLst>
   </p:cSld>
   <p:clrMapOvr>
     <a:masterClrMapping/>
@@ -900,11 +940,11 @@
 </file>
 
 <file path=ppt/notesSlides/notesSlide3.xml><?xml version="1.0" encoding="utf-8"?>
-<p:notes xmlns:a="http://schemas.openxmlformats.org/drawingml/2006/main" xmlns:r="http://schemas.openxmlformats.org/officeDocument/2006/relationships" xmlns:mc="http://schemas.openxmlformats.org/markup-compatibility/2006" xmlns:mv="urn:schemas-microsoft-com:mac:vml" xmlns:p="http://schemas.openxmlformats.org/presentationml/2006/main" xmlns:c="http://schemas.openxmlformats.org/drawingml/2006/chart" xmlns:dgm="http://schemas.openxmlformats.org/drawingml/2006/diagram" xmlns:o="urn:schemas-microsoft-com:office:office" xmlns:v="urn:schemas-microsoft-com:vml" xmlns:pvml="urn:schemas-microsoft-com:office:powerpoint" xmlns:com="http://schemas.openxmlformats.org/drawingml/2006/compatibility" xmlns:p14="http://schemas.microsoft.com/office/powerpoint/2010/main" xmlns:p15="http://schemas.microsoft.com/office/powerpoint/2012/main" xmlns:ahyp="http://schemas.microsoft.com/office/drawing/2018/hyperlinkcolor" showMasterPhAnim="0" showMasterSp="0">
+<p:notes xmlns:a="http://schemas.openxmlformats.org/drawingml/2006/main" xmlns:r="http://schemas.openxmlformats.org/officeDocument/2006/relationships" xmlns:p="http://schemas.openxmlformats.org/presentationml/2006/main" showMasterSp="0" showMasterPhAnim="0">
   <p:cSld>
     <p:spTree>
       <p:nvGrpSpPr>
-        <p:cNvPr id="68" name="Shape 68"/>
+        <p:cNvPr id="1" name="Shape 68"/>
         <p:cNvGrpSpPr/>
         <p:nvPr/>
       </p:nvGrpSpPr>
@@ -919,20 +959,26 @@
       <p:sp>
         <p:nvSpPr>
           <p:cNvPr id="69" name="Google Shape;69;ga903eacabd_0_28:notes"/>
-          <p:cNvSpPr/>
+          <p:cNvSpPr>
+            <a:spLocks noGrp="1" noRot="1" noChangeAspect="1"/>
+          </p:cNvSpPr>
           <p:nvPr>
-            <p:ph idx="2" type="sldImg"/>
+            <p:ph type="sldImg" idx="2"/>
           </p:nvPr>
         </p:nvSpPr>
         <p:spPr>
           <a:xfrm>
-            <a:off x="381300" y="685800"/>
+            <a:off x="381000" y="685800"/>
             <a:ext cx="6096000" cy="3429000"/>
           </a:xfrm>
           <a:custGeom>
-            <a:rect b="b" l="l" r="r" t="t"/>
+            <a:avLst/>
+            <a:gdLst/>
+            <a:ahLst/>
+            <a:cxnLst/>
+            <a:rect l="l" t="t" r="r" b="b"/>
             <a:pathLst>
-              <a:path extrusionOk="0" h="120000" w="120000">
+              <a:path w="120000" h="120000" extrusionOk="0">
                 <a:moveTo>
                   <a:pt x="0" y="0"/>
                 </a:moveTo>
@@ -954,9 +1000,11 @@
       <p:sp>
         <p:nvSpPr>
           <p:cNvPr id="70" name="Google Shape;70;ga903eacabd_0_28:notes"/>
-          <p:cNvSpPr txBox="1"/>
+          <p:cNvSpPr txBox="1">
+            <a:spLocks noGrp="1"/>
+          </p:cNvSpPr>
           <p:nvPr>
-            <p:ph idx="1" type="body"/>
+            <p:ph type="body" idx="1"/>
           </p:nvPr>
         </p:nvSpPr>
         <p:spPr>
@@ -969,12 +1017,12 @@
           </a:prstGeom>
         </p:spPr>
         <p:txBody>
-          <a:bodyPr anchorCtr="0" anchor="t" bIns="91425" lIns="91425" spcFirstLastPara="1" rIns="91425" wrap="square" tIns="91425">
+          <a:bodyPr spcFirstLastPara="1" wrap="square" lIns="91425" tIns="91425" rIns="91425" bIns="91425" anchor="t" anchorCtr="0">
             <a:noAutofit/>
           </a:bodyPr>
           <a:lstStyle/>
           <a:p>
-            <a:pPr indent="0" lvl="0" marL="0" rtl="0" algn="l">
+            <a:pPr marL="0" lvl="0" indent="0" algn="l" rtl="0">
               <a:spcBef>
                 <a:spcPts val="0"/>
               </a:spcBef>
@@ -983,14 +1031,16 @@
               </a:spcAft>
               <a:buNone/>
             </a:pPr>
-            <a:r>
-              <a:t/>
-            </a:r>
             <a:endParaRPr/>
           </a:p>
         </p:txBody>
       </p:sp>
     </p:spTree>
+    <p:extLst>
+      <p:ext uri="{BB962C8B-B14F-4D97-AF65-F5344CB8AC3E}">
+        <p14:creationId xmlns:p14="http://schemas.microsoft.com/office/powerpoint/2010/main" val="4231217873"/>
+      </p:ext>
+    </p:extLst>
   </p:cSld>
   <p:clrMapOvr>
     <a:masterClrMapping/>
@@ -999,11 +1049,11 @@
 </file>
 
 <file path=ppt/notesSlides/notesSlide4.xml><?xml version="1.0" encoding="utf-8"?>
-<p:notes xmlns:a="http://schemas.openxmlformats.org/drawingml/2006/main" xmlns:r="http://schemas.openxmlformats.org/officeDocument/2006/relationships" xmlns:mc="http://schemas.openxmlformats.org/markup-compatibility/2006" xmlns:mv="urn:schemas-microsoft-com:mac:vml" xmlns:p="http://schemas.openxmlformats.org/presentationml/2006/main" xmlns:c="http://schemas.openxmlformats.org/drawingml/2006/chart" xmlns:dgm="http://schemas.openxmlformats.org/drawingml/2006/diagram" xmlns:o="urn:schemas-microsoft-com:office:office" xmlns:v="urn:schemas-microsoft-com:vml" xmlns:pvml="urn:schemas-microsoft-com:office:powerpoint" xmlns:com="http://schemas.openxmlformats.org/drawingml/2006/compatibility" xmlns:p14="http://schemas.microsoft.com/office/powerpoint/2010/main" xmlns:p15="http://schemas.microsoft.com/office/powerpoint/2012/main" xmlns:ahyp="http://schemas.microsoft.com/office/drawing/2018/hyperlinkcolor" showMasterPhAnim="0" showMasterSp="0">
+<p:notes xmlns:a="http://schemas.openxmlformats.org/drawingml/2006/main" xmlns:r="http://schemas.openxmlformats.org/officeDocument/2006/relationships" xmlns:p="http://schemas.openxmlformats.org/presentationml/2006/main" showMasterSp="0" showMasterPhAnim="0">
   <p:cSld>
     <p:spTree>
       <p:nvGrpSpPr>
-        <p:cNvPr id="75" name="Shape 75"/>
+        <p:cNvPr id="1" name="Shape 75"/>
         <p:cNvGrpSpPr/>
         <p:nvPr/>
       </p:nvGrpSpPr>
@@ -1018,20 +1068,26 @@
       <p:sp>
         <p:nvSpPr>
           <p:cNvPr id="76" name="Google Shape;76;ga903eacabd_2_0:notes"/>
-          <p:cNvSpPr/>
+          <p:cNvSpPr>
+            <a:spLocks noGrp="1" noRot="1" noChangeAspect="1"/>
+          </p:cNvSpPr>
           <p:nvPr>
-            <p:ph idx="2" type="sldImg"/>
+            <p:ph type="sldImg" idx="2"/>
           </p:nvPr>
         </p:nvSpPr>
         <p:spPr>
           <a:xfrm>
-            <a:off x="381300" y="685800"/>
+            <a:off x="381000" y="685800"/>
             <a:ext cx="6096000" cy="3429000"/>
           </a:xfrm>
           <a:custGeom>
-            <a:rect b="b" l="l" r="r" t="t"/>
+            <a:avLst/>
+            <a:gdLst/>
+            <a:ahLst/>
+            <a:cxnLst/>
+            <a:rect l="l" t="t" r="r" b="b"/>
             <a:pathLst>
-              <a:path extrusionOk="0" h="120000" w="120000">
+              <a:path w="120000" h="120000" extrusionOk="0">
                 <a:moveTo>
                   <a:pt x="0" y="0"/>
                 </a:moveTo>
@@ -1053,9 +1109,11 @@
       <p:sp>
         <p:nvSpPr>
           <p:cNvPr id="77" name="Google Shape;77;ga903eacabd_2_0:notes"/>
-          <p:cNvSpPr txBox="1"/>
+          <p:cNvSpPr txBox="1">
+            <a:spLocks noGrp="1"/>
+          </p:cNvSpPr>
           <p:nvPr>
-            <p:ph idx="1" type="body"/>
+            <p:ph type="body" idx="1"/>
           </p:nvPr>
         </p:nvSpPr>
         <p:spPr>
@@ -1068,12 +1126,12 @@
           </a:prstGeom>
         </p:spPr>
         <p:txBody>
-          <a:bodyPr anchorCtr="0" anchor="t" bIns="91425" lIns="91425" spcFirstLastPara="1" rIns="91425" wrap="square" tIns="91425">
+          <a:bodyPr spcFirstLastPara="1" wrap="square" lIns="91425" tIns="91425" rIns="91425" bIns="91425" anchor="t" anchorCtr="0">
             <a:noAutofit/>
           </a:bodyPr>
           <a:lstStyle/>
           <a:p>
-            <a:pPr indent="0" lvl="0" marL="0" rtl="0" algn="l">
+            <a:pPr marL="0" lvl="0" indent="0" algn="l" rtl="0">
               <a:spcBef>
                 <a:spcPts val="0"/>
               </a:spcBef>
@@ -1082,14 +1140,16 @@
               </a:spcAft>
               <a:buNone/>
             </a:pPr>
-            <a:r>
-              <a:t/>
-            </a:r>
             <a:endParaRPr/>
           </a:p>
         </p:txBody>
       </p:sp>
     </p:spTree>
+    <p:extLst>
+      <p:ext uri="{BB962C8B-B14F-4D97-AF65-F5344CB8AC3E}">
+        <p14:creationId xmlns:p14="http://schemas.microsoft.com/office/powerpoint/2010/main" val="2341383288"/>
+      </p:ext>
+    </p:extLst>
   </p:cSld>
   <p:clrMapOvr>
     <a:masterClrMapping/>
@@ -1098,11 +1158,11 @@
 </file>
 
 <file path=ppt/notesSlides/notesSlide5.xml><?xml version="1.0" encoding="utf-8"?>
-<p:notes xmlns:a="http://schemas.openxmlformats.org/drawingml/2006/main" xmlns:r="http://schemas.openxmlformats.org/officeDocument/2006/relationships" xmlns:mc="http://schemas.openxmlformats.org/markup-compatibility/2006" xmlns:mv="urn:schemas-microsoft-com:mac:vml" xmlns:p="http://schemas.openxmlformats.org/presentationml/2006/main" xmlns:c="http://schemas.openxmlformats.org/drawingml/2006/chart" xmlns:dgm="http://schemas.openxmlformats.org/drawingml/2006/diagram" xmlns:o="urn:schemas-microsoft-com:office:office" xmlns:v="urn:schemas-microsoft-com:vml" xmlns:pvml="urn:schemas-microsoft-com:office:powerpoint" xmlns:com="http://schemas.openxmlformats.org/drawingml/2006/compatibility" xmlns:p14="http://schemas.microsoft.com/office/powerpoint/2010/main" xmlns:p15="http://schemas.microsoft.com/office/powerpoint/2012/main" xmlns:ahyp="http://schemas.microsoft.com/office/drawing/2018/hyperlinkcolor" showMasterPhAnim="0" showMasterSp="0">
+<p:notes xmlns:a="http://schemas.openxmlformats.org/drawingml/2006/main" xmlns:r="http://schemas.openxmlformats.org/officeDocument/2006/relationships" xmlns:p="http://schemas.openxmlformats.org/presentationml/2006/main" showMasterSp="0" showMasterPhAnim="0">
   <p:cSld>
     <p:spTree>
       <p:nvGrpSpPr>
-        <p:cNvPr id="82" name="Shape 82"/>
+        <p:cNvPr id="1" name="Shape 82"/>
         <p:cNvGrpSpPr/>
         <p:nvPr/>
       </p:nvGrpSpPr>
@@ -1117,20 +1177,26 @@
       <p:sp>
         <p:nvSpPr>
           <p:cNvPr id="83" name="Google Shape;83;ga903eacabd_0_1:notes"/>
-          <p:cNvSpPr/>
+          <p:cNvSpPr>
+            <a:spLocks noGrp="1" noRot="1" noChangeAspect="1"/>
+          </p:cNvSpPr>
           <p:nvPr>
-            <p:ph idx="2" type="sldImg"/>
+            <p:ph type="sldImg" idx="2"/>
           </p:nvPr>
         </p:nvSpPr>
         <p:spPr>
           <a:xfrm>
-            <a:off x="381300" y="685800"/>
+            <a:off x="381000" y="685800"/>
             <a:ext cx="6096000" cy="3429000"/>
           </a:xfrm>
           <a:custGeom>
-            <a:rect b="b" l="l" r="r" t="t"/>
+            <a:avLst/>
+            <a:gdLst/>
+            <a:ahLst/>
+            <a:cxnLst/>
+            <a:rect l="l" t="t" r="r" b="b"/>
             <a:pathLst>
-              <a:path extrusionOk="0" h="120000" w="120000">
+              <a:path w="120000" h="120000" extrusionOk="0">
                 <a:moveTo>
                   <a:pt x="0" y="0"/>
                 </a:moveTo>
@@ -1152,9 +1218,11 @@
       <p:sp>
         <p:nvSpPr>
           <p:cNvPr id="84" name="Google Shape;84;ga903eacabd_0_1:notes"/>
-          <p:cNvSpPr txBox="1"/>
+          <p:cNvSpPr txBox="1">
+            <a:spLocks noGrp="1"/>
+          </p:cNvSpPr>
           <p:nvPr>
-            <p:ph idx="1" type="body"/>
+            <p:ph type="body" idx="1"/>
           </p:nvPr>
         </p:nvSpPr>
         <p:spPr>
@@ -1167,12 +1235,12 @@
           </a:prstGeom>
         </p:spPr>
         <p:txBody>
-          <a:bodyPr anchorCtr="0" anchor="t" bIns="91425" lIns="91425" spcFirstLastPara="1" rIns="91425" wrap="square" tIns="91425">
+          <a:bodyPr spcFirstLastPara="1" wrap="square" lIns="91425" tIns="91425" rIns="91425" bIns="91425" anchor="t" anchorCtr="0">
             <a:noAutofit/>
           </a:bodyPr>
           <a:lstStyle/>
           <a:p>
-            <a:pPr indent="0" lvl="0" marL="0" rtl="0" algn="l">
+            <a:pPr marL="0" lvl="0" indent="0" algn="l" rtl="0">
               <a:spcBef>
                 <a:spcPts val="0"/>
               </a:spcBef>
@@ -1181,14 +1249,16 @@
               </a:spcAft>
               <a:buNone/>
             </a:pPr>
-            <a:r>
-              <a:t/>
-            </a:r>
             <a:endParaRPr/>
           </a:p>
         </p:txBody>
       </p:sp>
     </p:spTree>
+    <p:extLst>
+      <p:ext uri="{BB962C8B-B14F-4D97-AF65-F5344CB8AC3E}">
+        <p14:creationId xmlns:p14="http://schemas.microsoft.com/office/powerpoint/2010/main" val="3086564953"/>
+      </p:ext>
+    </p:extLst>
   </p:cSld>
   <p:clrMapOvr>
     <a:masterClrMapping/>
@@ -1197,11 +1267,11 @@
 </file>
 
 <file path=ppt/notesSlides/notesSlide6.xml><?xml version="1.0" encoding="utf-8"?>
-<p:notes xmlns:a="http://schemas.openxmlformats.org/drawingml/2006/main" xmlns:r="http://schemas.openxmlformats.org/officeDocument/2006/relationships" xmlns:mc="http://schemas.openxmlformats.org/markup-compatibility/2006" xmlns:mv="urn:schemas-microsoft-com:mac:vml" xmlns:p="http://schemas.openxmlformats.org/presentationml/2006/main" xmlns:c="http://schemas.openxmlformats.org/drawingml/2006/chart" xmlns:dgm="http://schemas.openxmlformats.org/drawingml/2006/diagram" xmlns:o="urn:schemas-microsoft-com:office:office" xmlns:v="urn:schemas-microsoft-com:vml" xmlns:pvml="urn:schemas-microsoft-com:office:powerpoint" xmlns:com="http://schemas.openxmlformats.org/drawingml/2006/compatibility" xmlns:p14="http://schemas.microsoft.com/office/powerpoint/2010/main" xmlns:p15="http://schemas.microsoft.com/office/powerpoint/2012/main" xmlns:ahyp="http://schemas.microsoft.com/office/drawing/2018/hyperlinkcolor" showMasterPhAnim="0" showMasterSp="0">
+<p:notes xmlns:a="http://schemas.openxmlformats.org/drawingml/2006/main" xmlns:r="http://schemas.openxmlformats.org/officeDocument/2006/relationships" xmlns:p="http://schemas.openxmlformats.org/presentationml/2006/main" showMasterSp="0" showMasterPhAnim="0">
   <p:cSld>
     <p:spTree>
       <p:nvGrpSpPr>
-        <p:cNvPr id="88" name="Shape 88"/>
+        <p:cNvPr id="1" name="Shape 88"/>
         <p:cNvGrpSpPr/>
         <p:nvPr/>
       </p:nvGrpSpPr>
@@ -1216,20 +1286,26 @@
       <p:sp>
         <p:nvSpPr>
           <p:cNvPr id="89" name="Google Shape;89;ga903eacabd_0_7:notes"/>
-          <p:cNvSpPr/>
+          <p:cNvSpPr>
+            <a:spLocks noGrp="1" noRot="1" noChangeAspect="1"/>
+          </p:cNvSpPr>
           <p:nvPr>
-            <p:ph idx="2" type="sldImg"/>
+            <p:ph type="sldImg" idx="2"/>
           </p:nvPr>
         </p:nvSpPr>
         <p:spPr>
           <a:xfrm>
-            <a:off x="381300" y="685800"/>
+            <a:off x="381000" y="685800"/>
             <a:ext cx="6096000" cy="3429000"/>
           </a:xfrm>
           <a:custGeom>
-            <a:rect b="b" l="l" r="r" t="t"/>
+            <a:avLst/>
+            <a:gdLst/>
+            <a:ahLst/>
+            <a:cxnLst/>
+            <a:rect l="l" t="t" r="r" b="b"/>
             <a:pathLst>
-              <a:path extrusionOk="0" h="120000" w="120000">
+              <a:path w="120000" h="120000" extrusionOk="0">
                 <a:moveTo>
                   <a:pt x="0" y="0"/>
                 </a:moveTo>
@@ -1251,9 +1327,11 @@
       <p:sp>
         <p:nvSpPr>
           <p:cNvPr id="90" name="Google Shape;90;ga903eacabd_0_7:notes"/>
-          <p:cNvSpPr txBox="1"/>
+          <p:cNvSpPr txBox="1">
+            <a:spLocks noGrp="1"/>
+          </p:cNvSpPr>
           <p:nvPr>
-            <p:ph idx="1" type="body"/>
+            <p:ph type="body" idx="1"/>
           </p:nvPr>
         </p:nvSpPr>
         <p:spPr>
@@ -1266,12 +1344,12 @@
           </a:prstGeom>
         </p:spPr>
         <p:txBody>
-          <a:bodyPr anchorCtr="0" anchor="t" bIns="91425" lIns="91425" spcFirstLastPara="1" rIns="91425" wrap="square" tIns="91425">
+          <a:bodyPr spcFirstLastPara="1" wrap="square" lIns="91425" tIns="91425" rIns="91425" bIns="91425" anchor="t" anchorCtr="0">
             <a:noAutofit/>
           </a:bodyPr>
           <a:lstStyle/>
           <a:p>
-            <a:pPr indent="0" lvl="0" marL="0" rtl="0" algn="l">
+            <a:pPr marL="0" lvl="0" indent="0" algn="l" rtl="0">
               <a:spcBef>
                 <a:spcPts val="0"/>
               </a:spcBef>
@@ -1280,14 +1358,16 @@
               </a:spcAft>
               <a:buNone/>
             </a:pPr>
-            <a:r>
-              <a:t/>
-            </a:r>
             <a:endParaRPr/>
           </a:p>
         </p:txBody>
       </p:sp>
     </p:spTree>
+    <p:extLst>
+      <p:ext uri="{BB962C8B-B14F-4D97-AF65-F5344CB8AC3E}">
+        <p14:creationId xmlns:p14="http://schemas.microsoft.com/office/powerpoint/2010/main" val="2139256684"/>
+      </p:ext>
+    </p:extLst>
   </p:cSld>
   <p:clrMapOvr>
     <a:masterClrMapping/>
@@ -1296,11 +1376,11 @@
 </file>
 
 <file path=ppt/notesSlides/notesSlide7.xml><?xml version="1.0" encoding="utf-8"?>
-<p:notes xmlns:a="http://schemas.openxmlformats.org/drawingml/2006/main" xmlns:r="http://schemas.openxmlformats.org/officeDocument/2006/relationships" xmlns:mc="http://schemas.openxmlformats.org/markup-compatibility/2006" xmlns:mv="urn:schemas-microsoft-com:mac:vml" xmlns:p="http://schemas.openxmlformats.org/presentationml/2006/main" xmlns:c="http://schemas.openxmlformats.org/drawingml/2006/chart" xmlns:dgm="http://schemas.openxmlformats.org/drawingml/2006/diagram" xmlns:o="urn:schemas-microsoft-com:office:office" xmlns:v="urn:schemas-microsoft-com:vml" xmlns:pvml="urn:schemas-microsoft-com:office:powerpoint" xmlns:com="http://schemas.openxmlformats.org/drawingml/2006/compatibility" xmlns:p14="http://schemas.microsoft.com/office/powerpoint/2010/main" xmlns:p15="http://schemas.microsoft.com/office/powerpoint/2012/main" xmlns:ahyp="http://schemas.microsoft.com/office/drawing/2018/hyperlinkcolor" showMasterPhAnim="0" showMasterSp="0">
+<p:notes xmlns:a="http://schemas.openxmlformats.org/drawingml/2006/main" xmlns:r="http://schemas.openxmlformats.org/officeDocument/2006/relationships" xmlns:p="http://schemas.openxmlformats.org/presentationml/2006/main" showMasterSp="0" showMasterPhAnim="0">
   <p:cSld>
     <p:spTree>
       <p:nvGrpSpPr>
-        <p:cNvPr id="95" name="Shape 95"/>
+        <p:cNvPr id="1" name="Shape 95"/>
         <p:cNvGrpSpPr/>
         <p:nvPr/>
       </p:nvGrpSpPr>
@@ -1315,20 +1395,26 @@
       <p:sp>
         <p:nvSpPr>
           <p:cNvPr id="96" name="Google Shape;96;ga903eacabd_0_23:notes"/>
-          <p:cNvSpPr/>
+          <p:cNvSpPr>
+            <a:spLocks noGrp="1" noRot="1" noChangeAspect="1"/>
+          </p:cNvSpPr>
           <p:nvPr>
-            <p:ph idx="2" type="sldImg"/>
+            <p:ph type="sldImg" idx="2"/>
           </p:nvPr>
         </p:nvSpPr>
         <p:spPr>
           <a:xfrm>
-            <a:off x="381300" y="685800"/>
+            <a:off x="381000" y="685800"/>
             <a:ext cx="6096000" cy="3429000"/>
           </a:xfrm>
           <a:custGeom>
-            <a:rect b="b" l="l" r="r" t="t"/>
+            <a:avLst/>
+            <a:gdLst/>
+            <a:ahLst/>
+            <a:cxnLst/>
+            <a:rect l="l" t="t" r="r" b="b"/>
             <a:pathLst>
-              <a:path extrusionOk="0" h="120000" w="120000">
+              <a:path w="120000" h="120000" extrusionOk="0">
                 <a:moveTo>
                   <a:pt x="0" y="0"/>
                 </a:moveTo>
@@ -1350,9 +1436,11 @@
       <p:sp>
         <p:nvSpPr>
           <p:cNvPr id="97" name="Google Shape;97;ga903eacabd_0_23:notes"/>
-          <p:cNvSpPr txBox="1"/>
+          <p:cNvSpPr txBox="1">
+            <a:spLocks noGrp="1"/>
+          </p:cNvSpPr>
           <p:nvPr>
-            <p:ph idx="1" type="body"/>
+            <p:ph type="body" idx="1"/>
           </p:nvPr>
         </p:nvSpPr>
         <p:spPr>
@@ -1365,12 +1453,12 @@
           </a:prstGeom>
         </p:spPr>
         <p:txBody>
-          <a:bodyPr anchorCtr="0" anchor="t" bIns="91425" lIns="91425" spcFirstLastPara="1" rIns="91425" wrap="square" tIns="91425">
+          <a:bodyPr spcFirstLastPara="1" wrap="square" lIns="91425" tIns="91425" rIns="91425" bIns="91425" anchor="t" anchorCtr="0">
             <a:noAutofit/>
           </a:bodyPr>
           <a:lstStyle/>
           <a:p>
-            <a:pPr indent="0" lvl="0" marL="0" rtl="0" algn="l">
+            <a:pPr marL="0" lvl="0" indent="0" algn="l" rtl="0">
               <a:spcBef>
                 <a:spcPts val="0"/>
               </a:spcBef>
@@ -1379,14 +1467,16 @@
               </a:spcAft>
               <a:buNone/>
             </a:pPr>
-            <a:r>
-              <a:t/>
-            </a:r>
             <a:endParaRPr/>
           </a:p>
         </p:txBody>
       </p:sp>
     </p:spTree>
+    <p:extLst>
+      <p:ext uri="{BB962C8B-B14F-4D97-AF65-F5344CB8AC3E}">
+        <p14:creationId xmlns:p14="http://schemas.microsoft.com/office/powerpoint/2010/main" val="1019549580"/>
+      </p:ext>
+    </p:extLst>
   </p:cSld>
   <p:clrMapOvr>
     <a:masterClrMapping/>
@@ -1395,18 +1485,19 @@
 </file>
 
 <file path=ppt/slideLayouts/slideLayout1.xml><?xml version="1.0" encoding="utf-8"?>
-<p:sldLayout xmlns:a="http://schemas.openxmlformats.org/drawingml/2006/main" xmlns:r="http://schemas.openxmlformats.org/officeDocument/2006/relationships" xmlns:mc="http://schemas.openxmlformats.org/markup-compatibility/2006" xmlns:mv="urn:schemas-microsoft-com:mac:vml" xmlns:p="http://schemas.openxmlformats.org/presentationml/2006/main" xmlns:c="http://schemas.openxmlformats.org/drawingml/2006/chart" xmlns:dgm="http://schemas.openxmlformats.org/drawingml/2006/diagram" xmlns:o="urn:schemas-microsoft-com:office:office" xmlns:v="urn:schemas-microsoft-com:vml" xmlns:pvml="urn:schemas-microsoft-com:office:powerpoint" xmlns:com="http://schemas.openxmlformats.org/drawingml/2006/compatibility" xmlns:p14="http://schemas.microsoft.com/office/powerpoint/2010/main" xmlns:p15="http://schemas.microsoft.com/office/powerpoint/2012/main" xmlns:ahyp="http://schemas.microsoft.com/office/drawing/2018/hyperlinkcolor" matchingName="Title slide" type="title">
+<p:sldLayout xmlns:a="http://schemas.openxmlformats.org/drawingml/2006/main" xmlns:r="http://schemas.openxmlformats.org/officeDocument/2006/relationships" xmlns:p="http://schemas.openxmlformats.org/presentationml/2006/main" matchingName="Title slide" type="title">
   <p:cSld name="TITLE">
     <p:bg>
       <p:bgPr>
         <a:solidFill>
           <a:schemeClr val="dk1"/>
         </a:solidFill>
+        <a:effectLst/>
       </p:bgPr>
     </p:bg>
     <p:spTree>
       <p:nvGrpSpPr>
-        <p:cNvPr id="9" name="Shape 9"/>
+        <p:cNvPr id="1" name="Shape 9"/>
         <p:cNvGrpSpPr/>
         <p:nvPr/>
       </p:nvGrpSpPr>
@@ -1433,21 +1524,23 @@
             <a:avLst/>
           </a:prstGeom>
           <a:noFill/>
-          <a:ln cap="flat" cmpd="sng" w="19050">
+          <a:ln w="19050" cap="flat" cmpd="sng">
             <a:solidFill>
               <a:schemeClr val="lt2"/>
             </a:solidFill>
             <a:prstDash val="solid"/>
             <a:round/>
-            <a:headEnd len="sm" w="sm" type="none"/>
-            <a:tailEnd len="sm" w="sm" type="none"/>
+            <a:headEnd type="none" w="sm" len="sm"/>
+            <a:tailEnd type="none" w="sm" len="sm"/>
           </a:ln>
         </p:spPr>
       </p:cxnSp>
       <p:sp>
         <p:nvSpPr>
           <p:cNvPr id="11" name="Google Shape;11;p2"/>
-          <p:cNvSpPr txBox="1"/>
+          <p:cNvSpPr txBox="1">
+            <a:spLocks noGrp="1"/>
+          </p:cNvSpPr>
           <p:nvPr>
             <p:ph type="ctrTitle"/>
           </p:nvPr>
@@ -1462,7 +1555,7 @@
           </a:prstGeom>
         </p:spPr>
         <p:txBody>
-          <a:bodyPr anchorCtr="0" anchor="b" bIns="91425" lIns="91425" spcFirstLastPara="1" rIns="91425" wrap="square" tIns="91425">
+          <a:bodyPr spcFirstLastPara="1" wrap="square" lIns="91425" tIns="91425" rIns="91425" bIns="91425" anchor="b" anchorCtr="0">
             <a:noAutofit/>
           </a:bodyPr>
           <a:lstStyle>
@@ -1629,15 +1722,19 @@
               </a:defRPr>
             </a:lvl9pPr>
           </a:lstStyle>
-          <a:p/>
+          <a:p>
+            <a:endParaRPr/>
+          </a:p>
         </p:txBody>
       </p:sp>
       <p:sp>
         <p:nvSpPr>
           <p:cNvPr id="12" name="Google Shape;12;p2"/>
-          <p:cNvSpPr txBox="1"/>
+          <p:cNvSpPr txBox="1">
+            <a:spLocks noGrp="1"/>
+          </p:cNvSpPr>
           <p:nvPr>
-            <p:ph idx="1" type="subTitle"/>
+            <p:ph type="subTitle" idx="1"/>
           </p:nvPr>
         </p:nvSpPr>
         <p:spPr>
@@ -1650,7 +1747,7 @@
           </a:prstGeom>
         </p:spPr>
         <p:txBody>
-          <a:bodyPr anchorCtr="0" anchor="t" bIns="91425" lIns="91425" spcFirstLastPara="1" rIns="91425" wrap="square" tIns="91425">
+          <a:bodyPr spcFirstLastPara="1" wrap="square" lIns="91425" tIns="91425" rIns="91425" bIns="91425" anchor="t" anchorCtr="0">
             <a:noAutofit/>
           </a:bodyPr>
           <a:lstStyle>
@@ -1844,15 +1941,19 @@
               </a:defRPr>
             </a:lvl9pPr>
           </a:lstStyle>
-          <a:p/>
+          <a:p>
+            <a:endParaRPr/>
+          </a:p>
         </p:txBody>
       </p:sp>
       <p:sp>
         <p:nvSpPr>
           <p:cNvPr id="13" name="Google Shape;13;p2"/>
-          <p:cNvSpPr txBox="1"/>
+          <p:cNvSpPr txBox="1">
+            <a:spLocks noGrp="1"/>
+          </p:cNvSpPr>
           <p:nvPr>
-            <p:ph idx="12" type="sldNum"/>
+            <p:ph type="sldNum" idx="12"/>
           </p:nvPr>
         </p:nvSpPr>
         <p:spPr>
@@ -1865,7 +1966,7 @@
           </a:prstGeom>
         </p:spPr>
         <p:txBody>
-          <a:bodyPr anchorCtr="0" anchor="ctr" bIns="91425" lIns="91425" spcFirstLastPara="1" rIns="91425" wrap="square" tIns="91425">
+          <a:bodyPr spcFirstLastPara="1" wrap="square" lIns="91425" tIns="91425" rIns="91425" bIns="91425" anchor="ctr" anchorCtr="0">
             <a:noAutofit/>
           </a:bodyPr>
           <a:lstStyle>
@@ -1943,7 +2044,7 @@
             </a:lvl9pPr>
           </a:lstStyle>
           <a:p>
-            <a:pPr indent="0" lvl="0" marL="0" rtl="0" algn="r">
+            <a:pPr marL="0" lvl="0" indent="0" algn="r" rtl="0">
               <a:spcBef>
                 <a:spcPts val="0"/>
               </a:spcBef>
@@ -1969,11 +2070,11 @@
 </file>
 
 <file path=ppt/slideLayouts/slideLayout10.xml><?xml version="1.0" encoding="utf-8"?>
-<p:sldLayout xmlns:a="http://schemas.openxmlformats.org/drawingml/2006/main" xmlns:r="http://schemas.openxmlformats.org/officeDocument/2006/relationships" xmlns:mc="http://schemas.openxmlformats.org/markup-compatibility/2006" xmlns:mv="urn:schemas-microsoft-com:mac:vml" xmlns:p="http://schemas.openxmlformats.org/presentationml/2006/main" xmlns:c="http://schemas.openxmlformats.org/drawingml/2006/chart" xmlns:dgm="http://schemas.openxmlformats.org/drawingml/2006/diagram" xmlns:o="urn:schemas-microsoft-com:office:office" xmlns:v="urn:schemas-microsoft-com:vml" xmlns:pvml="urn:schemas-microsoft-com:office:powerpoint" xmlns:com="http://schemas.openxmlformats.org/drawingml/2006/compatibility" xmlns:p14="http://schemas.microsoft.com/office/powerpoint/2010/main" xmlns:p15="http://schemas.microsoft.com/office/powerpoint/2012/main" xmlns:ahyp="http://schemas.microsoft.com/office/drawing/2018/hyperlinkcolor" matchingName="Big number">
+<p:sldLayout xmlns:a="http://schemas.openxmlformats.org/drawingml/2006/main" xmlns:r="http://schemas.openxmlformats.org/officeDocument/2006/relationships" xmlns:p="http://schemas.openxmlformats.org/presentationml/2006/main" matchingName="Big number">
   <p:cSld name="BIG_NUMBER">
     <p:spTree>
       <p:nvGrpSpPr>
-        <p:cNvPr id="48" name="Shape 48"/>
+        <p:cNvPr id="1" name="Shape 48"/>
         <p:cNvGrpSpPr/>
         <p:nvPr/>
       </p:nvGrpSpPr>
@@ -2007,12 +2108,12 @@
           </a:ln>
         </p:spPr>
         <p:txBody>
-          <a:bodyPr anchorCtr="0" anchor="ctr" bIns="91425" lIns="91425" spcFirstLastPara="1" rIns="91425" wrap="square" tIns="91425">
+          <a:bodyPr spcFirstLastPara="1" wrap="square" lIns="91425" tIns="91425" rIns="91425" bIns="91425" anchor="ctr" anchorCtr="0">
             <a:noAutofit/>
           </a:bodyPr>
           <a:lstStyle/>
           <a:p>
-            <a:pPr indent="0" lvl="0" marL="0" rtl="0" algn="l">
+            <a:pPr marL="0" lvl="0" indent="0" algn="l" rtl="0">
               <a:spcBef>
                 <a:spcPts val="0"/>
               </a:spcBef>
@@ -2021,9 +2122,6 @@
               </a:spcAft>
               <a:buNone/>
             </a:pPr>
-            <a:r>
-              <a:t/>
-            </a:r>
             <a:endParaRPr/>
           </a:p>
         </p:txBody>
@@ -2031,9 +2129,11 @@
       <p:sp>
         <p:nvSpPr>
           <p:cNvPr id="50" name="Google Shape;50;p11"/>
-          <p:cNvSpPr txBox="1"/>
+          <p:cNvSpPr txBox="1">
+            <a:spLocks noGrp="1"/>
+          </p:cNvSpPr>
           <p:nvPr>
-            <p:ph hasCustomPrompt="1" type="title"/>
+            <p:ph type="title" hasCustomPrompt="1"/>
           </p:nvPr>
         </p:nvSpPr>
         <p:spPr>
@@ -2046,7 +2146,7 @@
           </a:prstGeom>
         </p:spPr>
         <p:txBody>
-          <a:bodyPr anchorCtr="0" anchor="ctr" bIns="91425" lIns="91425" spcFirstLastPara="1" rIns="91425" wrap="square" tIns="91425">
+          <a:bodyPr spcFirstLastPara="1" wrap="square" lIns="91425" tIns="91425" rIns="91425" bIns="91425" anchor="ctr" anchorCtr="0">
             <a:noAutofit/>
           </a:bodyPr>
           <a:lstStyle>
@@ -2059,7 +2159,7 @@
               </a:spcAft>
               <a:buSzPts val="14000"/>
               <a:buNone/>
-              <a:defRPr b="1" sz="14000"/>
+              <a:defRPr sz="14000" b="1"/>
             </a:lvl1pPr>
             <a:lvl2pPr lvl="1" algn="ctr">
               <a:spcBef>
@@ -2070,7 +2170,7 @@
               </a:spcAft>
               <a:buSzPts val="14000"/>
               <a:buNone/>
-              <a:defRPr b="1" sz="14000"/>
+              <a:defRPr sz="14000" b="1"/>
             </a:lvl2pPr>
             <a:lvl3pPr lvl="2" algn="ctr">
               <a:spcBef>
@@ -2081,7 +2181,7 @@
               </a:spcAft>
               <a:buSzPts val="14000"/>
               <a:buNone/>
-              <a:defRPr b="1" sz="14000"/>
+              <a:defRPr sz="14000" b="1"/>
             </a:lvl3pPr>
             <a:lvl4pPr lvl="3" algn="ctr">
               <a:spcBef>
@@ -2092,7 +2192,7 @@
               </a:spcAft>
               <a:buSzPts val="14000"/>
               <a:buNone/>
-              <a:defRPr b="1" sz="14000"/>
+              <a:defRPr sz="14000" b="1"/>
             </a:lvl4pPr>
             <a:lvl5pPr lvl="4" algn="ctr">
               <a:spcBef>
@@ -2103,7 +2203,7 @@
               </a:spcAft>
               <a:buSzPts val="14000"/>
               <a:buNone/>
-              <a:defRPr b="1" sz="14000"/>
+              <a:defRPr sz="14000" b="1"/>
             </a:lvl5pPr>
             <a:lvl6pPr lvl="5" algn="ctr">
               <a:spcBef>
@@ -2114,7 +2214,7 @@
               </a:spcAft>
               <a:buSzPts val="14000"/>
               <a:buNone/>
-              <a:defRPr b="1" sz="14000"/>
+              <a:defRPr sz="14000" b="1"/>
             </a:lvl6pPr>
             <a:lvl7pPr lvl="6" algn="ctr">
               <a:spcBef>
@@ -2125,7 +2225,7 @@
               </a:spcAft>
               <a:buSzPts val="14000"/>
               <a:buNone/>
-              <a:defRPr b="1" sz="14000"/>
+              <a:defRPr sz="14000" b="1"/>
             </a:lvl7pPr>
             <a:lvl8pPr lvl="7" algn="ctr">
               <a:spcBef>
@@ -2136,7 +2236,7 @@
               </a:spcAft>
               <a:buSzPts val="14000"/>
               <a:buNone/>
-              <a:defRPr b="1" sz="14000"/>
+              <a:defRPr sz="14000" b="1"/>
             </a:lvl8pPr>
             <a:lvl9pPr lvl="8" algn="ctr">
               <a:spcBef>
@@ -2147,7 +2247,7 @@
               </a:spcAft>
               <a:buSzPts val="14000"/>
               <a:buNone/>
-              <a:defRPr b="1" sz="14000"/>
+              <a:defRPr sz="14000" b="1"/>
             </a:lvl9pPr>
           </a:lstStyle>
           <a:p>
@@ -2160,9 +2260,11 @@
       <p:sp>
         <p:nvSpPr>
           <p:cNvPr id="51" name="Google Shape;51;p11"/>
-          <p:cNvSpPr txBox="1"/>
+          <p:cNvSpPr txBox="1">
+            <a:spLocks noGrp="1"/>
+          </p:cNvSpPr>
           <p:nvPr>
-            <p:ph idx="1" type="body"/>
+            <p:ph type="body" idx="1"/>
           </p:nvPr>
         </p:nvSpPr>
         <p:spPr>
@@ -2175,11 +2277,11 @@
           </a:prstGeom>
         </p:spPr>
         <p:txBody>
-          <a:bodyPr anchorCtr="0" anchor="t" bIns="91425" lIns="91425" spcFirstLastPara="1" rIns="91425" wrap="square" tIns="91425">
+          <a:bodyPr spcFirstLastPara="1" wrap="square" lIns="91425" tIns="91425" rIns="91425" bIns="91425" anchor="t" anchorCtr="0">
             <a:noAutofit/>
           </a:bodyPr>
           <a:lstStyle>
-            <a:lvl1pPr indent="-342900" lvl="0" marL="457200" algn="ctr">
+            <a:lvl1pPr marL="457200" lvl="0" indent="-342900" algn="ctr">
               <a:spcBef>
                 <a:spcPts val="0"/>
               </a:spcBef>
@@ -2190,7 +2292,7 @@
               <a:buChar char="●"/>
               <a:defRPr/>
             </a:lvl1pPr>
-            <a:lvl2pPr indent="-317500" lvl="1" marL="914400" algn="ctr">
+            <a:lvl2pPr marL="914400" lvl="1" indent="-317500" algn="ctr">
               <a:spcBef>
                 <a:spcPts val="1600"/>
               </a:spcBef>
@@ -2201,7 +2303,7 @@
               <a:buChar char="○"/>
               <a:defRPr/>
             </a:lvl2pPr>
-            <a:lvl3pPr indent="-317500" lvl="2" marL="1371600" algn="ctr">
+            <a:lvl3pPr marL="1371600" lvl="2" indent="-317500" algn="ctr">
               <a:spcBef>
                 <a:spcPts val="1600"/>
               </a:spcBef>
@@ -2212,7 +2314,7 @@
               <a:buChar char="■"/>
               <a:defRPr/>
             </a:lvl3pPr>
-            <a:lvl4pPr indent="-317500" lvl="3" marL="1828800" algn="ctr">
+            <a:lvl4pPr marL="1828800" lvl="3" indent="-317500" algn="ctr">
               <a:spcBef>
                 <a:spcPts val="1600"/>
               </a:spcBef>
@@ -2223,7 +2325,7 @@
               <a:buChar char="●"/>
               <a:defRPr/>
             </a:lvl4pPr>
-            <a:lvl5pPr indent="-317500" lvl="4" marL="2286000" algn="ctr">
+            <a:lvl5pPr marL="2286000" lvl="4" indent="-317500" algn="ctr">
               <a:spcBef>
                 <a:spcPts val="1600"/>
               </a:spcBef>
@@ -2234,7 +2336,7 @@
               <a:buChar char="○"/>
               <a:defRPr/>
             </a:lvl5pPr>
-            <a:lvl6pPr indent="-317500" lvl="5" marL="2743200" algn="ctr">
+            <a:lvl6pPr marL="2743200" lvl="5" indent="-317500" algn="ctr">
               <a:spcBef>
                 <a:spcPts val="1600"/>
               </a:spcBef>
@@ -2245,7 +2347,7 @@
               <a:buChar char="■"/>
               <a:defRPr/>
             </a:lvl6pPr>
-            <a:lvl7pPr indent="-317500" lvl="6" marL="3200400" algn="ctr">
+            <a:lvl7pPr marL="3200400" lvl="6" indent="-317500" algn="ctr">
               <a:spcBef>
                 <a:spcPts val="1600"/>
               </a:spcBef>
@@ -2256,7 +2358,7 @@
               <a:buChar char="●"/>
               <a:defRPr/>
             </a:lvl7pPr>
-            <a:lvl8pPr indent="-317500" lvl="7" marL="3657600" algn="ctr">
+            <a:lvl8pPr marL="3657600" lvl="7" indent="-317500" algn="ctr">
               <a:spcBef>
                 <a:spcPts val="1600"/>
               </a:spcBef>
@@ -2267,7 +2369,7 @@
               <a:buChar char="○"/>
               <a:defRPr/>
             </a:lvl8pPr>
-            <a:lvl9pPr indent="-317500" lvl="8" marL="4114800" algn="ctr">
+            <a:lvl9pPr marL="4114800" lvl="8" indent="-317500" algn="ctr">
               <a:spcBef>
                 <a:spcPts val="1600"/>
               </a:spcBef>
@@ -2279,15 +2381,19 @@
               <a:defRPr/>
             </a:lvl9pPr>
           </a:lstStyle>
-          <a:p/>
+          <a:p>
+            <a:endParaRPr/>
+          </a:p>
         </p:txBody>
       </p:sp>
       <p:sp>
         <p:nvSpPr>
           <p:cNvPr id="52" name="Google Shape;52;p11"/>
-          <p:cNvSpPr txBox="1"/>
+          <p:cNvSpPr txBox="1">
+            <a:spLocks noGrp="1"/>
+          </p:cNvSpPr>
           <p:nvPr>
-            <p:ph idx="12" type="sldNum"/>
+            <p:ph type="sldNum" idx="12"/>
           </p:nvPr>
         </p:nvSpPr>
         <p:spPr>
@@ -2300,7 +2406,7 @@
           </a:prstGeom>
         </p:spPr>
         <p:txBody>
-          <a:bodyPr anchorCtr="0" anchor="ctr" bIns="91425" lIns="91425" spcFirstLastPara="1" rIns="91425" wrap="square" tIns="91425">
+          <a:bodyPr spcFirstLastPara="1" wrap="square" lIns="91425" tIns="91425" rIns="91425" bIns="91425" anchor="ctr" anchorCtr="0">
             <a:noAutofit/>
           </a:bodyPr>
           <a:lstStyle>
@@ -2342,7 +2448,7 @@
             </a:lvl9pPr>
           </a:lstStyle>
           <a:p>
-            <a:pPr indent="0" lvl="0" marL="0" rtl="0" algn="r">
+            <a:pPr marL="0" lvl="0" indent="0" algn="r" rtl="0">
               <a:spcBef>
                 <a:spcPts val="0"/>
               </a:spcBef>
@@ -2368,11 +2474,11 @@
 </file>
 
 <file path=ppt/slideLayouts/slideLayout11.xml><?xml version="1.0" encoding="utf-8"?>
-<p:sldLayout xmlns:a="http://schemas.openxmlformats.org/drawingml/2006/main" xmlns:r="http://schemas.openxmlformats.org/officeDocument/2006/relationships" xmlns:mc="http://schemas.openxmlformats.org/markup-compatibility/2006" xmlns:mv="urn:schemas-microsoft-com:mac:vml" xmlns:p="http://schemas.openxmlformats.org/presentationml/2006/main" xmlns:c="http://schemas.openxmlformats.org/drawingml/2006/chart" xmlns:dgm="http://schemas.openxmlformats.org/drawingml/2006/diagram" xmlns:o="urn:schemas-microsoft-com:office:office" xmlns:v="urn:schemas-microsoft-com:vml" xmlns:pvml="urn:schemas-microsoft-com:office:powerpoint" xmlns:com="http://schemas.openxmlformats.org/drawingml/2006/compatibility" xmlns:p14="http://schemas.microsoft.com/office/powerpoint/2010/main" xmlns:p15="http://schemas.microsoft.com/office/powerpoint/2012/main" xmlns:ahyp="http://schemas.microsoft.com/office/drawing/2018/hyperlinkcolor" matchingName="Blank" type="blank">
+<p:sldLayout xmlns:a="http://schemas.openxmlformats.org/drawingml/2006/main" xmlns:r="http://schemas.openxmlformats.org/officeDocument/2006/relationships" xmlns:p="http://schemas.openxmlformats.org/presentationml/2006/main" matchingName="Blank" type="blank">
   <p:cSld name="BLANK">
     <p:spTree>
       <p:nvGrpSpPr>
-        <p:cNvPr id="53" name="Shape 53"/>
+        <p:cNvPr id="1" name="Shape 53"/>
         <p:cNvGrpSpPr/>
         <p:nvPr/>
       </p:nvGrpSpPr>
@@ -2387,9 +2493,11 @@
       <p:sp>
         <p:nvSpPr>
           <p:cNvPr id="54" name="Google Shape;54;p12"/>
-          <p:cNvSpPr txBox="1"/>
+          <p:cNvSpPr txBox="1">
+            <a:spLocks noGrp="1"/>
+          </p:cNvSpPr>
           <p:nvPr>
-            <p:ph idx="12" type="sldNum"/>
+            <p:ph type="sldNum" idx="12"/>
           </p:nvPr>
         </p:nvSpPr>
         <p:spPr>
@@ -2402,7 +2510,7 @@
           </a:prstGeom>
         </p:spPr>
         <p:txBody>
-          <a:bodyPr anchorCtr="0" anchor="ctr" bIns="91425" lIns="91425" spcFirstLastPara="1" rIns="91425" wrap="square" tIns="91425">
+          <a:bodyPr spcFirstLastPara="1" wrap="square" lIns="91425" tIns="91425" rIns="91425" bIns="91425" anchor="ctr" anchorCtr="0">
             <a:noAutofit/>
           </a:bodyPr>
           <a:lstStyle>
@@ -2444,7 +2552,7 @@
             </a:lvl9pPr>
           </a:lstStyle>
           <a:p>
-            <a:pPr indent="0" lvl="0" marL="0" rtl="0" algn="r">
+            <a:pPr marL="0" lvl="0" indent="0" algn="r" rtl="0">
               <a:spcBef>
                 <a:spcPts val="0"/>
               </a:spcBef>
@@ -2470,18 +2578,19 @@
 </file>
 
 <file path=ppt/slideLayouts/slideLayout2.xml><?xml version="1.0" encoding="utf-8"?>
-<p:sldLayout xmlns:a="http://schemas.openxmlformats.org/drawingml/2006/main" xmlns:r="http://schemas.openxmlformats.org/officeDocument/2006/relationships" xmlns:mc="http://schemas.openxmlformats.org/markup-compatibility/2006" xmlns:mv="urn:schemas-microsoft-com:mac:vml" xmlns:p="http://schemas.openxmlformats.org/presentationml/2006/main" xmlns:c="http://schemas.openxmlformats.org/drawingml/2006/chart" xmlns:dgm="http://schemas.openxmlformats.org/drawingml/2006/diagram" xmlns:o="urn:schemas-microsoft-com:office:office" xmlns:v="urn:schemas-microsoft-com:vml" xmlns:pvml="urn:schemas-microsoft-com:office:powerpoint" xmlns:com="http://schemas.openxmlformats.org/drawingml/2006/compatibility" xmlns:p14="http://schemas.microsoft.com/office/powerpoint/2010/main" xmlns:p15="http://schemas.microsoft.com/office/powerpoint/2012/main" xmlns:ahyp="http://schemas.microsoft.com/office/drawing/2018/hyperlinkcolor" matchingName="Section header" type="secHead">
+<p:sldLayout xmlns:a="http://schemas.openxmlformats.org/drawingml/2006/main" xmlns:r="http://schemas.openxmlformats.org/officeDocument/2006/relationships" xmlns:p="http://schemas.openxmlformats.org/presentationml/2006/main" matchingName="Section header" type="secHead">
   <p:cSld name="SECTION_HEADER">
     <p:bg>
       <p:bgPr>
         <a:solidFill>
           <a:schemeClr val="dk1"/>
         </a:solidFill>
+        <a:effectLst/>
       </p:bgPr>
     </p:bg>
     <p:spTree>
       <p:nvGrpSpPr>
-        <p:cNvPr id="14" name="Shape 14"/>
+        <p:cNvPr id="1" name="Shape 14"/>
         <p:cNvGrpSpPr/>
         <p:nvPr/>
       </p:nvGrpSpPr>
@@ -2508,21 +2617,23 @@
             <a:avLst/>
           </a:prstGeom>
           <a:noFill/>
-          <a:ln cap="flat" cmpd="sng" w="19050">
+          <a:ln w="19050" cap="flat" cmpd="sng">
             <a:solidFill>
               <a:schemeClr val="lt2"/>
             </a:solidFill>
             <a:prstDash val="solid"/>
             <a:round/>
-            <a:headEnd len="sm" w="sm" type="none"/>
-            <a:tailEnd len="sm" w="sm" type="none"/>
+            <a:headEnd type="none" w="sm" len="sm"/>
+            <a:tailEnd type="none" w="sm" len="sm"/>
           </a:ln>
         </p:spPr>
       </p:cxnSp>
       <p:sp>
         <p:nvSpPr>
           <p:cNvPr id="16" name="Google Shape;16;p3"/>
-          <p:cNvSpPr txBox="1"/>
+          <p:cNvSpPr txBox="1">
+            <a:spLocks noGrp="1"/>
+          </p:cNvSpPr>
           <p:nvPr>
             <p:ph type="title"/>
           </p:nvPr>
@@ -2537,7 +2648,7 @@
           </a:prstGeom>
         </p:spPr>
         <p:txBody>
-          <a:bodyPr anchorCtr="0" anchor="b" bIns="91425" lIns="91425" spcFirstLastPara="1" rIns="91425" wrap="square" tIns="91425">
+          <a:bodyPr spcFirstLastPara="1" wrap="square" lIns="91425" tIns="91425" rIns="91425" bIns="91425" anchor="b" anchorCtr="0">
             <a:noAutofit/>
           </a:bodyPr>
           <a:lstStyle>
@@ -2704,15 +2815,19 @@
               </a:defRPr>
             </a:lvl9pPr>
           </a:lstStyle>
-          <a:p/>
+          <a:p>
+            <a:endParaRPr/>
+          </a:p>
         </p:txBody>
       </p:sp>
       <p:sp>
         <p:nvSpPr>
           <p:cNvPr id="17" name="Google Shape;17;p3"/>
-          <p:cNvSpPr txBox="1"/>
+          <p:cNvSpPr txBox="1">
+            <a:spLocks noGrp="1"/>
+          </p:cNvSpPr>
           <p:nvPr>
-            <p:ph idx="12" type="sldNum"/>
+            <p:ph type="sldNum" idx="12"/>
           </p:nvPr>
         </p:nvSpPr>
         <p:spPr>
@@ -2725,7 +2840,7 @@
           </a:prstGeom>
         </p:spPr>
         <p:txBody>
-          <a:bodyPr anchorCtr="0" anchor="ctr" bIns="91425" lIns="91425" spcFirstLastPara="1" rIns="91425" wrap="square" tIns="91425">
+          <a:bodyPr spcFirstLastPara="1" wrap="square" lIns="91425" tIns="91425" rIns="91425" bIns="91425" anchor="ctr" anchorCtr="0">
             <a:noAutofit/>
           </a:bodyPr>
           <a:lstStyle>
@@ -2803,7 +2918,7 @@
             </a:lvl9pPr>
           </a:lstStyle>
           <a:p>
-            <a:pPr indent="0" lvl="0" marL="0" rtl="0" algn="r">
+            <a:pPr marL="0" lvl="0" indent="0" algn="r" rtl="0">
               <a:spcBef>
                 <a:spcPts val="0"/>
               </a:spcBef>
@@ -2829,11 +2944,11 @@
 </file>
 
 <file path=ppt/slideLayouts/slideLayout3.xml><?xml version="1.0" encoding="utf-8"?>
-<p:sldLayout xmlns:a="http://schemas.openxmlformats.org/drawingml/2006/main" xmlns:r="http://schemas.openxmlformats.org/officeDocument/2006/relationships" xmlns:mc="http://schemas.openxmlformats.org/markup-compatibility/2006" xmlns:mv="urn:schemas-microsoft-com:mac:vml" xmlns:p="http://schemas.openxmlformats.org/presentationml/2006/main" xmlns:c="http://schemas.openxmlformats.org/drawingml/2006/chart" xmlns:dgm="http://schemas.openxmlformats.org/drawingml/2006/diagram" xmlns:o="urn:schemas-microsoft-com:office:office" xmlns:v="urn:schemas-microsoft-com:vml" xmlns:pvml="urn:schemas-microsoft-com:office:powerpoint" xmlns:com="http://schemas.openxmlformats.org/drawingml/2006/compatibility" xmlns:p14="http://schemas.microsoft.com/office/powerpoint/2010/main" xmlns:p15="http://schemas.microsoft.com/office/powerpoint/2012/main" xmlns:ahyp="http://schemas.microsoft.com/office/drawing/2018/hyperlinkcolor" matchingName="Title and body" type="tx">
+<p:sldLayout xmlns:a="http://schemas.openxmlformats.org/drawingml/2006/main" xmlns:r="http://schemas.openxmlformats.org/officeDocument/2006/relationships" xmlns:p="http://schemas.openxmlformats.org/presentationml/2006/main" matchingName="Title and body" type="tx">
   <p:cSld name="TITLE_AND_BODY">
     <p:spTree>
       <p:nvGrpSpPr>
-        <p:cNvPr id="18" name="Shape 18"/>
+        <p:cNvPr id="1" name="Shape 18"/>
         <p:cNvGrpSpPr/>
         <p:nvPr/>
       </p:nvGrpSpPr>
@@ -2867,12 +2982,12 @@
           </a:ln>
         </p:spPr>
         <p:txBody>
-          <a:bodyPr anchorCtr="0" anchor="ctr" bIns="91425" lIns="91425" spcFirstLastPara="1" rIns="91425" wrap="square" tIns="91425">
+          <a:bodyPr spcFirstLastPara="1" wrap="square" lIns="91425" tIns="91425" rIns="91425" bIns="91425" anchor="ctr" anchorCtr="0">
             <a:noAutofit/>
           </a:bodyPr>
           <a:lstStyle/>
           <a:p>
-            <a:pPr indent="0" lvl="0" marL="0" rtl="0" algn="l">
+            <a:pPr marL="0" lvl="0" indent="0" algn="l" rtl="0">
               <a:spcBef>
                 <a:spcPts val="0"/>
               </a:spcBef>
@@ -2881,9 +2996,6 @@
               </a:spcAft>
               <a:buNone/>
             </a:pPr>
-            <a:r>
-              <a:t/>
-            </a:r>
             <a:endParaRPr/>
           </a:p>
         </p:txBody>
@@ -2891,7 +3003,9 @@
       <p:sp>
         <p:nvSpPr>
           <p:cNvPr id="20" name="Google Shape;20;p4"/>
-          <p:cNvSpPr txBox="1"/>
+          <p:cNvSpPr txBox="1">
+            <a:spLocks noGrp="1"/>
+          </p:cNvSpPr>
           <p:nvPr>
             <p:ph type="title"/>
           </p:nvPr>
@@ -2906,7 +3020,7 @@
           </a:prstGeom>
         </p:spPr>
         <p:txBody>
-          <a:bodyPr anchorCtr="0" anchor="t" bIns="91425" lIns="91425" spcFirstLastPara="1" rIns="91425" wrap="square" tIns="91425">
+          <a:bodyPr spcFirstLastPara="1" wrap="square" lIns="91425" tIns="91425" rIns="91425" bIns="91425" anchor="t" anchorCtr="0">
             <a:noAutofit/>
           </a:bodyPr>
           <a:lstStyle>
@@ -3010,15 +3124,19 @@
               <a:defRPr/>
             </a:lvl9pPr>
           </a:lstStyle>
-          <a:p/>
+          <a:p>
+            <a:endParaRPr/>
+          </a:p>
         </p:txBody>
       </p:sp>
       <p:sp>
         <p:nvSpPr>
           <p:cNvPr id="21" name="Google Shape;21;p4"/>
-          <p:cNvSpPr txBox="1"/>
+          <p:cNvSpPr txBox="1">
+            <a:spLocks noGrp="1"/>
+          </p:cNvSpPr>
           <p:nvPr>
-            <p:ph idx="1" type="body"/>
+            <p:ph type="body" idx="1"/>
           </p:nvPr>
         </p:nvSpPr>
         <p:spPr>
@@ -3031,11 +3149,11 @@
           </a:prstGeom>
         </p:spPr>
         <p:txBody>
-          <a:bodyPr anchorCtr="0" anchor="t" bIns="91425" lIns="91425" spcFirstLastPara="1" rIns="91425" wrap="square" tIns="91425">
+          <a:bodyPr spcFirstLastPara="1" wrap="square" lIns="91425" tIns="91425" rIns="91425" bIns="91425" anchor="t" anchorCtr="0">
             <a:noAutofit/>
           </a:bodyPr>
           <a:lstStyle>
-            <a:lvl1pPr indent="-342900" lvl="0" marL="457200">
+            <a:lvl1pPr marL="457200" lvl="0" indent="-342900">
               <a:spcBef>
                 <a:spcPts val="0"/>
               </a:spcBef>
@@ -3046,7 +3164,7 @@
               <a:buChar char="●"/>
               <a:defRPr/>
             </a:lvl1pPr>
-            <a:lvl2pPr indent="-317500" lvl="1" marL="914400">
+            <a:lvl2pPr marL="914400" lvl="1" indent="-317500">
               <a:spcBef>
                 <a:spcPts val="1600"/>
               </a:spcBef>
@@ -3057,7 +3175,7 @@
               <a:buChar char="○"/>
               <a:defRPr/>
             </a:lvl2pPr>
-            <a:lvl3pPr indent="-317500" lvl="2" marL="1371600">
+            <a:lvl3pPr marL="1371600" lvl="2" indent="-317500">
               <a:spcBef>
                 <a:spcPts val="1600"/>
               </a:spcBef>
@@ -3068,7 +3186,7 @@
               <a:buChar char="■"/>
               <a:defRPr/>
             </a:lvl3pPr>
-            <a:lvl4pPr indent="-317500" lvl="3" marL="1828800">
+            <a:lvl4pPr marL="1828800" lvl="3" indent="-317500">
               <a:spcBef>
                 <a:spcPts val="1600"/>
               </a:spcBef>
@@ -3079,7 +3197,7 @@
               <a:buChar char="●"/>
               <a:defRPr/>
             </a:lvl4pPr>
-            <a:lvl5pPr indent="-317500" lvl="4" marL="2286000">
+            <a:lvl5pPr marL="2286000" lvl="4" indent="-317500">
               <a:spcBef>
                 <a:spcPts val="1600"/>
               </a:spcBef>
@@ -3090,7 +3208,7 @@
               <a:buChar char="○"/>
               <a:defRPr/>
             </a:lvl5pPr>
-            <a:lvl6pPr indent="-317500" lvl="5" marL="2743200">
+            <a:lvl6pPr marL="2743200" lvl="5" indent="-317500">
               <a:spcBef>
                 <a:spcPts val="1600"/>
               </a:spcBef>
@@ -3101,7 +3219,7 @@
               <a:buChar char="■"/>
               <a:defRPr/>
             </a:lvl6pPr>
-            <a:lvl7pPr indent="-317500" lvl="6" marL="3200400">
+            <a:lvl7pPr marL="3200400" lvl="6" indent="-317500">
               <a:spcBef>
                 <a:spcPts val="1600"/>
               </a:spcBef>
@@ -3112,7 +3230,7 @@
               <a:buChar char="●"/>
               <a:defRPr/>
             </a:lvl7pPr>
-            <a:lvl8pPr indent="-317500" lvl="7" marL="3657600">
+            <a:lvl8pPr marL="3657600" lvl="7" indent="-317500">
               <a:spcBef>
                 <a:spcPts val="1600"/>
               </a:spcBef>
@@ -3123,7 +3241,7 @@
               <a:buChar char="○"/>
               <a:defRPr/>
             </a:lvl8pPr>
-            <a:lvl9pPr indent="-317500" lvl="8" marL="4114800">
+            <a:lvl9pPr marL="4114800" lvl="8" indent="-317500">
               <a:spcBef>
                 <a:spcPts val="1600"/>
               </a:spcBef>
@@ -3135,15 +3253,19 @@
               <a:defRPr/>
             </a:lvl9pPr>
           </a:lstStyle>
-          <a:p/>
+          <a:p>
+            <a:endParaRPr/>
+          </a:p>
         </p:txBody>
       </p:sp>
       <p:sp>
         <p:nvSpPr>
           <p:cNvPr id="22" name="Google Shape;22;p4"/>
-          <p:cNvSpPr txBox="1"/>
+          <p:cNvSpPr txBox="1">
+            <a:spLocks noGrp="1"/>
+          </p:cNvSpPr>
           <p:nvPr>
-            <p:ph idx="12" type="sldNum"/>
+            <p:ph type="sldNum" idx="12"/>
           </p:nvPr>
         </p:nvSpPr>
         <p:spPr>
@@ -3156,7 +3278,7 @@
           </a:prstGeom>
         </p:spPr>
         <p:txBody>
-          <a:bodyPr anchorCtr="0" anchor="ctr" bIns="91425" lIns="91425" spcFirstLastPara="1" rIns="91425" wrap="square" tIns="91425">
+          <a:bodyPr spcFirstLastPara="1" wrap="square" lIns="91425" tIns="91425" rIns="91425" bIns="91425" anchor="ctr" anchorCtr="0">
             <a:noAutofit/>
           </a:bodyPr>
           <a:lstStyle>
@@ -3198,7 +3320,7 @@
             </a:lvl9pPr>
           </a:lstStyle>
           <a:p>
-            <a:pPr indent="0" lvl="0" marL="0" rtl="0" algn="r">
+            <a:pPr marL="0" lvl="0" indent="0" algn="r" rtl="0">
               <a:spcBef>
                 <a:spcPts val="0"/>
               </a:spcBef>
@@ -3224,11 +3346,11 @@
 </file>
 
 <file path=ppt/slideLayouts/slideLayout4.xml><?xml version="1.0" encoding="utf-8"?>
-<p:sldLayout xmlns:a="http://schemas.openxmlformats.org/drawingml/2006/main" xmlns:r="http://schemas.openxmlformats.org/officeDocument/2006/relationships" xmlns:mc="http://schemas.openxmlformats.org/markup-compatibility/2006" xmlns:mv="urn:schemas-microsoft-com:mac:vml" xmlns:p="http://schemas.openxmlformats.org/presentationml/2006/main" xmlns:c="http://schemas.openxmlformats.org/drawingml/2006/chart" xmlns:dgm="http://schemas.openxmlformats.org/drawingml/2006/diagram" xmlns:o="urn:schemas-microsoft-com:office:office" xmlns:v="urn:schemas-microsoft-com:vml" xmlns:pvml="urn:schemas-microsoft-com:office:powerpoint" xmlns:com="http://schemas.openxmlformats.org/drawingml/2006/compatibility" xmlns:p14="http://schemas.microsoft.com/office/powerpoint/2010/main" xmlns:p15="http://schemas.microsoft.com/office/powerpoint/2012/main" xmlns:ahyp="http://schemas.microsoft.com/office/drawing/2018/hyperlinkcolor" matchingName="Title and two columns" type="twoColTx">
+<p:sldLayout xmlns:a="http://schemas.openxmlformats.org/drawingml/2006/main" xmlns:r="http://schemas.openxmlformats.org/officeDocument/2006/relationships" xmlns:p="http://schemas.openxmlformats.org/presentationml/2006/main" matchingName="Title and two columns" type="twoColTx">
   <p:cSld name="TITLE_AND_TWO_COLUMNS">
     <p:spTree>
       <p:nvGrpSpPr>
-        <p:cNvPr id="23" name="Shape 23"/>
+        <p:cNvPr id="1" name="Shape 23"/>
         <p:cNvGrpSpPr/>
         <p:nvPr/>
       </p:nvGrpSpPr>
@@ -3243,7 +3365,9 @@
       <p:sp>
         <p:nvSpPr>
           <p:cNvPr id="24" name="Google Shape;24;p5"/>
-          <p:cNvSpPr txBox="1"/>
+          <p:cNvSpPr txBox="1">
+            <a:spLocks noGrp="1"/>
+          </p:cNvSpPr>
           <p:nvPr>
             <p:ph type="title"/>
           </p:nvPr>
@@ -3258,7 +3382,7 @@
           </a:prstGeom>
         </p:spPr>
         <p:txBody>
-          <a:bodyPr anchorCtr="0" anchor="t" bIns="91425" lIns="91425" spcFirstLastPara="1" rIns="91425" wrap="square" tIns="91425">
+          <a:bodyPr spcFirstLastPara="1" wrap="square" lIns="91425" tIns="91425" rIns="91425" bIns="91425" anchor="t" anchorCtr="0">
             <a:noAutofit/>
           </a:bodyPr>
           <a:lstStyle>
@@ -3362,15 +3486,19 @@
               <a:defRPr/>
             </a:lvl9pPr>
           </a:lstStyle>
-          <a:p/>
+          <a:p>
+            <a:endParaRPr/>
+          </a:p>
         </p:txBody>
       </p:sp>
       <p:sp>
         <p:nvSpPr>
           <p:cNvPr id="25" name="Google Shape;25;p5"/>
-          <p:cNvSpPr txBox="1"/>
+          <p:cNvSpPr txBox="1">
+            <a:spLocks noGrp="1"/>
+          </p:cNvSpPr>
           <p:nvPr>
-            <p:ph idx="1" type="body"/>
+            <p:ph type="body" idx="1"/>
           </p:nvPr>
         </p:nvSpPr>
         <p:spPr>
@@ -3383,11 +3511,11 @@
           </a:prstGeom>
         </p:spPr>
         <p:txBody>
-          <a:bodyPr anchorCtr="0" anchor="t" bIns="91425" lIns="91425" spcFirstLastPara="1" rIns="91425" wrap="square" tIns="91425">
+          <a:bodyPr spcFirstLastPara="1" wrap="square" lIns="91425" tIns="91425" rIns="91425" bIns="91425" anchor="t" anchorCtr="0">
             <a:noAutofit/>
           </a:bodyPr>
           <a:lstStyle>
-            <a:lvl1pPr indent="-317500" lvl="0" marL="457200">
+            <a:lvl1pPr marL="457200" lvl="0" indent="-317500">
               <a:spcBef>
                 <a:spcPts val="0"/>
               </a:spcBef>
@@ -3398,7 +3526,7 @@
               <a:buChar char="●"/>
               <a:defRPr sz="1400"/>
             </a:lvl1pPr>
-            <a:lvl2pPr indent="-304800" lvl="1" marL="914400">
+            <a:lvl2pPr marL="914400" lvl="1" indent="-304800">
               <a:spcBef>
                 <a:spcPts val="1600"/>
               </a:spcBef>
@@ -3409,7 +3537,7 @@
               <a:buChar char="○"/>
               <a:defRPr sz="1200"/>
             </a:lvl2pPr>
-            <a:lvl3pPr indent="-304800" lvl="2" marL="1371600">
+            <a:lvl3pPr marL="1371600" lvl="2" indent="-304800">
               <a:spcBef>
                 <a:spcPts val="1600"/>
               </a:spcBef>
@@ -3420,7 +3548,7 @@
               <a:buChar char="■"/>
               <a:defRPr sz="1200"/>
             </a:lvl3pPr>
-            <a:lvl4pPr indent="-304800" lvl="3" marL="1828800">
+            <a:lvl4pPr marL="1828800" lvl="3" indent="-304800">
               <a:spcBef>
                 <a:spcPts val="1600"/>
               </a:spcBef>
@@ -3431,7 +3559,7 @@
               <a:buChar char="●"/>
               <a:defRPr sz="1200"/>
             </a:lvl4pPr>
-            <a:lvl5pPr indent="-304800" lvl="4" marL="2286000">
+            <a:lvl5pPr marL="2286000" lvl="4" indent="-304800">
               <a:spcBef>
                 <a:spcPts val="1600"/>
               </a:spcBef>
@@ -3442,7 +3570,7 @@
               <a:buChar char="○"/>
               <a:defRPr sz="1200"/>
             </a:lvl5pPr>
-            <a:lvl6pPr indent="-304800" lvl="5" marL="2743200">
+            <a:lvl6pPr marL="2743200" lvl="5" indent="-304800">
               <a:spcBef>
                 <a:spcPts val="1600"/>
               </a:spcBef>
@@ -3453,7 +3581,7 @@
               <a:buChar char="■"/>
               <a:defRPr sz="1200"/>
             </a:lvl6pPr>
-            <a:lvl7pPr indent="-304800" lvl="6" marL="3200400">
+            <a:lvl7pPr marL="3200400" lvl="6" indent="-304800">
               <a:spcBef>
                 <a:spcPts val="1600"/>
               </a:spcBef>
@@ -3464,7 +3592,7 @@
               <a:buChar char="●"/>
               <a:defRPr sz="1200"/>
             </a:lvl7pPr>
-            <a:lvl8pPr indent="-304800" lvl="7" marL="3657600">
+            <a:lvl8pPr marL="3657600" lvl="7" indent="-304800">
               <a:spcBef>
                 <a:spcPts val="1600"/>
               </a:spcBef>
@@ -3475,7 +3603,7 @@
               <a:buChar char="○"/>
               <a:defRPr sz="1200"/>
             </a:lvl8pPr>
-            <a:lvl9pPr indent="-304800" lvl="8" marL="4114800">
+            <a:lvl9pPr marL="4114800" lvl="8" indent="-304800">
               <a:spcBef>
                 <a:spcPts val="1600"/>
               </a:spcBef>
@@ -3487,15 +3615,19 @@
               <a:defRPr sz="1200"/>
             </a:lvl9pPr>
           </a:lstStyle>
-          <a:p/>
+          <a:p>
+            <a:endParaRPr/>
+          </a:p>
         </p:txBody>
       </p:sp>
       <p:sp>
         <p:nvSpPr>
           <p:cNvPr id="26" name="Google Shape;26;p5"/>
-          <p:cNvSpPr txBox="1"/>
+          <p:cNvSpPr txBox="1">
+            <a:spLocks noGrp="1"/>
+          </p:cNvSpPr>
           <p:nvPr>
-            <p:ph idx="2" type="body"/>
+            <p:ph type="body" idx="2"/>
           </p:nvPr>
         </p:nvSpPr>
         <p:spPr>
@@ -3508,11 +3640,11 @@
           </a:prstGeom>
         </p:spPr>
         <p:txBody>
-          <a:bodyPr anchorCtr="0" anchor="t" bIns="91425" lIns="91425" spcFirstLastPara="1" rIns="91425" wrap="square" tIns="91425">
+          <a:bodyPr spcFirstLastPara="1" wrap="square" lIns="91425" tIns="91425" rIns="91425" bIns="91425" anchor="t" anchorCtr="0">
             <a:noAutofit/>
           </a:bodyPr>
           <a:lstStyle>
-            <a:lvl1pPr indent="-317500" lvl="0" marL="457200">
+            <a:lvl1pPr marL="457200" lvl="0" indent="-317500">
               <a:spcBef>
                 <a:spcPts val="0"/>
               </a:spcBef>
@@ -3523,7 +3655,7 @@
               <a:buChar char="●"/>
               <a:defRPr sz="1400"/>
             </a:lvl1pPr>
-            <a:lvl2pPr indent="-304800" lvl="1" marL="914400">
+            <a:lvl2pPr marL="914400" lvl="1" indent="-304800">
               <a:spcBef>
                 <a:spcPts val="1600"/>
               </a:spcBef>
@@ -3534,7 +3666,7 @@
               <a:buChar char="○"/>
               <a:defRPr sz="1200"/>
             </a:lvl2pPr>
-            <a:lvl3pPr indent="-304800" lvl="2" marL="1371600">
+            <a:lvl3pPr marL="1371600" lvl="2" indent="-304800">
               <a:spcBef>
                 <a:spcPts val="1600"/>
               </a:spcBef>
@@ -3545,7 +3677,7 @@
               <a:buChar char="■"/>
               <a:defRPr sz="1200"/>
             </a:lvl3pPr>
-            <a:lvl4pPr indent="-304800" lvl="3" marL="1828800">
+            <a:lvl4pPr marL="1828800" lvl="3" indent="-304800">
               <a:spcBef>
                 <a:spcPts val="1600"/>
               </a:spcBef>
@@ -3556,7 +3688,7 @@
               <a:buChar char="●"/>
               <a:defRPr sz="1200"/>
             </a:lvl4pPr>
-            <a:lvl5pPr indent="-304800" lvl="4" marL="2286000">
+            <a:lvl5pPr marL="2286000" lvl="4" indent="-304800">
               <a:spcBef>
                 <a:spcPts val="1600"/>
               </a:spcBef>
@@ -3567,7 +3699,7 @@
               <a:buChar char="○"/>
               <a:defRPr sz="1200"/>
             </a:lvl5pPr>
-            <a:lvl6pPr indent="-304800" lvl="5" marL="2743200">
+            <a:lvl6pPr marL="2743200" lvl="5" indent="-304800">
               <a:spcBef>
                 <a:spcPts val="1600"/>
               </a:spcBef>
@@ -3578,7 +3710,7 @@
               <a:buChar char="■"/>
               <a:defRPr sz="1200"/>
             </a:lvl6pPr>
-            <a:lvl7pPr indent="-304800" lvl="6" marL="3200400">
+            <a:lvl7pPr marL="3200400" lvl="6" indent="-304800">
               <a:spcBef>
                 <a:spcPts val="1600"/>
               </a:spcBef>
@@ -3589,7 +3721,7 @@
               <a:buChar char="●"/>
               <a:defRPr sz="1200"/>
             </a:lvl7pPr>
-            <a:lvl8pPr indent="-304800" lvl="7" marL="3657600">
+            <a:lvl8pPr marL="3657600" lvl="7" indent="-304800">
               <a:spcBef>
                 <a:spcPts val="1600"/>
               </a:spcBef>
@@ -3600,7 +3732,7 @@
               <a:buChar char="○"/>
               <a:defRPr sz="1200"/>
             </a:lvl8pPr>
-            <a:lvl9pPr indent="-304800" lvl="8" marL="4114800">
+            <a:lvl9pPr marL="4114800" lvl="8" indent="-304800">
               <a:spcBef>
                 <a:spcPts val="1600"/>
               </a:spcBef>
@@ -3612,15 +3744,19 @@
               <a:defRPr sz="1200"/>
             </a:lvl9pPr>
           </a:lstStyle>
-          <a:p/>
+          <a:p>
+            <a:endParaRPr/>
+          </a:p>
         </p:txBody>
       </p:sp>
       <p:sp>
         <p:nvSpPr>
           <p:cNvPr id="27" name="Google Shape;27;p5"/>
-          <p:cNvSpPr txBox="1"/>
+          <p:cNvSpPr txBox="1">
+            <a:spLocks noGrp="1"/>
+          </p:cNvSpPr>
           <p:nvPr>
-            <p:ph idx="12" type="sldNum"/>
+            <p:ph type="sldNum" idx="12"/>
           </p:nvPr>
         </p:nvSpPr>
         <p:spPr>
@@ -3633,7 +3769,7 @@
           </a:prstGeom>
         </p:spPr>
         <p:txBody>
-          <a:bodyPr anchorCtr="0" anchor="ctr" bIns="91425" lIns="91425" spcFirstLastPara="1" rIns="91425" wrap="square" tIns="91425">
+          <a:bodyPr spcFirstLastPara="1" wrap="square" lIns="91425" tIns="91425" rIns="91425" bIns="91425" anchor="ctr" anchorCtr="0">
             <a:noAutofit/>
           </a:bodyPr>
           <a:lstStyle>
@@ -3675,7 +3811,7 @@
             </a:lvl9pPr>
           </a:lstStyle>
           <a:p>
-            <a:pPr indent="0" lvl="0" marL="0" rtl="0" algn="r">
+            <a:pPr marL="0" lvl="0" indent="0" algn="r" rtl="0">
               <a:spcBef>
                 <a:spcPts val="0"/>
               </a:spcBef>
@@ -3701,11 +3837,11 @@
 </file>
 
 <file path=ppt/slideLayouts/slideLayout5.xml><?xml version="1.0" encoding="utf-8"?>
-<p:sldLayout xmlns:a="http://schemas.openxmlformats.org/drawingml/2006/main" xmlns:r="http://schemas.openxmlformats.org/officeDocument/2006/relationships" xmlns:mc="http://schemas.openxmlformats.org/markup-compatibility/2006" xmlns:mv="urn:schemas-microsoft-com:mac:vml" xmlns:p="http://schemas.openxmlformats.org/presentationml/2006/main" xmlns:c="http://schemas.openxmlformats.org/drawingml/2006/chart" xmlns:dgm="http://schemas.openxmlformats.org/drawingml/2006/diagram" xmlns:o="urn:schemas-microsoft-com:office:office" xmlns:v="urn:schemas-microsoft-com:vml" xmlns:pvml="urn:schemas-microsoft-com:office:powerpoint" xmlns:com="http://schemas.openxmlformats.org/drawingml/2006/compatibility" xmlns:p14="http://schemas.microsoft.com/office/powerpoint/2010/main" xmlns:p15="http://schemas.microsoft.com/office/powerpoint/2012/main" xmlns:ahyp="http://schemas.microsoft.com/office/drawing/2018/hyperlinkcolor" matchingName="Title only" type="titleOnly">
+<p:sldLayout xmlns:a="http://schemas.openxmlformats.org/drawingml/2006/main" xmlns:r="http://schemas.openxmlformats.org/officeDocument/2006/relationships" xmlns:p="http://schemas.openxmlformats.org/presentationml/2006/main" matchingName="Title only" type="titleOnly">
   <p:cSld name="TITLE_ONLY">
     <p:spTree>
       <p:nvGrpSpPr>
-        <p:cNvPr id="28" name="Shape 28"/>
+        <p:cNvPr id="1" name="Shape 28"/>
         <p:cNvGrpSpPr/>
         <p:nvPr/>
       </p:nvGrpSpPr>
@@ -3720,7 +3856,9 @@
       <p:sp>
         <p:nvSpPr>
           <p:cNvPr id="29" name="Google Shape;29;p6"/>
-          <p:cNvSpPr txBox="1"/>
+          <p:cNvSpPr txBox="1">
+            <a:spLocks noGrp="1"/>
+          </p:cNvSpPr>
           <p:nvPr>
             <p:ph type="title"/>
           </p:nvPr>
@@ -3735,7 +3873,7 @@
           </a:prstGeom>
         </p:spPr>
         <p:txBody>
-          <a:bodyPr anchorCtr="0" anchor="t" bIns="91425" lIns="91425" spcFirstLastPara="1" rIns="91425" wrap="square" tIns="91425">
+          <a:bodyPr spcFirstLastPara="1" wrap="square" lIns="91425" tIns="91425" rIns="91425" bIns="91425" anchor="t" anchorCtr="0">
             <a:noAutofit/>
           </a:bodyPr>
           <a:lstStyle>
@@ -3839,15 +3977,19 @@
               <a:defRPr/>
             </a:lvl9pPr>
           </a:lstStyle>
-          <a:p/>
+          <a:p>
+            <a:endParaRPr/>
+          </a:p>
         </p:txBody>
       </p:sp>
       <p:sp>
         <p:nvSpPr>
           <p:cNvPr id="30" name="Google Shape;30;p6"/>
-          <p:cNvSpPr txBox="1"/>
+          <p:cNvSpPr txBox="1">
+            <a:spLocks noGrp="1"/>
+          </p:cNvSpPr>
           <p:nvPr>
-            <p:ph idx="12" type="sldNum"/>
+            <p:ph type="sldNum" idx="12"/>
           </p:nvPr>
         </p:nvSpPr>
         <p:spPr>
@@ -3860,7 +4002,7 @@
           </a:prstGeom>
         </p:spPr>
         <p:txBody>
-          <a:bodyPr anchorCtr="0" anchor="ctr" bIns="91425" lIns="91425" spcFirstLastPara="1" rIns="91425" wrap="square" tIns="91425">
+          <a:bodyPr spcFirstLastPara="1" wrap="square" lIns="91425" tIns="91425" rIns="91425" bIns="91425" anchor="ctr" anchorCtr="0">
             <a:noAutofit/>
           </a:bodyPr>
           <a:lstStyle>
@@ -3902,7 +4044,7 @@
             </a:lvl9pPr>
           </a:lstStyle>
           <a:p>
-            <a:pPr indent="0" lvl="0" marL="0" rtl="0" algn="r">
+            <a:pPr marL="0" lvl="0" indent="0" algn="r" rtl="0">
               <a:spcBef>
                 <a:spcPts val="0"/>
               </a:spcBef>
@@ -3928,11 +4070,11 @@
 </file>
 
 <file path=ppt/slideLayouts/slideLayout6.xml><?xml version="1.0" encoding="utf-8"?>
-<p:sldLayout xmlns:a="http://schemas.openxmlformats.org/drawingml/2006/main" xmlns:r="http://schemas.openxmlformats.org/officeDocument/2006/relationships" xmlns:mc="http://schemas.openxmlformats.org/markup-compatibility/2006" xmlns:mv="urn:schemas-microsoft-com:mac:vml" xmlns:p="http://schemas.openxmlformats.org/presentationml/2006/main" xmlns:c="http://schemas.openxmlformats.org/drawingml/2006/chart" xmlns:dgm="http://schemas.openxmlformats.org/drawingml/2006/diagram" xmlns:o="urn:schemas-microsoft-com:office:office" xmlns:v="urn:schemas-microsoft-com:vml" xmlns:pvml="urn:schemas-microsoft-com:office:powerpoint" xmlns:com="http://schemas.openxmlformats.org/drawingml/2006/compatibility" xmlns:p14="http://schemas.microsoft.com/office/powerpoint/2010/main" xmlns:p15="http://schemas.microsoft.com/office/powerpoint/2012/main" xmlns:ahyp="http://schemas.microsoft.com/office/drawing/2018/hyperlinkcolor" matchingName="One column text">
+<p:sldLayout xmlns:a="http://schemas.openxmlformats.org/drawingml/2006/main" xmlns:r="http://schemas.openxmlformats.org/officeDocument/2006/relationships" xmlns:p="http://schemas.openxmlformats.org/presentationml/2006/main" matchingName="One column text">
   <p:cSld name="ONE_COLUMN_TEXT">
     <p:spTree>
       <p:nvGrpSpPr>
-        <p:cNvPr id="31" name="Shape 31"/>
+        <p:cNvPr id="1" name="Shape 31"/>
         <p:cNvGrpSpPr/>
         <p:nvPr/>
       </p:nvGrpSpPr>
@@ -3947,7 +4089,9 @@
       <p:sp>
         <p:nvSpPr>
           <p:cNvPr id="32" name="Google Shape;32;p7"/>
-          <p:cNvSpPr txBox="1"/>
+          <p:cNvSpPr txBox="1">
+            <a:spLocks noGrp="1"/>
+          </p:cNvSpPr>
           <p:nvPr>
             <p:ph type="title"/>
           </p:nvPr>
@@ -3962,7 +4106,7 @@
           </a:prstGeom>
         </p:spPr>
         <p:txBody>
-          <a:bodyPr anchorCtr="0" anchor="b" bIns="91425" lIns="91425" spcFirstLastPara="1" rIns="91425" wrap="square" tIns="91425">
+          <a:bodyPr spcFirstLastPara="1" wrap="square" lIns="91425" tIns="91425" rIns="91425" bIns="91425" anchor="b" anchorCtr="0">
             <a:noAutofit/>
           </a:bodyPr>
           <a:lstStyle>
@@ -4066,15 +4210,19 @@
               <a:defRPr sz="2400"/>
             </a:lvl9pPr>
           </a:lstStyle>
-          <a:p/>
+          <a:p>
+            <a:endParaRPr/>
+          </a:p>
         </p:txBody>
       </p:sp>
       <p:sp>
         <p:nvSpPr>
           <p:cNvPr id="33" name="Google Shape;33;p7"/>
-          <p:cNvSpPr txBox="1"/>
+          <p:cNvSpPr txBox="1">
+            <a:spLocks noGrp="1"/>
+          </p:cNvSpPr>
           <p:nvPr>
-            <p:ph idx="1" type="body"/>
+            <p:ph type="body" idx="1"/>
           </p:nvPr>
         </p:nvSpPr>
         <p:spPr>
@@ -4087,11 +4235,11 @@
           </a:prstGeom>
         </p:spPr>
         <p:txBody>
-          <a:bodyPr anchorCtr="0" anchor="t" bIns="91425" lIns="91425" spcFirstLastPara="1" rIns="91425" wrap="square" tIns="91425">
+          <a:bodyPr spcFirstLastPara="1" wrap="square" lIns="91425" tIns="91425" rIns="91425" bIns="91425" anchor="t" anchorCtr="0">
             <a:noAutofit/>
           </a:bodyPr>
           <a:lstStyle>
-            <a:lvl1pPr indent="-304800" lvl="0" marL="457200">
+            <a:lvl1pPr marL="457200" lvl="0" indent="-304800">
               <a:spcBef>
                 <a:spcPts val="0"/>
               </a:spcBef>
@@ -4102,7 +4250,7 @@
               <a:buChar char="●"/>
               <a:defRPr sz="1200"/>
             </a:lvl1pPr>
-            <a:lvl2pPr indent="-304800" lvl="1" marL="914400">
+            <a:lvl2pPr marL="914400" lvl="1" indent="-304800">
               <a:spcBef>
                 <a:spcPts val="1600"/>
               </a:spcBef>
@@ -4113,7 +4261,7 @@
               <a:buChar char="○"/>
               <a:defRPr sz="1200"/>
             </a:lvl2pPr>
-            <a:lvl3pPr indent="-304800" lvl="2" marL="1371600">
+            <a:lvl3pPr marL="1371600" lvl="2" indent="-304800">
               <a:spcBef>
                 <a:spcPts val="1600"/>
               </a:spcBef>
@@ -4124,7 +4272,7 @@
               <a:buChar char="■"/>
               <a:defRPr sz="1200"/>
             </a:lvl3pPr>
-            <a:lvl4pPr indent="-304800" lvl="3" marL="1828800">
+            <a:lvl4pPr marL="1828800" lvl="3" indent="-304800">
               <a:spcBef>
                 <a:spcPts val="1600"/>
               </a:spcBef>
@@ -4135,7 +4283,7 @@
               <a:buChar char="●"/>
               <a:defRPr sz="1200"/>
             </a:lvl4pPr>
-            <a:lvl5pPr indent="-304800" lvl="4" marL="2286000">
+            <a:lvl5pPr marL="2286000" lvl="4" indent="-304800">
               <a:spcBef>
                 <a:spcPts val="1600"/>
               </a:spcBef>
@@ -4146,7 +4294,7 @@
               <a:buChar char="○"/>
               <a:defRPr sz="1200"/>
             </a:lvl5pPr>
-            <a:lvl6pPr indent="-304800" lvl="5" marL="2743200">
+            <a:lvl6pPr marL="2743200" lvl="5" indent="-304800">
               <a:spcBef>
                 <a:spcPts val="1600"/>
               </a:spcBef>
@@ -4157,7 +4305,7 @@
               <a:buChar char="■"/>
               <a:defRPr sz="1200"/>
             </a:lvl6pPr>
-            <a:lvl7pPr indent="-304800" lvl="6" marL="3200400">
+            <a:lvl7pPr marL="3200400" lvl="6" indent="-304800">
               <a:spcBef>
                 <a:spcPts val="1600"/>
               </a:spcBef>
@@ -4168,7 +4316,7 @@
               <a:buChar char="●"/>
               <a:defRPr sz="1200"/>
             </a:lvl7pPr>
-            <a:lvl8pPr indent="-304800" lvl="7" marL="3657600">
+            <a:lvl8pPr marL="3657600" lvl="7" indent="-304800">
               <a:spcBef>
                 <a:spcPts val="1600"/>
               </a:spcBef>
@@ -4179,7 +4327,7 @@
               <a:buChar char="○"/>
               <a:defRPr sz="1200"/>
             </a:lvl8pPr>
-            <a:lvl9pPr indent="-304800" lvl="8" marL="4114800">
+            <a:lvl9pPr marL="4114800" lvl="8" indent="-304800">
               <a:spcBef>
                 <a:spcPts val="1600"/>
               </a:spcBef>
@@ -4191,15 +4339,19 @@
               <a:defRPr sz="1200"/>
             </a:lvl9pPr>
           </a:lstStyle>
-          <a:p/>
+          <a:p>
+            <a:endParaRPr/>
+          </a:p>
         </p:txBody>
       </p:sp>
       <p:sp>
         <p:nvSpPr>
           <p:cNvPr id="34" name="Google Shape;34;p7"/>
-          <p:cNvSpPr txBox="1"/>
+          <p:cNvSpPr txBox="1">
+            <a:spLocks noGrp="1"/>
+          </p:cNvSpPr>
           <p:nvPr>
-            <p:ph idx="12" type="sldNum"/>
+            <p:ph type="sldNum" idx="12"/>
           </p:nvPr>
         </p:nvSpPr>
         <p:spPr>
@@ -4212,7 +4364,7 @@
           </a:prstGeom>
         </p:spPr>
         <p:txBody>
-          <a:bodyPr anchorCtr="0" anchor="ctr" bIns="91425" lIns="91425" spcFirstLastPara="1" rIns="91425" wrap="square" tIns="91425">
+          <a:bodyPr spcFirstLastPara="1" wrap="square" lIns="91425" tIns="91425" rIns="91425" bIns="91425" anchor="ctr" anchorCtr="0">
             <a:noAutofit/>
           </a:bodyPr>
           <a:lstStyle>
@@ -4254,7 +4406,7 @@
             </a:lvl9pPr>
           </a:lstStyle>
           <a:p>
-            <a:pPr indent="0" lvl="0" marL="0" rtl="0" algn="r">
+            <a:pPr marL="0" lvl="0" indent="0" algn="r" rtl="0">
               <a:spcBef>
                 <a:spcPts val="0"/>
               </a:spcBef>
@@ -4280,18 +4432,19 @@
 </file>
 
 <file path=ppt/slideLayouts/slideLayout7.xml><?xml version="1.0" encoding="utf-8"?>
-<p:sldLayout xmlns:a="http://schemas.openxmlformats.org/drawingml/2006/main" xmlns:r="http://schemas.openxmlformats.org/officeDocument/2006/relationships" xmlns:mc="http://schemas.openxmlformats.org/markup-compatibility/2006" xmlns:mv="urn:schemas-microsoft-com:mac:vml" xmlns:p="http://schemas.openxmlformats.org/presentationml/2006/main" xmlns:c="http://schemas.openxmlformats.org/drawingml/2006/chart" xmlns:dgm="http://schemas.openxmlformats.org/drawingml/2006/diagram" xmlns:o="urn:schemas-microsoft-com:office:office" xmlns:v="urn:schemas-microsoft-com:vml" xmlns:pvml="urn:schemas-microsoft-com:office:powerpoint" xmlns:com="http://schemas.openxmlformats.org/drawingml/2006/compatibility" xmlns:p14="http://schemas.microsoft.com/office/powerpoint/2010/main" xmlns:p15="http://schemas.microsoft.com/office/powerpoint/2012/main" xmlns:ahyp="http://schemas.microsoft.com/office/drawing/2018/hyperlinkcolor" matchingName="Main point">
+<p:sldLayout xmlns:a="http://schemas.openxmlformats.org/drawingml/2006/main" xmlns:r="http://schemas.openxmlformats.org/officeDocument/2006/relationships" xmlns:p="http://schemas.openxmlformats.org/presentationml/2006/main" matchingName="Main point">
   <p:cSld name="MAIN_POINT">
     <p:bg>
       <p:bgPr>
         <a:solidFill>
           <a:schemeClr val="lt2"/>
         </a:solidFill>
+        <a:effectLst/>
       </p:bgPr>
     </p:bg>
     <p:spTree>
       <p:nvGrpSpPr>
-        <p:cNvPr id="35" name="Shape 35"/>
+        <p:cNvPr id="1" name="Shape 35"/>
         <p:cNvGrpSpPr/>
         <p:nvPr/>
       </p:nvGrpSpPr>
@@ -4306,7 +4459,9 @@
       <p:sp>
         <p:nvSpPr>
           <p:cNvPr id="36" name="Google Shape;36;p8"/>
-          <p:cNvSpPr txBox="1"/>
+          <p:cNvSpPr txBox="1">
+            <a:spLocks noGrp="1"/>
+          </p:cNvSpPr>
           <p:nvPr>
             <p:ph type="title"/>
           </p:nvPr>
@@ -4321,7 +4476,7 @@
           </a:prstGeom>
         </p:spPr>
         <p:txBody>
-          <a:bodyPr anchorCtr="0" anchor="ctr" bIns="91425" lIns="91425" spcFirstLastPara="1" rIns="91425" wrap="square" tIns="91425">
+          <a:bodyPr spcFirstLastPara="1" wrap="square" lIns="91425" tIns="91425" rIns="91425" bIns="91425" anchor="ctr" anchorCtr="0">
             <a:noAutofit/>
           </a:bodyPr>
           <a:lstStyle>
@@ -4425,15 +4580,19 @@
               <a:defRPr sz="4800"/>
             </a:lvl9pPr>
           </a:lstStyle>
-          <a:p/>
+          <a:p>
+            <a:endParaRPr/>
+          </a:p>
         </p:txBody>
       </p:sp>
       <p:sp>
         <p:nvSpPr>
           <p:cNvPr id="37" name="Google Shape;37;p8"/>
-          <p:cNvSpPr txBox="1"/>
+          <p:cNvSpPr txBox="1">
+            <a:spLocks noGrp="1"/>
+          </p:cNvSpPr>
           <p:nvPr>
-            <p:ph idx="12" type="sldNum"/>
+            <p:ph type="sldNum" idx="12"/>
           </p:nvPr>
         </p:nvSpPr>
         <p:spPr>
@@ -4446,7 +4605,7 @@
           </a:prstGeom>
         </p:spPr>
         <p:txBody>
-          <a:bodyPr anchorCtr="0" anchor="ctr" bIns="91425" lIns="91425" spcFirstLastPara="1" rIns="91425" wrap="square" tIns="91425">
+          <a:bodyPr spcFirstLastPara="1" wrap="square" lIns="91425" tIns="91425" rIns="91425" bIns="91425" anchor="ctr" anchorCtr="0">
             <a:noAutofit/>
           </a:bodyPr>
           <a:lstStyle>
@@ -4488,7 +4647,7 @@
             </a:lvl9pPr>
           </a:lstStyle>
           <a:p>
-            <a:pPr indent="0" lvl="0" marL="0" rtl="0" algn="r">
+            <a:pPr marL="0" lvl="0" indent="0" algn="r" rtl="0">
               <a:spcBef>
                 <a:spcPts val="0"/>
               </a:spcBef>
@@ -4514,11 +4673,11 @@
 </file>
 
 <file path=ppt/slideLayouts/slideLayout8.xml><?xml version="1.0" encoding="utf-8"?>
-<p:sldLayout xmlns:a="http://schemas.openxmlformats.org/drawingml/2006/main" xmlns:r="http://schemas.openxmlformats.org/officeDocument/2006/relationships" xmlns:mc="http://schemas.openxmlformats.org/markup-compatibility/2006" xmlns:mv="urn:schemas-microsoft-com:mac:vml" xmlns:p="http://schemas.openxmlformats.org/presentationml/2006/main" xmlns:c="http://schemas.openxmlformats.org/drawingml/2006/chart" xmlns:dgm="http://schemas.openxmlformats.org/drawingml/2006/diagram" xmlns:o="urn:schemas-microsoft-com:office:office" xmlns:v="urn:schemas-microsoft-com:vml" xmlns:pvml="urn:schemas-microsoft-com:office:powerpoint" xmlns:com="http://schemas.openxmlformats.org/drawingml/2006/compatibility" xmlns:p14="http://schemas.microsoft.com/office/powerpoint/2010/main" xmlns:p15="http://schemas.microsoft.com/office/powerpoint/2012/main" xmlns:ahyp="http://schemas.microsoft.com/office/drawing/2018/hyperlinkcolor" matchingName="Section title and description">
+<p:sldLayout xmlns:a="http://schemas.openxmlformats.org/drawingml/2006/main" xmlns:r="http://schemas.openxmlformats.org/officeDocument/2006/relationships" xmlns:p="http://schemas.openxmlformats.org/presentationml/2006/main" matchingName="Section title and description">
   <p:cSld name="SECTION_TITLE_AND_DESCRIPTION">
     <p:spTree>
       <p:nvGrpSpPr>
-        <p:cNvPr id="38" name="Shape 38"/>
+        <p:cNvPr id="1" name="Shape 38"/>
         <p:cNvGrpSpPr/>
         <p:nvPr/>
       </p:nvGrpSpPr>
@@ -4552,12 +4711,12 @@
           </a:ln>
         </p:spPr>
         <p:txBody>
-          <a:bodyPr anchorCtr="0" anchor="ctr" bIns="91425" lIns="91425" spcFirstLastPara="1" rIns="91425" wrap="square" tIns="91425">
+          <a:bodyPr spcFirstLastPara="1" wrap="square" lIns="91425" tIns="91425" rIns="91425" bIns="91425" anchor="ctr" anchorCtr="0">
             <a:noAutofit/>
           </a:bodyPr>
           <a:lstStyle/>
           <a:p>
-            <a:pPr indent="0" lvl="0" marL="0" rtl="0" algn="l">
+            <a:pPr marL="0" lvl="0" indent="0" algn="l" rtl="0">
               <a:spcBef>
                 <a:spcPts val="0"/>
               </a:spcBef>
@@ -4566,9 +4725,6 @@
               </a:spcAft>
               <a:buNone/>
             </a:pPr>
-            <a:r>
-              <a:t/>
-            </a:r>
             <a:endParaRPr/>
           </a:p>
         </p:txBody>
@@ -4588,21 +4744,23 @@
             <a:avLst/>
           </a:prstGeom>
           <a:noFill/>
-          <a:ln cap="flat" cmpd="sng" w="19050">
+          <a:ln w="19050" cap="flat" cmpd="sng">
             <a:solidFill>
               <a:schemeClr val="lt2"/>
             </a:solidFill>
             <a:prstDash val="solid"/>
             <a:round/>
-            <a:headEnd len="sm" w="sm" type="none"/>
-            <a:tailEnd len="sm" w="sm" type="none"/>
+            <a:headEnd type="none" w="sm" len="sm"/>
+            <a:tailEnd type="none" w="sm" len="sm"/>
           </a:ln>
         </p:spPr>
       </p:cxnSp>
       <p:sp>
         <p:nvSpPr>
           <p:cNvPr id="41" name="Google Shape;41;p9"/>
-          <p:cNvSpPr txBox="1"/>
+          <p:cNvSpPr txBox="1">
+            <a:spLocks noGrp="1"/>
+          </p:cNvSpPr>
           <p:nvPr>
             <p:ph type="title"/>
           </p:nvPr>
@@ -4617,7 +4775,7 @@
           </a:prstGeom>
         </p:spPr>
         <p:txBody>
-          <a:bodyPr anchorCtr="0" anchor="b" bIns="91425" lIns="91425" spcFirstLastPara="1" rIns="91425" wrap="square" tIns="91425">
+          <a:bodyPr spcFirstLastPara="1" wrap="square" lIns="91425" tIns="91425" rIns="91425" bIns="91425" anchor="b" anchorCtr="0">
             <a:noAutofit/>
           </a:bodyPr>
           <a:lstStyle>
@@ -4721,15 +4879,19 @@
               <a:defRPr sz="4200"/>
             </a:lvl9pPr>
           </a:lstStyle>
-          <a:p/>
+          <a:p>
+            <a:endParaRPr/>
+          </a:p>
         </p:txBody>
       </p:sp>
       <p:sp>
         <p:nvSpPr>
           <p:cNvPr id="42" name="Google Shape;42;p9"/>
-          <p:cNvSpPr txBox="1"/>
+          <p:cNvSpPr txBox="1">
+            <a:spLocks noGrp="1"/>
+          </p:cNvSpPr>
           <p:nvPr>
-            <p:ph idx="1" type="subTitle"/>
+            <p:ph type="subTitle" idx="1"/>
           </p:nvPr>
         </p:nvSpPr>
         <p:spPr>
@@ -4742,7 +4904,7 @@
           </a:prstGeom>
         </p:spPr>
         <p:txBody>
-          <a:bodyPr anchorCtr="0" anchor="t" bIns="91425" lIns="91425" spcFirstLastPara="1" rIns="91425" wrap="square" tIns="91425">
+          <a:bodyPr spcFirstLastPara="1" wrap="square" lIns="91425" tIns="91425" rIns="91425" bIns="91425" anchor="t" anchorCtr="0">
             <a:noAutofit/>
           </a:bodyPr>
           <a:lstStyle>
@@ -4873,15 +5035,19 @@
               <a:defRPr sz="2100"/>
             </a:lvl9pPr>
           </a:lstStyle>
-          <a:p/>
+          <a:p>
+            <a:endParaRPr/>
+          </a:p>
         </p:txBody>
       </p:sp>
       <p:sp>
         <p:nvSpPr>
           <p:cNvPr id="43" name="Google Shape;43;p9"/>
-          <p:cNvSpPr txBox="1"/>
+          <p:cNvSpPr txBox="1">
+            <a:spLocks noGrp="1"/>
+          </p:cNvSpPr>
           <p:nvPr>
-            <p:ph idx="2" type="body"/>
+            <p:ph type="body" idx="2"/>
           </p:nvPr>
         </p:nvSpPr>
         <p:spPr>
@@ -4894,11 +5060,11 @@
           </a:prstGeom>
         </p:spPr>
         <p:txBody>
-          <a:bodyPr anchorCtr="0" anchor="ctr" bIns="91425" lIns="91425" spcFirstLastPara="1" rIns="91425" wrap="square" tIns="91425">
+          <a:bodyPr spcFirstLastPara="1" wrap="square" lIns="91425" tIns="91425" rIns="91425" bIns="91425" anchor="ctr" anchorCtr="0">
             <a:noAutofit/>
           </a:bodyPr>
           <a:lstStyle>
-            <a:lvl1pPr indent="-342900" lvl="0" marL="457200">
+            <a:lvl1pPr marL="457200" lvl="0" indent="-342900">
               <a:spcBef>
                 <a:spcPts val="0"/>
               </a:spcBef>
@@ -4916,7 +5082,7 @@
                 </a:solidFill>
               </a:defRPr>
             </a:lvl1pPr>
-            <a:lvl2pPr indent="-317500" lvl="1" marL="914400">
+            <a:lvl2pPr marL="914400" lvl="1" indent="-317500">
               <a:spcBef>
                 <a:spcPts val="1600"/>
               </a:spcBef>
@@ -4934,7 +5100,7 @@
                 </a:solidFill>
               </a:defRPr>
             </a:lvl2pPr>
-            <a:lvl3pPr indent="-317500" lvl="2" marL="1371600">
+            <a:lvl3pPr marL="1371600" lvl="2" indent="-317500">
               <a:spcBef>
                 <a:spcPts val="1600"/>
               </a:spcBef>
@@ -4952,7 +5118,7 @@
                 </a:solidFill>
               </a:defRPr>
             </a:lvl3pPr>
-            <a:lvl4pPr indent="-317500" lvl="3" marL="1828800">
+            <a:lvl4pPr marL="1828800" lvl="3" indent="-317500">
               <a:spcBef>
                 <a:spcPts val="1600"/>
               </a:spcBef>
@@ -4970,7 +5136,7 @@
                 </a:solidFill>
               </a:defRPr>
             </a:lvl4pPr>
-            <a:lvl5pPr indent="-317500" lvl="4" marL="2286000">
+            <a:lvl5pPr marL="2286000" lvl="4" indent="-317500">
               <a:spcBef>
                 <a:spcPts val="1600"/>
               </a:spcBef>
@@ -4988,7 +5154,7 @@
                 </a:solidFill>
               </a:defRPr>
             </a:lvl5pPr>
-            <a:lvl6pPr indent="-317500" lvl="5" marL="2743200">
+            <a:lvl6pPr marL="2743200" lvl="5" indent="-317500">
               <a:spcBef>
                 <a:spcPts val="1600"/>
               </a:spcBef>
@@ -5006,7 +5172,7 @@
                 </a:solidFill>
               </a:defRPr>
             </a:lvl6pPr>
-            <a:lvl7pPr indent="-317500" lvl="6" marL="3200400">
+            <a:lvl7pPr marL="3200400" lvl="6" indent="-317500">
               <a:spcBef>
                 <a:spcPts val="1600"/>
               </a:spcBef>
@@ -5024,7 +5190,7 @@
                 </a:solidFill>
               </a:defRPr>
             </a:lvl7pPr>
-            <a:lvl8pPr indent="-317500" lvl="7" marL="3657600">
+            <a:lvl8pPr marL="3657600" lvl="7" indent="-317500">
               <a:spcBef>
                 <a:spcPts val="1600"/>
               </a:spcBef>
@@ -5042,7 +5208,7 @@
                 </a:solidFill>
               </a:defRPr>
             </a:lvl8pPr>
-            <a:lvl9pPr indent="-317500" lvl="8" marL="4114800">
+            <a:lvl9pPr marL="4114800" lvl="8" indent="-317500">
               <a:spcBef>
                 <a:spcPts val="1600"/>
               </a:spcBef>
@@ -5061,15 +5227,19 @@
               </a:defRPr>
             </a:lvl9pPr>
           </a:lstStyle>
-          <a:p/>
+          <a:p>
+            <a:endParaRPr/>
+          </a:p>
         </p:txBody>
       </p:sp>
       <p:sp>
         <p:nvSpPr>
           <p:cNvPr id="44" name="Google Shape;44;p9"/>
-          <p:cNvSpPr txBox="1"/>
+          <p:cNvSpPr txBox="1">
+            <a:spLocks noGrp="1"/>
+          </p:cNvSpPr>
           <p:nvPr>
-            <p:ph idx="12" type="sldNum"/>
+            <p:ph type="sldNum" idx="12"/>
           </p:nvPr>
         </p:nvSpPr>
         <p:spPr>
@@ -5082,7 +5252,7 @@
           </a:prstGeom>
         </p:spPr>
         <p:txBody>
-          <a:bodyPr anchorCtr="0" anchor="ctr" bIns="91425" lIns="91425" spcFirstLastPara="1" rIns="91425" wrap="square" tIns="91425">
+          <a:bodyPr spcFirstLastPara="1" wrap="square" lIns="91425" tIns="91425" rIns="91425" bIns="91425" anchor="ctr" anchorCtr="0">
             <a:noAutofit/>
           </a:bodyPr>
           <a:lstStyle>
@@ -5160,7 +5330,7 @@
             </a:lvl9pPr>
           </a:lstStyle>
           <a:p>
-            <a:pPr indent="0" lvl="0" marL="0" rtl="0" algn="r">
+            <a:pPr marL="0" lvl="0" indent="0" algn="r" rtl="0">
               <a:spcBef>
                 <a:spcPts val="0"/>
               </a:spcBef>
@@ -5186,11 +5356,11 @@
 </file>
 
 <file path=ppt/slideLayouts/slideLayout9.xml><?xml version="1.0" encoding="utf-8"?>
-<p:sldLayout xmlns:a="http://schemas.openxmlformats.org/drawingml/2006/main" xmlns:r="http://schemas.openxmlformats.org/officeDocument/2006/relationships" xmlns:mc="http://schemas.openxmlformats.org/markup-compatibility/2006" xmlns:mv="urn:schemas-microsoft-com:mac:vml" xmlns:p="http://schemas.openxmlformats.org/presentationml/2006/main" xmlns:c="http://schemas.openxmlformats.org/drawingml/2006/chart" xmlns:dgm="http://schemas.openxmlformats.org/drawingml/2006/diagram" xmlns:o="urn:schemas-microsoft-com:office:office" xmlns:v="urn:schemas-microsoft-com:vml" xmlns:pvml="urn:schemas-microsoft-com:office:powerpoint" xmlns:com="http://schemas.openxmlformats.org/drawingml/2006/compatibility" xmlns:p14="http://schemas.microsoft.com/office/powerpoint/2010/main" xmlns:p15="http://schemas.microsoft.com/office/powerpoint/2012/main" xmlns:ahyp="http://schemas.microsoft.com/office/drawing/2018/hyperlinkcolor" matchingName="Caption">
+<p:sldLayout xmlns:a="http://schemas.openxmlformats.org/drawingml/2006/main" xmlns:r="http://schemas.openxmlformats.org/officeDocument/2006/relationships" xmlns:p="http://schemas.openxmlformats.org/presentationml/2006/main" matchingName="Caption">
   <p:cSld name="CAPTION_ONLY">
     <p:spTree>
       <p:nvGrpSpPr>
-        <p:cNvPr id="45" name="Shape 45"/>
+        <p:cNvPr id="1" name="Shape 45"/>
         <p:cNvGrpSpPr/>
         <p:nvPr/>
       </p:nvGrpSpPr>
@@ -5205,9 +5375,11 @@
       <p:sp>
         <p:nvSpPr>
           <p:cNvPr id="46" name="Google Shape;46;p10"/>
-          <p:cNvSpPr txBox="1"/>
+          <p:cNvSpPr txBox="1">
+            <a:spLocks noGrp="1"/>
+          </p:cNvSpPr>
           <p:nvPr>
-            <p:ph idx="1" type="body"/>
+            <p:ph type="body" idx="1"/>
           </p:nvPr>
         </p:nvSpPr>
         <p:spPr>
@@ -5220,11 +5392,11 @@
           </a:prstGeom>
         </p:spPr>
         <p:txBody>
-          <a:bodyPr anchorCtr="0" anchor="ctr" bIns="91425" lIns="91425" spcFirstLastPara="1" rIns="91425" wrap="square" tIns="91425">
+          <a:bodyPr spcFirstLastPara="1" wrap="square" lIns="91425" tIns="91425" rIns="91425" bIns="91425" anchor="ctr" anchorCtr="0">
             <a:noAutofit/>
           </a:bodyPr>
           <a:lstStyle>
-            <a:lvl1pPr indent="-228600" lvl="0" marL="457200">
+            <a:lvl1pPr marL="457200" lvl="0" indent="-228600">
               <a:lnSpc>
                 <a:spcPct val="100000"/>
               </a:lnSpc>
@@ -5239,15 +5411,19 @@
               <a:defRPr sz="2100"/>
             </a:lvl1pPr>
           </a:lstStyle>
-          <a:p/>
+          <a:p>
+            <a:endParaRPr/>
+          </a:p>
         </p:txBody>
       </p:sp>
       <p:sp>
         <p:nvSpPr>
           <p:cNvPr id="47" name="Google Shape;47;p10"/>
-          <p:cNvSpPr txBox="1"/>
+          <p:cNvSpPr txBox="1">
+            <a:spLocks noGrp="1"/>
+          </p:cNvSpPr>
           <p:nvPr>
-            <p:ph idx="12" type="sldNum"/>
+            <p:ph type="sldNum" idx="12"/>
           </p:nvPr>
         </p:nvSpPr>
         <p:spPr>
@@ -5260,7 +5436,7 @@
           </a:prstGeom>
         </p:spPr>
         <p:txBody>
-          <a:bodyPr anchorCtr="0" anchor="ctr" bIns="91425" lIns="91425" spcFirstLastPara="1" rIns="91425" wrap="square" tIns="91425">
+          <a:bodyPr spcFirstLastPara="1" wrap="square" lIns="91425" tIns="91425" rIns="91425" bIns="91425" anchor="ctr" anchorCtr="0">
             <a:noAutofit/>
           </a:bodyPr>
           <a:lstStyle>
@@ -5302,7 +5478,7 @@
             </a:lvl9pPr>
           </a:lstStyle>
           <a:p>
-            <a:pPr indent="0" lvl="0" marL="0" rtl="0" algn="r">
+            <a:pPr marL="0" lvl="0" indent="0" algn="r" rtl="0">
               <a:spcBef>
                 <a:spcPts val="0"/>
               </a:spcBef>
@@ -5328,18 +5504,19 @@
 </file>
 
 <file path=ppt/slideMasters/slideMaster1.xml><?xml version="1.0" encoding="utf-8"?>
-<p:sldMaster xmlns:a="http://schemas.openxmlformats.org/drawingml/2006/main" xmlns:r="http://schemas.openxmlformats.org/officeDocument/2006/relationships" xmlns:mc="http://schemas.openxmlformats.org/markup-compatibility/2006" xmlns:mv="urn:schemas-microsoft-com:mac:vml" xmlns:p="http://schemas.openxmlformats.org/presentationml/2006/main" xmlns:c="http://schemas.openxmlformats.org/drawingml/2006/chart" xmlns:dgm="http://schemas.openxmlformats.org/drawingml/2006/diagram" xmlns:o="urn:schemas-microsoft-com:office:office" xmlns:v="urn:schemas-microsoft-com:vml" xmlns:pvml="urn:schemas-microsoft-com:office:powerpoint" xmlns:com="http://schemas.openxmlformats.org/drawingml/2006/compatibility" xmlns:p14="http://schemas.microsoft.com/office/powerpoint/2010/main" xmlns:p15="http://schemas.microsoft.com/office/powerpoint/2012/main" xmlns:ahyp="http://schemas.microsoft.com/office/drawing/2018/hyperlinkcolor">
+<p:sldMaster xmlns:a="http://schemas.openxmlformats.org/drawingml/2006/main" xmlns:r="http://schemas.openxmlformats.org/officeDocument/2006/relationships" xmlns:p="http://schemas.openxmlformats.org/presentationml/2006/main">
   <p:cSld name="spearmint">
     <p:bg>
       <p:bgPr>
         <a:solidFill>
           <a:schemeClr val="lt1"/>
         </a:solidFill>
+        <a:effectLst/>
       </p:bgPr>
     </p:bg>
     <p:spTree>
       <p:nvGrpSpPr>
-        <p:cNvPr id="5" name="Shape 5"/>
+        <p:cNvPr id="1" name="Shape 5"/>
         <p:cNvGrpSpPr/>
         <p:nvPr/>
       </p:nvGrpSpPr>
@@ -5354,7 +5531,9 @@
       <p:sp>
         <p:nvSpPr>
           <p:cNvPr id="6" name="Google Shape;6;p1"/>
-          <p:cNvSpPr txBox="1"/>
+          <p:cNvSpPr txBox="1">
+            <a:spLocks noGrp="1"/>
+          </p:cNvSpPr>
           <p:nvPr>
             <p:ph type="title"/>
           </p:nvPr>
@@ -5373,7 +5552,7 @@
           </a:ln>
         </p:spPr>
         <p:txBody>
-          <a:bodyPr anchorCtr="0" anchor="t" bIns="91425" lIns="91425" spcFirstLastPara="1" rIns="91425" wrap="square" tIns="91425">
+          <a:bodyPr spcFirstLastPara="1" wrap="square" lIns="91425" tIns="91425" rIns="91425" bIns="91425" anchor="t" anchorCtr="0">
             <a:noAutofit/>
           </a:bodyPr>
           <a:lstStyle>
@@ -5585,15 +5764,19 @@
               </a:defRPr>
             </a:lvl9pPr>
           </a:lstStyle>
-          <a:p/>
+          <a:p>
+            <a:endParaRPr/>
+          </a:p>
         </p:txBody>
       </p:sp>
       <p:sp>
         <p:nvSpPr>
           <p:cNvPr id="7" name="Google Shape;7;p1"/>
-          <p:cNvSpPr txBox="1"/>
+          <p:cNvSpPr txBox="1">
+            <a:spLocks noGrp="1"/>
+          </p:cNvSpPr>
           <p:nvPr>
-            <p:ph idx="1" type="body"/>
+            <p:ph type="body" idx="1"/>
           </p:nvPr>
         </p:nvSpPr>
         <p:spPr>
@@ -5610,11 +5793,11 @@
           </a:ln>
         </p:spPr>
         <p:txBody>
-          <a:bodyPr anchorCtr="0" anchor="t" bIns="91425" lIns="91425" spcFirstLastPara="1" rIns="91425" wrap="square" tIns="91425">
+          <a:bodyPr spcFirstLastPara="1" wrap="square" lIns="91425" tIns="91425" rIns="91425" bIns="91425" anchor="t" anchorCtr="0">
             <a:noAutofit/>
           </a:bodyPr>
           <a:lstStyle>
-            <a:lvl1pPr indent="-342900" lvl="0" marL="457200">
+            <a:lvl1pPr marL="457200" lvl="0" indent="-342900">
               <a:lnSpc>
                 <a:spcPct val="115000"/>
               </a:lnSpc>
@@ -5640,7 +5823,7 @@
                 <a:sym typeface="Proxima Nova"/>
               </a:defRPr>
             </a:lvl1pPr>
-            <a:lvl2pPr indent="-317500" lvl="1" marL="914400">
+            <a:lvl2pPr marL="914400" lvl="1" indent="-317500">
               <a:lnSpc>
                 <a:spcPct val="115000"/>
               </a:lnSpc>
@@ -5666,7 +5849,7 @@
                 <a:sym typeface="Proxima Nova"/>
               </a:defRPr>
             </a:lvl2pPr>
-            <a:lvl3pPr indent="-317500" lvl="2" marL="1371600">
+            <a:lvl3pPr marL="1371600" lvl="2" indent="-317500">
               <a:lnSpc>
                 <a:spcPct val="115000"/>
               </a:lnSpc>
@@ -5692,7 +5875,7 @@
                 <a:sym typeface="Proxima Nova"/>
               </a:defRPr>
             </a:lvl3pPr>
-            <a:lvl4pPr indent="-317500" lvl="3" marL="1828800">
+            <a:lvl4pPr marL="1828800" lvl="3" indent="-317500">
               <a:lnSpc>
                 <a:spcPct val="115000"/>
               </a:lnSpc>
@@ -5718,7 +5901,7 @@
                 <a:sym typeface="Proxima Nova"/>
               </a:defRPr>
             </a:lvl4pPr>
-            <a:lvl5pPr indent="-317500" lvl="4" marL="2286000">
+            <a:lvl5pPr marL="2286000" lvl="4" indent="-317500">
               <a:lnSpc>
                 <a:spcPct val="115000"/>
               </a:lnSpc>
@@ -5744,7 +5927,7 @@
                 <a:sym typeface="Proxima Nova"/>
               </a:defRPr>
             </a:lvl5pPr>
-            <a:lvl6pPr indent="-317500" lvl="5" marL="2743200">
+            <a:lvl6pPr marL="2743200" lvl="5" indent="-317500">
               <a:lnSpc>
                 <a:spcPct val="115000"/>
               </a:lnSpc>
@@ -5770,7 +5953,7 @@
                 <a:sym typeface="Proxima Nova"/>
               </a:defRPr>
             </a:lvl6pPr>
-            <a:lvl7pPr indent="-317500" lvl="6" marL="3200400">
+            <a:lvl7pPr marL="3200400" lvl="6" indent="-317500">
               <a:lnSpc>
                 <a:spcPct val="115000"/>
               </a:lnSpc>
@@ -5796,7 +5979,7 @@
                 <a:sym typeface="Proxima Nova"/>
               </a:defRPr>
             </a:lvl7pPr>
-            <a:lvl8pPr indent="-317500" lvl="7" marL="3657600">
+            <a:lvl8pPr marL="3657600" lvl="7" indent="-317500">
               <a:lnSpc>
                 <a:spcPct val="115000"/>
               </a:lnSpc>
@@ -5822,7 +6005,7 @@
                 <a:sym typeface="Proxima Nova"/>
               </a:defRPr>
             </a:lvl8pPr>
-            <a:lvl9pPr indent="-317500" lvl="8" marL="4114800">
+            <a:lvl9pPr marL="4114800" lvl="8" indent="-317500">
               <a:lnSpc>
                 <a:spcPct val="115000"/>
               </a:lnSpc>
@@ -5849,15 +6032,19 @@
               </a:defRPr>
             </a:lvl9pPr>
           </a:lstStyle>
-          <a:p/>
+          <a:p>
+            <a:endParaRPr/>
+          </a:p>
         </p:txBody>
       </p:sp>
       <p:sp>
         <p:nvSpPr>
           <p:cNvPr id="8" name="Google Shape;8;p1"/>
-          <p:cNvSpPr txBox="1"/>
+          <p:cNvSpPr txBox="1">
+            <a:spLocks noGrp="1"/>
+          </p:cNvSpPr>
           <p:nvPr>
-            <p:ph idx="12" type="sldNum"/>
+            <p:ph type="sldNum" idx="12"/>
           </p:nvPr>
         </p:nvSpPr>
         <p:spPr>
@@ -5874,7 +6061,7 @@
           </a:ln>
         </p:spPr>
         <p:txBody>
-          <a:bodyPr anchorCtr="0" anchor="ctr" bIns="91425" lIns="91425" spcFirstLastPara="1" rIns="91425" wrap="square" tIns="91425">
+          <a:bodyPr spcFirstLastPara="1" wrap="square" lIns="91425" tIns="91425" rIns="91425" bIns="91425" anchor="ctr" anchorCtr="0">
             <a:noAutofit/>
           </a:bodyPr>
           <a:lstStyle>
@@ -5988,7 +6175,7 @@
             </a:lvl9pPr>
           </a:lstStyle>
           <a:p>
-            <a:pPr indent="0" lvl="0" marL="0" rtl="0" algn="r">
+            <a:pPr marL="0" lvl="0" indent="0" algn="r" rtl="0">
               <a:spcBef>
                 <a:spcPts val="0"/>
               </a:spcBef>
@@ -6007,7 +6194,7 @@
       </p:sp>
     </p:spTree>
   </p:cSld>
-  <p:clrMap accent1="accent1" accent2="accent2" accent3="accent3" accent4="accent4" accent5="accent5" accent6="accent6" bg1="lt1" bg2="dk2" tx1="dk1" tx2="lt2" folHlink="folHlink" hlink="hlink"/>
+  <p:clrMap bg1="lt1" tx1="dk1" bg2="dk2" tx2="lt2" accent1="accent1" accent2="accent2" accent3="accent3" accent4="accent4" accent5="accent5" accent6="accent6" hlink="hlink" folHlink="folHlink"/>
   <p:sldLayoutIdLst>
     <p:sldLayoutId id="2147483648" r:id="rId1"/>
     <p:sldLayoutId id="2147483649" r:id="rId2"/>
@@ -6021,10 +6208,10 @@
     <p:sldLayoutId id="2147483657" r:id="rId10"/>
     <p:sldLayoutId id="2147483658" r:id="rId11"/>
   </p:sldLayoutIdLst>
-  <p:hf dt="0" ftr="0" hdr="0" sldNum="0"/>
+  <p:hf sldNum="0" hdr="0" ftr="0" dt="0"/>
   <p:txStyles>
     <p:titleStyle>
-      <a:defPPr lvl="0" marR="0" rtl="0" algn="l">
+      <a:defPPr marR="0" lvl="0" algn="l" rtl="0">
         <a:lnSpc>
           <a:spcPct val="100000"/>
         </a:lnSpc>
@@ -6035,7 +6222,7 @@
           <a:spcPts val="0"/>
         </a:spcAft>
       </a:defPPr>
-      <a:lvl1pPr lvl="0" marR="0" rtl="0" algn="l">
+      <a:lvl1pPr marR="0" lvl="0" algn="l" rtl="0">
         <a:lnSpc>
           <a:spcPct val="100000"/>
         </a:lnSpc>
@@ -6049,7 +6236,7 @@
           <a:srgbClr val="000000"/>
         </a:buClr>
         <a:buFont typeface="Arial"/>
-        <a:defRPr b="0" i="0" sz="1400" u="none" cap="none" strike="noStrike">
+        <a:defRPr sz="1400" b="0" i="0" u="none" strike="noStrike" cap="none">
           <a:solidFill>
             <a:srgbClr val="000000"/>
           </a:solidFill>
@@ -6059,7 +6246,7 @@
           <a:sym typeface="Arial"/>
         </a:defRPr>
       </a:lvl1pPr>
-      <a:lvl2pPr lvl="1" marR="0" rtl="0" algn="l">
+      <a:lvl2pPr marR="0" lvl="1" algn="l" rtl="0">
         <a:lnSpc>
           <a:spcPct val="100000"/>
         </a:lnSpc>
@@ -6073,7 +6260,7 @@
           <a:srgbClr val="000000"/>
         </a:buClr>
         <a:buFont typeface="Arial"/>
-        <a:defRPr b="0" i="0" sz="1400" u="none" cap="none" strike="noStrike">
+        <a:defRPr sz="1400" b="0" i="0" u="none" strike="noStrike" cap="none">
           <a:solidFill>
             <a:srgbClr val="000000"/>
           </a:solidFill>
@@ -6083,7 +6270,7 @@
           <a:sym typeface="Arial"/>
         </a:defRPr>
       </a:lvl2pPr>
-      <a:lvl3pPr lvl="2" marR="0" rtl="0" algn="l">
+      <a:lvl3pPr marR="0" lvl="2" algn="l" rtl="0">
         <a:lnSpc>
           <a:spcPct val="100000"/>
         </a:lnSpc>
@@ -6097,7 +6284,7 @@
           <a:srgbClr val="000000"/>
         </a:buClr>
         <a:buFont typeface="Arial"/>
-        <a:defRPr b="0" i="0" sz="1400" u="none" cap="none" strike="noStrike">
+        <a:defRPr sz="1400" b="0" i="0" u="none" strike="noStrike" cap="none">
           <a:solidFill>
             <a:srgbClr val="000000"/>
           </a:solidFill>
@@ -6107,7 +6294,7 @@
           <a:sym typeface="Arial"/>
         </a:defRPr>
       </a:lvl3pPr>
-      <a:lvl4pPr lvl="3" marR="0" rtl="0" algn="l">
+      <a:lvl4pPr marR="0" lvl="3" algn="l" rtl="0">
         <a:lnSpc>
           <a:spcPct val="100000"/>
         </a:lnSpc>
@@ -6121,7 +6308,7 @@
           <a:srgbClr val="000000"/>
         </a:buClr>
         <a:buFont typeface="Arial"/>
-        <a:defRPr b="0" i="0" sz="1400" u="none" cap="none" strike="noStrike">
+        <a:defRPr sz="1400" b="0" i="0" u="none" strike="noStrike" cap="none">
           <a:solidFill>
             <a:srgbClr val="000000"/>
           </a:solidFill>
@@ -6131,7 +6318,7 @@
           <a:sym typeface="Arial"/>
         </a:defRPr>
       </a:lvl4pPr>
-      <a:lvl5pPr lvl="4" marR="0" rtl="0" algn="l">
+      <a:lvl5pPr marR="0" lvl="4" algn="l" rtl="0">
         <a:lnSpc>
           <a:spcPct val="100000"/>
         </a:lnSpc>
@@ -6145,7 +6332,7 @@
           <a:srgbClr val="000000"/>
         </a:buClr>
         <a:buFont typeface="Arial"/>
-        <a:defRPr b="0" i="0" sz="1400" u="none" cap="none" strike="noStrike">
+        <a:defRPr sz="1400" b="0" i="0" u="none" strike="noStrike" cap="none">
           <a:solidFill>
             <a:srgbClr val="000000"/>
           </a:solidFill>
@@ -6155,7 +6342,7 @@
           <a:sym typeface="Arial"/>
         </a:defRPr>
       </a:lvl5pPr>
-      <a:lvl6pPr lvl="5" marR="0" rtl="0" algn="l">
+      <a:lvl6pPr marR="0" lvl="5" algn="l" rtl="0">
         <a:lnSpc>
           <a:spcPct val="100000"/>
         </a:lnSpc>
@@ -6169,7 +6356,7 @@
           <a:srgbClr val="000000"/>
         </a:buClr>
         <a:buFont typeface="Arial"/>
-        <a:defRPr b="0" i="0" sz="1400" u="none" cap="none" strike="noStrike">
+        <a:defRPr sz="1400" b="0" i="0" u="none" strike="noStrike" cap="none">
           <a:solidFill>
             <a:srgbClr val="000000"/>
           </a:solidFill>
@@ -6179,7 +6366,7 @@
           <a:sym typeface="Arial"/>
         </a:defRPr>
       </a:lvl6pPr>
-      <a:lvl7pPr lvl="6" marR="0" rtl="0" algn="l">
+      <a:lvl7pPr marR="0" lvl="6" algn="l" rtl="0">
         <a:lnSpc>
           <a:spcPct val="100000"/>
         </a:lnSpc>
@@ -6193,7 +6380,7 @@
           <a:srgbClr val="000000"/>
         </a:buClr>
         <a:buFont typeface="Arial"/>
-        <a:defRPr b="0" i="0" sz="1400" u="none" cap="none" strike="noStrike">
+        <a:defRPr sz="1400" b="0" i="0" u="none" strike="noStrike" cap="none">
           <a:solidFill>
             <a:srgbClr val="000000"/>
           </a:solidFill>
@@ -6203,7 +6390,7 @@
           <a:sym typeface="Arial"/>
         </a:defRPr>
       </a:lvl7pPr>
-      <a:lvl8pPr lvl="7" marR="0" rtl="0" algn="l">
+      <a:lvl8pPr marR="0" lvl="7" algn="l" rtl="0">
         <a:lnSpc>
           <a:spcPct val="100000"/>
         </a:lnSpc>
@@ -6217,7 +6404,7 @@
           <a:srgbClr val="000000"/>
         </a:buClr>
         <a:buFont typeface="Arial"/>
-        <a:defRPr b="0" i="0" sz="1400" u="none" cap="none" strike="noStrike">
+        <a:defRPr sz="1400" b="0" i="0" u="none" strike="noStrike" cap="none">
           <a:solidFill>
             <a:srgbClr val="000000"/>
           </a:solidFill>
@@ -6227,7 +6414,7 @@
           <a:sym typeface="Arial"/>
         </a:defRPr>
       </a:lvl8pPr>
-      <a:lvl9pPr lvl="8" marR="0" rtl="0" algn="l">
+      <a:lvl9pPr marR="0" lvl="8" algn="l" rtl="0">
         <a:lnSpc>
           <a:spcPct val="100000"/>
         </a:lnSpc>
@@ -6241,7 +6428,7 @@
           <a:srgbClr val="000000"/>
         </a:buClr>
         <a:buFont typeface="Arial"/>
-        <a:defRPr b="0" i="0" sz="1400" u="none" cap="none" strike="noStrike">
+        <a:defRPr sz="1400" b="0" i="0" u="none" strike="noStrike" cap="none">
           <a:solidFill>
             <a:srgbClr val="000000"/>
           </a:solidFill>
@@ -6253,7 +6440,7 @@
       </a:lvl9pPr>
     </p:titleStyle>
     <p:bodyStyle>
-      <a:defPPr lvl="0" marR="0" rtl="0" algn="l">
+      <a:defPPr marR="0" lvl="0" algn="l" rtl="0">
         <a:lnSpc>
           <a:spcPct val="100000"/>
         </a:lnSpc>
@@ -6264,7 +6451,7 @@
           <a:spcPts val="0"/>
         </a:spcAft>
       </a:defPPr>
-      <a:lvl1pPr lvl="0" marR="0" rtl="0" algn="l">
+      <a:lvl1pPr marR="0" lvl="0" algn="l" rtl="0">
         <a:lnSpc>
           <a:spcPct val="100000"/>
         </a:lnSpc>
@@ -6278,7 +6465,7 @@
           <a:srgbClr val="000000"/>
         </a:buClr>
         <a:buFont typeface="Arial"/>
-        <a:defRPr b="0" i="0" sz="1400" u="none" cap="none" strike="noStrike">
+        <a:defRPr sz="1400" b="0" i="0" u="none" strike="noStrike" cap="none">
           <a:solidFill>
             <a:srgbClr val="000000"/>
           </a:solidFill>
@@ -6288,7 +6475,7 @@
           <a:sym typeface="Arial"/>
         </a:defRPr>
       </a:lvl1pPr>
-      <a:lvl2pPr lvl="1" marR="0" rtl="0" algn="l">
+      <a:lvl2pPr marR="0" lvl="1" algn="l" rtl="0">
         <a:lnSpc>
           <a:spcPct val="100000"/>
         </a:lnSpc>
@@ -6302,7 +6489,7 @@
           <a:srgbClr val="000000"/>
         </a:buClr>
         <a:buFont typeface="Arial"/>
-        <a:defRPr b="0" i="0" sz="1400" u="none" cap="none" strike="noStrike">
+        <a:defRPr sz="1400" b="0" i="0" u="none" strike="noStrike" cap="none">
           <a:solidFill>
             <a:srgbClr val="000000"/>
           </a:solidFill>
@@ -6312,7 +6499,7 @@
           <a:sym typeface="Arial"/>
         </a:defRPr>
       </a:lvl2pPr>
-      <a:lvl3pPr lvl="2" marR="0" rtl="0" algn="l">
+      <a:lvl3pPr marR="0" lvl="2" algn="l" rtl="0">
         <a:lnSpc>
           <a:spcPct val="100000"/>
         </a:lnSpc>
@@ -6326,7 +6513,7 @@
           <a:srgbClr val="000000"/>
         </a:buClr>
         <a:buFont typeface="Arial"/>
-        <a:defRPr b="0" i="0" sz="1400" u="none" cap="none" strike="noStrike">
+        <a:defRPr sz="1400" b="0" i="0" u="none" strike="noStrike" cap="none">
           <a:solidFill>
             <a:srgbClr val="000000"/>
           </a:solidFill>
@@ -6336,7 +6523,7 @@
           <a:sym typeface="Arial"/>
         </a:defRPr>
       </a:lvl3pPr>
-      <a:lvl4pPr lvl="3" marR="0" rtl="0" algn="l">
+      <a:lvl4pPr marR="0" lvl="3" algn="l" rtl="0">
         <a:lnSpc>
           <a:spcPct val="100000"/>
         </a:lnSpc>
@@ -6350,7 +6537,7 @@
           <a:srgbClr val="000000"/>
         </a:buClr>
         <a:buFont typeface="Arial"/>
-        <a:defRPr b="0" i="0" sz="1400" u="none" cap="none" strike="noStrike">
+        <a:defRPr sz="1400" b="0" i="0" u="none" strike="noStrike" cap="none">
           <a:solidFill>
             <a:srgbClr val="000000"/>
           </a:solidFill>
@@ -6360,7 +6547,7 @@
           <a:sym typeface="Arial"/>
         </a:defRPr>
       </a:lvl4pPr>
-      <a:lvl5pPr lvl="4" marR="0" rtl="0" algn="l">
+      <a:lvl5pPr marR="0" lvl="4" algn="l" rtl="0">
         <a:lnSpc>
           <a:spcPct val="100000"/>
         </a:lnSpc>
@@ -6374,7 +6561,7 @@
           <a:srgbClr val="000000"/>
         </a:buClr>
         <a:buFont typeface="Arial"/>
-        <a:defRPr b="0" i="0" sz="1400" u="none" cap="none" strike="noStrike">
+        <a:defRPr sz="1400" b="0" i="0" u="none" strike="noStrike" cap="none">
           <a:solidFill>
             <a:srgbClr val="000000"/>
           </a:solidFill>
@@ -6384,7 +6571,7 @@
           <a:sym typeface="Arial"/>
         </a:defRPr>
       </a:lvl5pPr>
-      <a:lvl6pPr lvl="5" marR="0" rtl="0" algn="l">
+      <a:lvl6pPr marR="0" lvl="5" algn="l" rtl="0">
         <a:lnSpc>
           <a:spcPct val="100000"/>
         </a:lnSpc>
@@ -6398,7 +6585,7 @@
           <a:srgbClr val="000000"/>
         </a:buClr>
         <a:buFont typeface="Arial"/>
-        <a:defRPr b="0" i="0" sz="1400" u="none" cap="none" strike="noStrike">
+        <a:defRPr sz="1400" b="0" i="0" u="none" strike="noStrike" cap="none">
           <a:solidFill>
             <a:srgbClr val="000000"/>
           </a:solidFill>
@@ -6408,7 +6595,7 @@
           <a:sym typeface="Arial"/>
         </a:defRPr>
       </a:lvl6pPr>
-      <a:lvl7pPr lvl="6" marR="0" rtl="0" algn="l">
+      <a:lvl7pPr marR="0" lvl="6" algn="l" rtl="0">
         <a:lnSpc>
           <a:spcPct val="100000"/>
         </a:lnSpc>
@@ -6422,7 +6609,7 @@
           <a:srgbClr val="000000"/>
         </a:buClr>
         <a:buFont typeface="Arial"/>
-        <a:defRPr b="0" i="0" sz="1400" u="none" cap="none" strike="noStrike">
+        <a:defRPr sz="1400" b="0" i="0" u="none" strike="noStrike" cap="none">
           <a:solidFill>
             <a:srgbClr val="000000"/>
           </a:solidFill>
@@ -6432,7 +6619,7 @@
           <a:sym typeface="Arial"/>
         </a:defRPr>
       </a:lvl7pPr>
-      <a:lvl8pPr lvl="7" marR="0" rtl="0" algn="l">
+      <a:lvl8pPr marR="0" lvl="7" algn="l" rtl="0">
         <a:lnSpc>
           <a:spcPct val="100000"/>
         </a:lnSpc>
@@ -6446,7 +6633,7 @@
           <a:srgbClr val="000000"/>
         </a:buClr>
         <a:buFont typeface="Arial"/>
-        <a:defRPr b="0" i="0" sz="1400" u="none" cap="none" strike="noStrike">
+        <a:defRPr sz="1400" b="0" i="0" u="none" strike="noStrike" cap="none">
           <a:solidFill>
             <a:srgbClr val="000000"/>
           </a:solidFill>
@@ -6456,7 +6643,7 @@
           <a:sym typeface="Arial"/>
         </a:defRPr>
       </a:lvl8pPr>
-      <a:lvl9pPr lvl="8" marR="0" rtl="0" algn="l">
+      <a:lvl9pPr marR="0" lvl="8" algn="l" rtl="0">
         <a:lnSpc>
           <a:spcPct val="100000"/>
         </a:lnSpc>
@@ -6470,7 +6657,7 @@
           <a:srgbClr val="000000"/>
         </a:buClr>
         <a:buFont typeface="Arial"/>
-        <a:defRPr b="0" i="0" sz="1400" u="none" cap="none" strike="noStrike">
+        <a:defRPr sz="1400" b="0" i="0" u="none" strike="noStrike" cap="none">
           <a:solidFill>
             <a:srgbClr val="000000"/>
           </a:solidFill>
@@ -6482,7 +6669,7 @@
       </a:lvl9pPr>
     </p:bodyStyle>
     <p:otherStyle>
-      <a:defPPr lvl="0" marR="0" rtl="0" algn="l">
+      <a:defPPr marR="0" lvl="0" algn="l" rtl="0">
         <a:lnSpc>
           <a:spcPct val="100000"/>
         </a:lnSpc>
@@ -6493,7 +6680,7 @@
           <a:spcPts val="0"/>
         </a:spcAft>
       </a:defPPr>
-      <a:lvl1pPr lvl="0" marR="0" rtl="0" algn="l">
+      <a:lvl1pPr marR="0" lvl="0" algn="l" rtl="0">
         <a:lnSpc>
           <a:spcPct val="100000"/>
         </a:lnSpc>
@@ -6507,7 +6694,7 @@
           <a:srgbClr val="000000"/>
         </a:buClr>
         <a:buFont typeface="Arial"/>
-        <a:defRPr b="0" i="0" sz="1400" u="none" cap="none" strike="noStrike">
+        <a:defRPr sz="1400" b="0" i="0" u="none" strike="noStrike" cap="none">
           <a:solidFill>
             <a:srgbClr val="000000"/>
           </a:solidFill>
@@ -6517,7 +6704,7 @@
           <a:sym typeface="Arial"/>
         </a:defRPr>
       </a:lvl1pPr>
-      <a:lvl2pPr lvl="1" marR="0" rtl="0" algn="l">
+      <a:lvl2pPr marR="0" lvl="1" algn="l" rtl="0">
         <a:lnSpc>
           <a:spcPct val="100000"/>
         </a:lnSpc>
@@ -6531,7 +6718,7 @@
           <a:srgbClr val="000000"/>
         </a:buClr>
         <a:buFont typeface="Arial"/>
-        <a:defRPr b="0" i="0" sz="1400" u="none" cap="none" strike="noStrike">
+        <a:defRPr sz="1400" b="0" i="0" u="none" strike="noStrike" cap="none">
           <a:solidFill>
             <a:srgbClr val="000000"/>
           </a:solidFill>
@@ -6541,7 +6728,7 @@
           <a:sym typeface="Arial"/>
         </a:defRPr>
       </a:lvl2pPr>
-      <a:lvl3pPr lvl="2" marR="0" rtl="0" algn="l">
+      <a:lvl3pPr marR="0" lvl="2" algn="l" rtl="0">
         <a:lnSpc>
           <a:spcPct val="100000"/>
         </a:lnSpc>
@@ -6555,7 +6742,7 @@
           <a:srgbClr val="000000"/>
         </a:buClr>
         <a:buFont typeface="Arial"/>
-        <a:defRPr b="0" i="0" sz="1400" u="none" cap="none" strike="noStrike">
+        <a:defRPr sz="1400" b="0" i="0" u="none" strike="noStrike" cap="none">
           <a:solidFill>
             <a:srgbClr val="000000"/>
           </a:solidFill>
@@ -6565,7 +6752,7 @@
           <a:sym typeface="Arial"/>
         </a:defRPr>
       </a:lvl3pPr>
-      <a:lvl4pPr lvl="3" marR="0" rtl="0" algn="l">
+      <a:lvl4pPr marR="0" lvl="3" algn="l" rtl="0">
         <a:lnSpc>
           <a:spcPct val="100000"/>
         </a:lnSpc>
@@ -6579,7 +6766,7 @@
           <a:srgbClr val="000000"/>
         </a:buClr>
         <a:buFont typeface="Arial"/>
-        <a:defRPr b="0" i="0" sz="1400" u="none" cap="none" strike="noStrike">
+        <a:defRPr sz="1400" b="0" i="0" u="none" strike="noStrike" cap="none">
           <a:solidFill>
             <a:srgbClr val="000000"/>
           </a:solidFill>
@@ -6589,7 +6776,7 @@
           <a:sym typeface="Arial"/>
         </a:defRPr>
       </a:lvl4pPr>
-      <a:lvl5pPr lvl="4" marR="0" rtl="0" algn="l">
+      <a:lvl5pPr marR="0" lvl="4" algn="l" rtl="0">
         <a:lnSpc>
           <a:spcPct val="100000"/>
         </a:lnSpc>
@@ -6603,7 +6790,7 @@
           <a:srgbClr val="000000"/>
         </a:buClr>
         <a:buFont typeface="Arial"/>
-        <a:defRPr b="0" i="0" sz="1400" u="none" cap="none" strike="noStrike">
+        <a:defRPr sz="1400" b="0" i="0" u="none" strike="noStrike" cap="none">
           <a:solidFill>
             <a:srgbClr val="000000"/>
           </a:solidFill>
@@ -6613,7 +6800,7 @@
           <a:sym typeface="Arial"/>
         </a:defRPr>
       </a:lvl5pPr>
-      <a:lvl6pPr lvl="5" marR="0" rtl="0" algn="l">
+      <a:lvl6pPr marR="0" lvl="5" algn="l" rtl="0">
         <a:lnSpc>
           <a:spcPct val="100000"/>
         </a:lnSpc>
@@ -6627,7 +6814,7 @@
           <a:srgbClr val="000000"/>
         </a:buClr>
         <a:buFont typeface="Arial"/>
-        <a:defRPr b="0" i="0" sz="1400" u="none" cap="none" strike="noStrike">
+        <a:defRPr sz="1400" b="0" i="0" u="none" strike="noStrike" cap="none">
           <a:solidFill>
             <a:srgbClr val="000000"/>
           </a:solidFill>
@@ -6637,7 +6824,7 @@
           <a:sym typeface="Arial"/>
         </a:defRPr>
       </a:lvl6pPr>
-      <a:lvl7pPr lvl="6" marR="0" rtl="0" algn="l">
+      <a:lvl7pPr marR="0" lvl="6" algn="l" rtl="0">
         <a:lnSpc>
           <a:spcPct val="100000"/>
         </a:lnSpc>
@@ -6651,7 +6838,7 @@
           <a:srgbClr val="000000"/>
         </a:buClr>
         <a:buFont typeface="Arial"/>
-        <a:defRPr b="0" i="0" sz="1400" u="none" cap="none" strike="noStrike">
+        <a:defRPr sz="1400" b="0" i="0" u="none" strike="noStrike" cap="none">
           <a:solidFill>
             <a:srgbClr val="000000"/>
           </a:solidFill>
@@ -6661,7 +6848,7 @@
           <a:sym typeface="Arial"/>
         </a:defRPr>
       </a:lvl7pPr>
-      <a:lvl8pPr lvl="7" marR="0" rtl="0" algn="l">
+      <a:lvl8pPr marR="0" lvl="7" algn="l" rtl="0">
         <a:lnSpc>
           <a:spcPct val="100000"/>
         </a:lnSpc>
@@ -6675,7 +6862,7 @@
           <a:srgbClr val="000000"/>
         </a:buClr>
         <a:buFont typeface="Arial"/>
-        <a:defRPr b="0" i="0" sz="1400" u="none" cap="none" strike="noStrike">
+        <a:defRPr sz="1400" b="0" i="0" u="none" strike="noStrike" cap="none">
           <a:solidFill>
             <a:srgbClr val="000000"/>
           </a:solidFill>
@@ -6685,7 +6872,7 @@
           <a:sym typeface="Arial"/>
         </a:defRPr>
       </a:lvl8pPr>
-      <a:lvl9pPr lvl="8" marR="0" rtl="0" algn="l">
+      <a:lvl9pPr marR="0" lvl="8" algn="l" rtl="0">
         <a:lnSpc>
           <a:spcPct val="100000"/>
         </a:lnSpc>
@@ -6699,7 +6886,7 @@
           <a:srgbClr val="000000"/>
         </a:buClr>
         <a:buFont typeface="Arial"/>
-        <a:defRPr b="0" i="0" sz="1400" u="none" cap="none" strike="noStrike">
+        <a:defRPr sz="1400" b="0" i="0" u="none" strike="noStrike" cap="none">
           <a:solidFill>
             <a:srgbClr val="000000"/>
           </a:solidFill>
@@ -6715,11 +6902,11 @@
 </file>
 
 <file path=ppt/slides/slide1.xml><?xml version="1.0" encoding="utf-8"?>
-<p:sld xmlns:a="http://schemas.openxmlformats.org/drawingml/2006/main" xmlns:r="http://schemas.openxmlformats.org/officeDocument/2006/relationships" xmlns:mc="http://schemas.openxmlformats.org/markup-compatibility/2006" xmlns:mv="urn:schemas-microsoft-com:mac:vml" xmlns:p="http://schemas.openxmlformats.org/presentationml/2006/main" xmlns:c="http://schemas.openxmlformats.org/drawingml/2006/chart" xmlns:dgm="http://schemas.openxmlformats.org/drawingml/2006/diagram" xmlns:o="urn:schemas-microsoft-com:office:office" xmlns:v="urn:schemas-microsoft-com:vml" xmlns:pvml="urn:schemas-microsoft-com:office:powerpoint" xmlns:com="http://schemas.openxmlformats.org/drawingml/2006/compatibility" xmlns:p14="http://schemas.microsoft.com/office/powerpoint/2010/main" xmlns:p15="http://schemas.microsoft.com/office/powerpoint/2012/main" xmlns:ahyp="http://schemas.microsoft.com/office/drawing/2018/hyperlinkcolor">
+<p:sld xmlns:a="http://schemas.openxmlformats.org/drawingml/2006/main" xmlns:r="http://schemas.openxmlformats.org/officeDocument/2006/relationships" xmlns:p="http://schemas.openxmlformats.org/presentationml/2006/main">
   <p:cSld>
     <p:spTree>
       <p:nvGrpSpPr>
-        <p:cNvPr id="58" name="Shape 58"/>
+        <p:cNvPr id="1" name="Shape 58"/>
         <p:cNvGrpSpPr/>
         <p:nvPr/>
       </p:nvGrpSpPr>
@@ -6734,7 +6921,9 @@
       <p:sp>
         <p:nvSpPr>
           <p:cNvPr id="59" name="Google Shape;59;p13"/>
-          <p:cNvSpPr txBox="1"/>
+          <p:cNvSpPr txBox="1">
+            <a:spLocks noGrp="1"/>
+          </p:cNvSpPr>
           <p:nvPr>
             <p:ph type="ctrTitle"/>
           </p:nvPr>
@@ -6749,12 +6938,12 @@
           </a:prstGeom>
         </p:spPr>
         <p:txBody>
-          <a:bodyPr anchorCtr="0" anchor="b" bIns="91425" lIns="91425" spcFirstLastPara="1" rIns="91425" wrap="square" tIns="91425">
+          <a:bodyPr spcFirstLastPara="1" wrap="square" lIns="91425" tIns="91425" rIns="91425" bIns="91425" anchor="b" anchorCtr="0">
             <a:noAutofit/>
           </a:bodyPr>
           <a:lstStyle/>
           <a:p>
-            <a:pPr indent="0" lvl="0" marL="0" rtl="0" algn="l">
+            <a:pPr marL="0" lvl="0" indent="0" algn="l" rtl="0">
               <a:spcBef>
                 <a:spcPts val="0"/>
               </a:spcBef>
@@ -6774,9 +6963,11 @@
       <p:sp>
         <p:nvSpPr>
           <p:cNvPr id="60" name="Google Shape;60;p13"/>
-          <p:cNvSpPr txBox="1"/>
+          <p:cNvSpPr txBox="1">
+            <a:spLocks noGrp="1"/>
+          </p:cNvSpPr>
           <p:nvPr>
-            <p:ph idx="1" type="subTitle"/>
+            <p:ph type="subTitle" idx="1"/>
           </p:nvPr>
         </p:nvSpPr>
         <p:spPr>
@@ -6789,12 +6980,12 @@
           </a:prstGeom>
         </p:spPr>
         <p:txBody>
-          <a:bodyPr anchorCtr="0" anchor="t" bIns="91425" lIns="91425" spcFirstLastPara="1" rIns="91425" wrap="square" tIns="91425">
+          <a:bodyPr spcFirstLastPara="1" wrap="square" lIns="91425" tIns="91425" rIns="91425" bIns="91425" anchor="t" anchorCtr="0">
             <a:noAutofit/>
           </a:bodyPr>
           <a:lstStyle/>
           <a:p>
-            <a:pPr indent="-381000" lvl="0" marL="457200" rtl="0" algn="l">
+            <a:pPr marL="457200" lvl="0" indent="-381000" algn="l" rtl="0">
               <a:spcBef>
                 <a:spcPts val="0"/>
               </a:spcBef>
@@ -6821,11 +7012,11 @@
 </file>
 
 <file path=ppt/slides/slide2.xml><?xml version="1.0" encoding="utf-8"?>
-<p:sld xmlns:a="http://schemas.openxmlformats.org/drawingml/2006/main" xmlns:r="http://schemas.openxmlformats.org/officeDocument/2006/relationships" xmlns:mc="http://schemas.openxmlformats.org/markup-compatibility/2006" xmlns:mv="urn:schemas-microsoft-com:mac:vml" xmlns:p="http://schemas.openxmlformats.org/presentationml/2006/main" xmlns:c="http://schemas.openxmlformats.org/drawingml/2006/chart" xmlns:dgm="http://schemas.openxmlformats.org/drawingml/2006/diagram" xmlns:o="urn:schemas-microsoft-com:office:office" xmlns:v="urn:schemas-microsoft-com:vml" xmlns:pvml="urn:schemas-microsoft-com:office:powerpoint" xmlns:com="http://schemas.openxmlformats.org/drawingml/2006/compatibility" xmlns:p14="http://schemas.microsoft.com/office/powerpoint/2010/main" xmlns:p15="http://schemas.microsoft.com/office/powerpoint/2012/main" xmlns:ahyp="http://schemas.microsoft.com/office/drawing/2018/hyperlinkcolor">
+<p:sld xmlns:a="http://schemas.openxmlformats.org/drawingml/2006/main" xmlns:r="http://schemas.openxmlformats.org/officeDocument/2006/relationships" xmlns:p="http://schemas.openxmlformats.org/presentationml/2006/main">
   <p:cSld>
     <p:spTree>
       <p:nvGrpSpPr>
-        <p:cNvPr id="64" name="Shape 64"/>
+        <p:cNvPr id="1" name="Shape 64"/>
         <p:cNvGrpSpPr/>
         <p:nvPr/>
       </p:nvGrpSpPr>
@@ -6840,7 +7031,9 @@
       <p:sp>
         <p:nvSpPr>
           <p:cNvPr id="65" name="Google Shape;65;p14"/>
-          <p:cNvSpPr txBox="1"/>
+          <p:cNvSpPr txBox="1">
+            <a:spLocks noGrp="1"/>
+          </p:cNvSpPr>
           <p:nvPr>
             <p:ph type="title"/>
           </p:nvPr>
@@ -6855,12 +7048,12 @@
           </a:prstGeom>
         </p:spPr>
         <p:txBody>
-          <a:bodyPr anchorCtr="0" anchor="t" bIns="91425" lIns="91425" spcFirstLastPara="1" rIns="91425" wrap="square" tIns="91425">
+          <a:bodyPr spcFirstLastPara="1" wrap="square" lIns="91425" tIns="91425" rIns="91425" bIns="91425" anchor="t" anchorCtr="0">
             <a:noAutofit/>
           </a:bodyPr>
           <a:lstStyle/>
           <a:p>
-            <a:pPr indent="0" lvl="0" marL="0" rtl="0" algn="l">
+            <a:pPr marL="0" lvl="0" indent="0" algn="l" rtl="0">
               <a:spcBef>
                 <a:spcPts val="0"/>
               </a:spcBef>
@@ -6880,9 +7073,11 @@
       <p:sp>
         <p:nvSpPr>
           <p:cNvPr id="66" name="Google Shape;66;p14"/>
-          <p:cNvSpPr txBox="1"/>
+          <p:cNvSpPr txBox="1">
+            <a:spLocks noGrp="1"/>
+          </p:cNvSpPr>
           <p:nvPr>
-            <p:ph idx="1" type="body"/>
+            <p:ph type="body" idx="1"/>
           </p:nvPr>
         </p:nvSpPr>
         <p:spPr>
@@ -6895,12 +7090,12 @@
           </a:prstGeom>
         </p:spPr>
         <p:txBody>
-          <a:bodyPr anchorCtr="0" anchor="t" bIns="91425" lIns="91425" spcFirstLastPara="1" rIns="91425" wrap="square" tIns="91425">
+          <a:bodyPr spcFirstLastPara="1" wrap="square" lIns="91425" tIns="91425" rIns="91425" bIns="91425" anchor="t" anchorCtr="0">
             <a:noAutofit/>
           </a:bodyPr>
           <a:lstStyle/>
           <a:p>
-            <a:pPr indent="-355600" lvl="0" marL="457200" rtl="0" algn="l">
+            <a:pPr marL="457200" lvl="0" indent="-355600" algn="l" rtl="0">
               <a:spcBef>
                 <a:spcPts val="0"/>
               </a:spcBef>
@@ -6917,7 +7112,7 @@
             <a:endParaRPr sz="2000"/>
           </a:p>
           <a:p>
-            <a:pPr indent="-355600" lvl="0" marL="457200" rtl="0" algn="l">
+            <a:pPr marL="457200" lvl="0" indent="-355600" algn="l" rtl="0">
               <a:spcBef>
                 <a:spcPts val="0"/>
               </a:spcBef>
@@ -6934,7 +7129,7 @@
             <a:endParaRPr sz="2000"/>
           </a:p>
           <a:p>
-            <a:pPr indent="-355600" lvl="0" marL="457200" rtl="0" algn="l">
+            <a:pPr marL="457200" lvl="0" indent="-355600" algn="l" rtl="0">
               <a:spcBef>
                 <a:spcPts val="0"/>
               </a:spcBef>
@@ -6951,7 +7146,7 @@
             <a:endParaRPr sz="2000"/>
           </a:p>
           <a:p>
-            <a:pPr indent="-355600" lvl="0" marL="457200" rtl="0" algn="l">
+            <a:pPr marL="457200" lvl="0" indent="-355600" algn="l" rtl="0">
               <a:spcBef>
                 <a:spcPts val="0"/>
               </a:spcBef>
@@ -7006,11 +7201,11 @@
 </file>
 
 <file path=ppt/slides/slide3.xml><?xml version="1.0" encoding="utf-8"?>
-<p:sld xmlns:a="http://schemas.openxmlformats.org/drawingml/2006/main" xmlns:r="http://schemas.openxmlformats.org/officeDocument/2006/relationships" xmlns:mc="http://schemas.openxmlformats.org/markup-compatibility/2006" xmlns:mv="urn:schemas-microsoft-com:mac:vml" xmlns:p="http://schemas.openxmlformats.org/presentationml/2006/main" xmlns:c="http://schemas.openxmlformats.org/drawingml/2006/chart" xmlns:dgm="http://schemas.openxmlformats.org/drawingml/2006/diagram" xmlns:o="urn:schemas-microsoft-com:office:office" xmlns:v="urn:schemas-microsoft-com:vml" xmlns:pvml="urn:schemas-microsoft-com:office:powerpoint" xmlns:com="http://schemas.openxmlformats.org/drawingml/2006/compatibility" xmlns:p14="http://schemas.microsoft.com/office/powerpoint/2010/main" xmlns:p15="http://schemas.microsoft.com/office/powerpoint/2012/main" xmlns:ahyp="http://schemas.microsoft.com/office/drawing/2018/hyperlinkcolor">
+<p:sld xmlns:a="http://schemas.openxmlformats.org/drawingml/2006/main" xmlns:r="http://schemas.openxmlformats.org/officeDocument/2006/relationships" xmlns:p="http://schemas.openxmlformats.org/presentationml/2006/main">
   <p:cSld>
     <p:spTree>
       <p:nvGrpSpPr>
-        <p:cNvPr id="71" name="Shape 71"/>
+        <p:cNvPr id="1" name="Shape 71"/>
         <p:cNvGrpSpPr/>
         <p:nvPr/>
       </p:nvGrpSpPr>
@@ -7025,7 +7220,9 @@
       <p:sp>
         <p:nvSpPr>
           <p:cNvPr id="72" name="Google Shape;72;p15"/>
-          <p:cNvSpPr txBox="1"/>
+          <p:cNvSpPr txBox="1">
+            <a:spLocks noGrp="1"/>
+          </p:cNvSpPr>
           <p:nvPr>
             <p:ph type="title"/>
           </p:nvPr>
@@ -7040,12 +7237,12 @@
           </a:prstGeom>
         </p:spPr>
         <p:txBody>
-          <a:bodyPr anchorCtr="0" anchor="t" bIns="91425" lIns="91425" spcFirstLastPara="1" rIns="91425" wrap="square" tIns="91425">
+          <a:bodyPr spcFirstLastPara="1" wrap="square" lIns="91425" tIns="91425" rIns="91425" bIns="91425" anchor="t" anchorCtr="0">
             <a:noAutofit/>
           </a:bodyPr>
           <a:lstStyle/>
           <a:p>
-            <a:pPr indent="0" lvl="0" marL="0" rtl="0" algn="l">
+            <a:pPr marL="0" lvl="0" indent="0" algn="l" rtl="0">
               <a:spcBef>
                 <a:spcPts val="0"/>
               </a:spcBef>
@@ -7065,9 +7262,11 @@
       <p:sp>
         <p:nvSpPr>
           <p:cNvPr id="73" name="Google Shape;73;p15"/>
-          <p:cNvSpPr txBox="1"/>
+          <p:cNvSpPr txBox="1">
+            <a:spLocks noGrp="1"/>
+          </p:cNvSpPr>
           <p:nvPr>
-            <p:ph idx="1" type="body"/>
+            <p:ph type="body" idx="1"/>
           </p:nvPr>
         </p:nvSpPr>
         <p:spPr>
@@ -7080,12 +7279,12 @@
           </a:prstGeom>
         </p:spPr>
         <p:txBody>
-          <a:bodyPr anchorCtr="0" anchor="t" bIns="91425" lIns="91425" spcFirstLastPara="1" rIns="91425" wrap="square" tIns="91425">
+          <a:bodyPr spcFirstLastPara="1" wrap="square" lIns="91425" tIns="91425" rIns="91425" bIns="91425" anchor="t" anchorCtr="0">
             <a:noAutofit/>
           </a:bodyPr>
           <a:lstStyle/>
           <a:p>
-            <a:pPr indent="-361950" lvl="0" marL="457200" rtl="0" algn="l">
+            <a:pPr marL="457200" lvl="0" indent="-361950" algn="l" rtl="0">
               <a:spcBef>
                 <a:spcPts val="0"/>
               </a:spcBef>
@@ -7170,7 +7369,7 @@
             </a:endParaRPr>
           </a:p>
           <a:p>
-            <a:pPr indent="-361950" lvl="0" marL="457200" rtl="0" algn="l">
+            <a:pPr marL="457200" lvl="0" indent="-361950" algn="l" rtl="0">
               <a:spcBef>
                 <a:spcPts val="0"/>
               </a:spcBef>
@@ -7255,7 +7454,7 @@
             </a:endParaRPr>
           </a:p>
           <a:p>
-            <a:pPr indent="-361950" lvl="0" marL="457200" rtl="0" algn="l">
+            <a:pPr marL="457200" lvl="0" indent="-361950" algn="l" rtl="0">
               <a:spcBef>
                 <a:spcPts val="0"/>
               </a:spcBef>
@@ -7316,7 +7515,7 @@
             </a:endParaRPr>
           </a:p>
           <a:p>
-            <a:pPr indent="-361950" lvl="0" marL="457200" rtl="0" algn="l">
+            <a:pPr marL="457200" lvl="0" indent="-361950" algn="l" rtl="0">
               <a:spcBef>
                 <a:spcPts val="0"/>
               </a:spcBef>
@@ -7377,7 +7576,7 @@
             </a:endParaRPr>
           </a:p>
           <a:p>
-            <a:pPr indent="-361950" lvl="0" marL="457200" rtl="0" algn="l">
+            <a:pPr marL="457200" lvl="0" indent="-361950" algn="l" rtl="0">
               <a:spcBef>
                 <a:spcPts val="0"/>
               </a:spcBef>
@@ -7473,11 +7672,11 @@
 </file>
 
 <file path=ppt/slides/slide4.xml><?xml version="1.0" encoding="utf-8"?>
-<p:sld xmlns:a="http://schemas.openxmlformats.org/drawingml/2006/main" xmlns:r="http://schemas.openxmlformats.org/officeDocument/2006/relationships" xmlns:mc="http://schemas.openxmlformats.org/markup-compatibility/2006" xmlns:mv="urn:schemas-microsoft-com:mac:vml" xmlns:p="http://schemas.openxmlformats.org/presentationml/2006/main" xmlns:c="http://schemas.openxmlformats.org/drawingml/2006/chart" xmlns:dgm="http://schemas.openxmlformats.org/drawingml/2006/diagram" xmlns:o="urn:schemas-microsoft-com:office:office" xmlns:v="urn:schemas-microsoft-com:vml" xmlns:pvml="urn:schemas-microsoft-com:office:powerpoint" xmlns:com="http://schemas.openxmlformats.org/drawingml/2006/compatibility" xmlns:p14="http://schemas.microsoft.com/office/powerpoint/2010/main" xmlns:p15="http://schemas.microsoft.com/office/powerpoint/2012/main" xmlns:ahyp="http://schemas.microsoft.com/office/drawing/2018/hyperlinkcolor">
+<p:sld xmlns:a="http://schemas.openxmlformats.org/drawingml/2006/main" xmlns:r="http://schemas.openxmlformats.org/officeDocument/2006/relationships" xmlns:p="http://schemas.openxmlformats.org/presentationml/2006/main">
   <p:cSld>
     <p:spTree>
       <p:nvGrpSpPr>
-        <p:cNvPr id="78" name="Shape 78"/>
+        <p:cNvPr id="1" name="Shape 78"/>
         <p:cNvGrpSpPr/>
         <p:nvPr/>
       </p:nvGrpSpPr>
@@ -7492,7 +7691,9 @@
       <p:sp>
         <p:nvSpPr>
           <p:cNvPr id="79" name="Google Shape;79;p16"/>
-          <p:cNvSpPr txBox="1"/>
+          <p:cNvSpPr txBox="1">
+            <a:spLocks noGrp="1"/>
+          </p:cNvSpPr>
           <p:nvPr>
             <p:ph type="title"/>
           </p:nvPr>
@@ -7507,12 +7708,12 @@
           </a:prstGeom>
         </p:spPr>
         <p:txBody>
-          <a:bodyPr anchorCtr="0" anchor="t" bIns="91425" lIns="91425" spcFirstLastPara="1" rIns="91425" wrap="square" tIns="91425">
+          <a:bodyPr spcFirstLastPara="1" wrap="square" lIns="91425" tIns="91425" rIns="91425" bIns="91425" anchor="t" anchorCtr="0">
             <a:noAutofit/>
           </a:bodyPr>
           <a:lstStyle/>
           <a:p>
-            <a:pPr indent="0" lvl="0" marL="0" rtl="0" algn="l">
+            <a:pPr marL="0" lvl="0" indent="0" algn="l" rtl="0">
               <a:spcBef>
                 <a:spcPts val="0"/>
               </a:spcBef>
@@ -7532,9 +7733,11 @@
       <p:sp>
         <p:nvSpPr>
           <p:cNvPr id="80" name="Google Shape;80;p16"/>
-          <p:cNvSpPr txBox="1"/>
+          <p:cNvSpPr txBox="1">
+            <a:spLocks noGrp="1"/>
+          </p:cNvSpPr>
           <p:nvPr>
-            <p:ph idx="1" type="body"/>
+            <p:ph type="body" idx="1"/>
           </p:nvPr>
         </p:nvSpPr>
         <p:spPr>
@@ -7547,12 +7750,12 @@
           </a:prstGeom>
         </p:spPr>
         <p:txBody>
-          <a:bodyPr anchorCtr="0" anchor="t" bIns="91425" lIns="91425" spcFirstLastPara="1" rIns="91425" wrap="square" tIns="91425">
+          <a:bodyPr spcFirstLastPara="1" wrap="square" lIns="91425" tIns="91425" rIns="91425" bIns="91425" anchor="t" anchorCtr="0">
             <a:noAutofit/>
           </a:bodyPr>
           <a:lstStyle/>
           <a:p>
-            <a:pPr indent="-374650" lvl="0" marL="457200" rtl="0" algn="l">
+            <a:pPr marL="457200" lvl="0" indent="-374650" algn="l" rtl="0">
               <a:spcBef>
                 <a:spcPts val="0"/>
               </a:spcBef>
@@ -7569,7 +7772,7 @@
             <a:endParaRPr sz="2300"/>
           </a:p>
           <a:p>
-            <a:pPr indent="-374650" lvl="0" marL="457200" rtl="0" algn="l">
+            <a:pPr marL="457200" lvl="0" indent="-374650" algn="l" rtl="0">
               <a:spcBef>
                 <a:spcPts val="0"/>
               </a:spcBef>
@@ -7586,7 +7789,7 @@
             <a:endParaRPr sz="2300"/>
           </a:p>
           <a:p>
-            <a:pPr indent="-374650" lvl="0" marL="457200" rtl="0" algn="l">
+            <a:pPr marL="457200" lvl="0" indent="-374650" algn="l" rtl="0">
               <a:spcBef>
                 <a:spcPts val="0"/>
               </a:spcBef>
@@ -7603,7 +7806,7 @@
             <a:endParaRPr sz="2300"/>
           </a:p>
           <a:p>
-            <a:pPr indent="-374650" lvl="0" marL="457200" rtl="0" algn="l">
+            <a:pPr marL="457200" lvl="0" indent="-374650" algn="l" rtl="0">
               <a:spcBef>
                 <a:spcPts val="0"/>
               </a:spcBef>
@@ -7658,11 +7861,11 @@
 </file>
 
 <file path=ppt/slides/slide5.xml><?xml version="1.0" encoding="utf-8"?>
-<p:sld xmlns:a="http://schemas.openxmlformats.org/drawingml/2006/main" xmlns:r="http://schemas.openxmlformats.org/officeDocument/2006/relationships" xmlns:mc="http://schemas.openxmlformats.org/markup-compatibility/2006" xmlns:mv="urn:schemas-microsoft-com:mac:vml" xmlns:p="http://schemas.openxmlformats.org/presentationml/2006/main" xmlns:c="http://schemas.openxmlformats.org/drawingml/2006/chart" xmlns:dgm="http://schemas.openxmlformats.org/drawingml/2006/diagram" xmlns:o="urn:schemas-microsoft-com:office:office" xmlns:v="urn:schemas-microsoft-com:vml" xmlns:pvml="urn:schemas-microsoft-com:office:powerpoint" xmlns:com="http://schemas.openxmlformats.org/drawingml/2006/compatibility" xmlns:p14="http://schemas.microsoft.com/office/powerpoint/2010/main" xmlns:p15="http://schemas.microsoft.com/office/powerpoint/2012/main" xmlns:ahyp="http://schemas.microsoft.com/office/drawing/2018/hyperlinkcolor">
+<p:sld xmlns:a="http://schemas.openxmlformats.org/drawingml/2006/main" xmlns:r="http://schemas.openxmlformats.org/officeDocument/2006/relationships" xmlns:p="http://schemas.openxmlformats.org/presentationml/2006/main">
   <p:cSld>
     <p:spTree>
       <p:nvGrpSpPr>
-        <p:cNvPr id="85" name="Shape 85"/>
+        <p:cNvPr id="1" name="Shape 85"/>
         <p:cNvGrpSpPr/>
         <p:nvPr/>
       </p:nvGrpSpPr>
@@ -7677,7 +7880,9 @@
       <p:sp>
         <p:nvSpPr>
           <p:cNvPr id="86" name="Google Shape;86;p17"/>
-          <p:cNvSpPr txBox="1"/>
+          <p:cNvSpPr txBox="1">
+            <a:spLocks noGrp="1"/>
+          </p:cNvSpPr>
           <p:nvPr>
             <p:ph type="title"/>
           </p:nvPr>
@@ -7692,12 +7897,12 @@
           </a:prstGeom>
         </p:spPr>
         <p:txBody>
-          <a:bodyPr anchorCtr="0" anchor="t" bIns="91425" lIns="91425" spcFirstLastPara="1" rIns="91425" wrap="square" tIns="91425">
+          <a:bodyPr spcFirstLastPara="1" wrap="square" lIns="91425" tIns="91425" rIns="91425" bIns="91425" anchor="t" anchorCtr="0">
             <a:noAutofit/>
           </a:bodyPr>
           <a:lstStyle/>
           <a:p>
-            <a:pPr indent="0" lvl="0" marL="0" rtl="0" algn="l">
+            <a:pPr marL="0" lvl="0" indent="0" algn="l" rtl="0">
               <a:spcBef>
                 <a:spcPts val="0"/>
               </a:spcBef>
@@ -7751,11 +7956,11 @@
 </file>
 
 <file path=ppt/slides/slide6.xml><?xml version="1.0" encoding="utf-8"?>
-<p:sld xmlns:a="http://schemas.openxmlformats.org/drawingml/2006/main" xmlns:r="http://schemas.openxmlformats.org/officeDocument/2006/relationships" xmlns:mc="http://schemas.openxmlformats.org/markup-compatibility/2006" xmlns:mv="urn:schemas-microsoft-com:mac:vml" xmlns:p="http://schemas.openxmlformats.org/presentationml/2006/main" xmlns:c="http://schemas.openxmlformats.org/drawingml/2006/chart" xmlns:dgm="http://schemas.openxmlformats.org/drawingml/2006/diagram" xmlns:o="urn:schemas-microsoft-com:office:office" xmlns:v="urn:schemas-microsoft-com:vml" xmlns:pvml="urn:schemas-microsoft-com:office:powerpoint" xmlns:com="http://schemas.openxmlformats.org/drawingml/2006/compatibility" xmlns:p14="http://schemas.microsoft.com/office/powerpoint/2010/main" xmlns:p15="http://schemas.microsoft.com/office/powerpoint/2012/main" xmlns:ahyp="http://schemas.microsoft.com/office/drawing/2018/hyperlinkcolor">
+<p:sld xmlns:a="http://schemas.openxmlformats.org/drawingml/2006/main" xmlns:r="http://schemas.openxmlformats.org/officeDocument/2006/relationships" xmlns:p="http://schemas.openxmlformats.org/presentationml/2006/main">
   <p:cSld>
     <p:spTree>
       <p:nvGrpSpPr>
-        <p:cNvPr id="91" name="Shape 91"/>
+        <p:cNvPr id="1" name="Shape 91"/>
         <p:cNvGrpSpPr/>
         <p:nvPr/>
       </p:nvGrpSpPr>
@@ -7770,7 +7975,9 @@
       <p:sp>
         <p:nvSpPr>
           <p:cNvPr id="92" name="Google Shape;92;p18"/>
-          <p:cNvSpPr txBox="1"/>
+          <p:cNvSpPr txBox="1">
+            <a:spLocks noGrp="1"/>
+          </p:cNvSpPr>
           <p:nvPr>
             <p:ph type="title"/>
           </p:nvPr>
@@ -7785,12 +7992,12 @@
           </a:prstGeom>
         </p:spPr>
         <p:txBody>
-          <a:bodyPr anchorCtr="0" anchor="t" bIns="91425" lIns="91425" spcFirstLastPara="1" rIns="91425" wrap="square" tIns="91425">
+          <a:bodyPr spcFirstLastPara="1" wrap="square" lIns="91425" tIns="91425" rIns="91425" bIns="91425" anchor="t" anchorCtr="0">
             <a:noAutofit/>
           </a:bodyPr>
           <a:lstStyle/>
           <a:p>
-            <a:pPr indent="0" lvl="0" marL="0" rtl="0" algn="l">
+            <a:pPr marL="0" lvl="0" indent="0" algn="l" rtl="0">
               <a:spcBef>
                 <a:spcPts val="0"/>
               </a:spcBef>
@@ -7810,9 +8017,11 @@
       <p:sp>
         <p:nvSpPr>
           <p:cNvPr id="93" name="Google Shape;93;p18"/>
-          <p:cNvSpPr txBox="1"/>
+          <p:cNvSpPr txBox="1">
+            <a:spLocks noGrp="1"/>
+          </p:cNvSpPr>
           <p:nvPr>
-            <p:ph idx="1" type="body"/>
+            <p:ph type="body" idx="1"/>
           </p:nvPr>
         </p:nvSpPr>
         <p:spPr>
@@ -7825,12 +8034,12 @@
           </a:prstGeom>
         </p:spPr>
         <p:txBody>
-          <a:bodyPr anchorCtr="0" anchor="t" bIns="91425" lIns="91425" spcFirstLastPara="1" rIns="91425" wrap="square" tIns="91425">
+          <a:bodyPr spcFirstLastPara="1" wrap="square" lIns="91425" tIns="91425" rIns="91425" bIns="91425" anchor="t" anchorCtr="0">
             <a:noAutofit/>
           </a:bodyPr>
           <a:lstStyle/>
           <a:p>
-            <a:pPr indent="-387350" lvl="0" marL="457200" rtl="0" algn="l">
+            <a:pPr marL="457200" lvl="0" indent="-387350" algn="l" rtl="0">
               <a:spcBef>
                 <a:spcPts val="0"/>
               </a:spcBef>
@@ -7847,7 +8056,7 @@
             <a:endParaRPr sz="2500"/>
           </a:p>
           <a:p>
-            <a:pPr indent="-387350" lvl="0" marL="457200" rtl="0" algn="l">
+            <a:pPr marL="457200" lvl="0" indent="-387350" algn="l" rtl="0">
               <a:spcBef>
                 <a:spcPts val="0"/>
               </a:spcBef>
@@ -7864,7 +8073,7 @@
             <a:endParaRPr sz="2500"/>
           </a:p>
           <a:p>
-            <a:pPr indent="-387350" lvl="0" marL="457200" rtl="0" algn="l">
+            <a:pPr marL="457200" lvl="0" indent="-387350" algn="l" rtl="0">
               <a:spcBef>
                 <a:spcPts val="0"/>
               </a:spcBef>
@@ -7881,7 +8090,7 @@
             <a:endParaRPr sz="2500"/>
           </a:p>
           <a:p>
-            <a:pPr indent="-387350" lvl="0" marL="457200" rtl="0" algn="l">
+            <a:pPr marL="457200" lvl="0" indent="-387350" algn="l" rtl="0">
               <a:spcBef>
                 <a:spcPts val="0"/>
               </a:spcBef>
@@ -7898,7 +8107,7 @@
             <a:endParaRPr sz="2500"/>
           </a:p>
           <a:p>
-            <a:pPr indent="0" lvl="0" marL="0" rtl="0" algn="l">
+            <a:pPr marL="0" lvl="0" indent="0" algn="l" rtl="0">
               <a:spcBef>
                 <a:spcPts val="1600"/>
               </a:spcBef>
@@ -7907,13 +8116,10 @@
               </a:spcAft>
               <a:buNone/>
             </a:pPr>
-            <a:r>
-              <a:t/>
-            </a:r>
             <a:endParaRPr/>
           </a:p>
           <a:p>
-            <a:pPr indent="0" lvl="0" marL="457200" rtl="0" algn="l">
+            <a:pPr marL="457200" lvl="0" indent="0" algn="l" rtl="0">
               <a:spcBef>
                 <a:spcPts val="1600"/>
               </a:spcBef>
@@ -7922,13 +8128,10 @@
               </a:spcAft>
               <a:buNone/>
             </a:pPr>
-            <a:r>
-              <a:t/>
-            </a:r>
             <a:endParaRPr/>
           </a:p>
           <a:p>
-            <a:pPr indent="0" lvl="0" marL="457200" rtl="0" algn="l">
+            <a:pPr marL="457200" lvl="0" indent="0" algn="l" rtl="0">
               <a:spcBef>
                 <a:spcPts val="1600"/>
               </a:spcBef>
@@ -7937,9 +8140,6 @@
               </a:spcAft>
               <a:buNone/>
             </a:pPr>
-            <a:r>
-              <a:t/>
-            </a:r>
             <a:endParaRPr/>
           </a:p>
         </p:txBody>
@@ -7981,11 +8181,11 @@
 </file>
 
 <file path=ppt/slides/slide7.xml><?xml version="1.0" encoding="utf-8"?>
-<p:sld xmlns:a="http://schemas.openxmlformats.org/drawingml/2006/main" xmlns:r="http://schemas.openxmlformats.org/officeDocument/2006/relationships" xmlns:mc="http://schemas.openxmlformats.org/markup-compatibility/2006" xmlns:mv="urn:schemas-microsoft-com:mac:vml" xmlns:p="http://schemas.openxmlformats.org/presentationml/2006/main" xmlns:c="http://schemas.openxmlformats.org/drawingml/2006/chart" xmlns:dgm="http://schemas.openxmlformats.org/drawingml/2006/diagram" xmlns:o="urn:schemas-microsoft-com:office:office" xmlns:v="urn:schemas-microsoft-com:vml" xmlns:pvml="urn:schemas-microsoft-com:office:powerpoint" xmlns:com="http://schemas.openxmlformats.org/drawingml/2006/compatibility" xmlns:p14="http://schemas.microsoft.com/office/powerpoint/2010/main" xmlns:p15="http://schemas.microsoft.com/office/powerpoint/2012/main" xmlns:ahyp="http://schemas.microsoft.com/office/drawing/2018/hyperlinkcolor">
+<p:sld xmlns:a="http://schemas.openxmlformats.org/drawingml/2006/main" xmlns:r="http://schemas.openxmlformats.org/officeDocument/2006/relationships" xmlns:p="http://schemas.openxmlformats.org/presentationml/2006/main">
   <p:cSld>
     <p:spTree>
       <p:nvGrpSpPr>
-        <p:cNvPr id="98" name="Shape 98"/>
+        <p:cNvPr id="1" name="Shape 98"/>
         <p:cNvGrpSpPr/>
         <p:nvPr/>
       </p:nvGrpSpPr>
@@ -8000,27 +8200,29 @@
       <p:sp>
         <p:nvSpPr>
           <p:cNvPr id="99" name="Google Shape;99;p19"/>
-          <p:cNvSpPr txBox="1"/>
+          <p:cNvSpPr txBox="1">
+            <a:spLocks noGrp="1"/>
+          </p:cNvSpPr>
           <p:nvPr>
             <p:ph type="title"/>
           </p:nvPr>
         </p:nvSpPr>
         <p:spPr>
           <a:xfrm>
-            <a:off x="510450" y="2057400"/>
-            <a:ext cx="8123100" cy="778800"/>
+            <a:off x="847333" y="2071150"/>
+            <a:ext cx="7182886" cy="778800"/>
           </a:xfrm>
           <a:prstGeom prst="rect">
             <a:avLst/>
           </a:prstGeom>
         </p:spPr>
         <p:txBody>
-          <a:bodyPr anchorCtr="0" anchor="b" bIns="91425" lIns="91425" spcFirstLastPara="1" rIns="91425" wrap="square" tIns="91425">
+          <a:bodyPr spcFirstLastPara="1" wrap="square" lIns="91425" tIns="91425" rIns="91425" bIns="91425" anchor="b" anchorCtr="0">
             <a:noAutofit/>
           </a:bodyPr>
           <a:lstStyle/>
           <a:p>
-            <a:pPr indent="0" lvl="0" marL="0" rtl="0" algn="ctr">
+            <a:pPr marL="0" lvl="0" indent="0" algn="ctr" rtl="0">
               <a:spcBef>
                 <a:spcPts val="0"/>
               </a:spcBef>
@@ -8030,10 +8232,10 @@
               <a:buNone/>
             </a:pPr>
             <a:r>
-              <a:rPr lang="en"/>
+              <a:rPr lang="en" dirty="0"/>
               <a:t>Thank You !</a:t>
             </a:r>
-            <a:endParaRPr/>
+            <a:endParaRPr dirty="0"/>
           </a:p>
         </p:txBody>
       </p:sp>
@@ -8046,7 +8248,7 @@
 </file>
 
 <file path=ppt/theme/theme1.xml><?xml version="1.0" encoding="utf-8"?>
-<a:theme xmlns:a="http://schemas.openxmlformats.org/drawingml/2006/main" xmlns:r="http://schemas.openxmlformats.org/officeDocument/2006/relationships" name="Spearmint">
+<a:theme xmlns:a="http://schemas.openxmlformats.org/drawingml/2006/main" name="Spearmint">
   <a:themeElements>
     <a:clrScheme name="Spearmint">
       <a:dk1>
@@ -8321,11 +8523,13 @@
       </a:bgFillStyleLst>
     </a:fmtScheme>
   </a:themeElements>
+  <a:objectDefaults/>
+  <a:extraClrSchemeLst/>
 </a:theme>
 </file>
 
 <file path=ppt/theme/theme2.xml><?xml version="1.0" encoding="utf-8"?>
-<a:theme xmlns:a="http://schemas.openxmlformats.org/drawingml/2006/main" xmlns:r="http://schemas.openxmlformats.org/officeDocument/2006/relationships">
+<a:theme xmlns:a="http://schemas.openxmlformats.org/drawingml/2006/main">
   <a:themeElements>
     <a:clrScheme name="Default">
       <a:dk1>
@@ -8600,5 +8804,7 @@
       </a:bgFillStyleLst>
     </a:fmtScheme>
   </a:themeElements>
+  <a:objectDefaults/>
+  <a:extraClrSchemeLst/>
 </a:theme>
 </file>